--- a/Laboratories/Lab0/Intro_To_R.pptx
+++ b/Laboratories/Lab0/Intro_To_R.pptx
@@ -5,7 +5,7 @@
     <p:sldMasterId id="2147483648" r:id="rId1"/>
   </p:sldMasterIdLst>
   <p:notesMasterIdLst>
-    <p:notesMasterId r:id="rId17"/>
+    <p:notesMasterId r:id="rId20"/>
   </p:notesMasterIdLst>
   <p:sldIdLst>
     <p:sldId id="256" r:id="rId2"/>
@@ -18,11 +18,14 @@
     <p:sldId id="268" r:id="rId9"/>
     <p:sldId id="291" r:id="rId10"/>
     <p:sldId id="269" r:id="rId11"/>
-    <p:sldId id="292" r:id="rId12"/>
-    <p:sldId id="296" r:id="rId13"/>
-    <p:sldId id="293" r:id="rId14"/>
-    <p:sldId id="294" r:id="rId15"/>
-    <p:sldId id="295" r:id="rId16"/>
+    <p:sldId id="352" r:id="rId12"/>
+    <p:sldId id="351" r:id="rId13"/>
+    <p:sldId id="308" r:id="rId14"/>
+    <p:sldId id="309" r:id="rId15"/>
+    <p:sldId id="350" r:id="rId16"/>
+    <p:sldId id="310" r:id="rId17"/>
+    <p:sldId id="294" r:id="rId18"/>
+    <p:sldId id="295" r:id="rId19"/>
   </p:sldIdLst>
   <p:sldSz cx="9144000" cy="6858000" type="screen4x3"/>
   <p:notesSz cx="6858000" cy="9144000"/>
@@ -121,6 +124,22 @@
       </a:defRPr>
     </a:lvl9pPr>
   </p:defaultTextStyle>
+  <p:extLst>
+    <p:ext uri="{EFAFB233-063F-42B5-8137-9DF3F51BA10A}">
+      <p15:sldGuideLst xmlns:p15="http://schemas.microsoft.com/office/powerpoint/2012/main">
+        <p15:guide id="1" orient="horz" pos="2160">
+          <p15:clr>
+            <a:srgbClr val="A4A3A4"/>
+          </p15:clr>
+        </p15:guide>
+        <p15:guide id="2" pos="2880">
+          <p15:clr>
+            <a:srgbClr val="A4A3A4"/>
+          </p15:clr>
+        </p15:guide>
+      </p15:sldGuideLst>
+    </p:ext>
+  </p:extLst>
 </p:presentation>
 </file>
 
@@ -207,7 +226,7 @@
             <a:fld id="{E5C71FD9-B322-2549-9400-AF0C57474107}" type="datetimeFigureOut">
               <a:rPr lang="en-US" smtClean="0"/>
               <a:pPr/>
-              <a:t>8/27/17</a:t>
+              <a:t>8/31/20</a:t>
             </a:fld>
             <a:endParaRPr lang="en-US"/>
           </a:p>
@@ -273,38 +292,37 @@
           <a:p>
             <a:pPr lvl="0"/>
             <a:r>
-              <a:rPr lang="en-US" smtClean="0"/>
+              <a:rPr lang="en-US"/>
               <a:t>Click to edit Master text styles</a:t>
             </a:r>
           </a:p>
           <a:p>
             <a:pPr lvl="1"/>
             <a:r>
-              <a:rPr lang="en-US" smtClean="0"/>
+              <a:rPr lang="en-US"/>
               <a:t>Second level</a:t>
             </a:r>
           </a:p>
           <a:p>
             <a:pPr lvl="2"/>
             <a:r>
-              <a:rPr lang="en-US" smtClean="0"/>
+              <a:rPr lang="en-US"/>
               <a:t>Third level</a:t>
             </a:r>
           </a:p>
           <a:p>
             <a:pPr lvl="3"/>
             <a:r>
-              <a:rPr lang="en-US" smtClean="0"/>
+              <a:rPr lang="en-US"/>
               <a:t>Fourth level</a:t>
             </a:r>
           </a:p>
           <a:p>
             <a:pPr lvl="4"/>
             <a:r>
-              <a:rPr lang="en-US" smtClean="0"/>
+              <a:rPr lang="en-US"/>
               <a:t>Fifth level</a:t>
             </a:r>
-            <a:endParaRPr lang="en-US"/>
           </a:p>
         </p:txBody>
       </p:sp>
@@ -551,7 +569,7 @@
           <a:bodyPr wrap="none" anchor="ctr"/>
           <a:lstStyle/>
           <a:p>
-            <a:endParaRPr lang="en-US" dirty="0" smtClean="0"/>
+            <a:endParaRPr lang="en-US" dirty="0"/>
           </a:p>
         </p:txBody>
       </p:sp>
@@ -773,10 +791,9 @@
           <a:lstStyle/>
           <a:p>
             <a:r>
-              <a:rPr lang="en-US" smtClean="0"/>
+              <a:rPr lang="en-US"/>
               <a:t>Click to edit Master title style</a:t>
             </a:r>
-            <a:endParaRPr lang="en-US"/>
           </a:p>
         </p:txBody>
       </p:sp>
@@ -892,10 +909,9 @@
           </a:lstStyle>
           <a:p>
             <a:r>
-              <a:rPr lang="en-US" smtClean="0"/>
+              <a:rPr lang="en-US"/>
               <a:t>Click to edit Master subtitle style</a:t>
             </a:r>
-            <a:endParaRPr lang="en-US"/>
           </a:p>
         </p:txBody>
       </p:sp>
@@ -917,7 +933,7 @@
             <a:fld id="{A3417F39-3343-D34D-887C-91D887A1DE4F}" type="datetimeFigureOut">
               <a:rPr lang="en-US" smtClean="0"/>
               <a:pPr/>
-              <a:t>8/27/17</a:t>
+              <a:t>8/31/20</a:t>
             </a:fld>
             <a:endParaRPr lang="en-US"/>
           </a:p>
@@ -1007,10 +1023,9 @@
           <a:lstStyle/>
           <a:p>
             <a:r>
-              <a:rPr lang="en-US" smtClean="0"/>
+              <a:rPr lang="en-US"/>
               <a:t>Click to edit Master title style</a:t>
             </a:r>
-            <a:endParaRPr lang="en-US"/>
           </a:p>
         </p:txBody>
       </p:sp>
@@ -1031,38 +1046,37 @@
           <a:p>
             <a:pPr lvl="0"/>
             <a:r>
-              <a:rPr lang="en-US" smtClean="0"/>
+              <a:rPr lang="en-US"/>
               <a:t>Click to edit Master text styles</a:t>
             </a:r>
           </a:p>
           <a:p>
             <a:pPr lvl="1"/>
             <a:r>
-              <a:rPr lang="en-US" smtClean="0"/>
+              <a:rPr lang="en-US"/>
               <a:t>Second level</a:t>
             </a:r>
           </a:p>
           <a:p>
             <a:pPr lvl="2"/>
             <a:r>
-              <a:rPr lang="en-US" smtClean="0"/>
+              <a:rPr lang="en-US"/>
               <a:t>Third level</a:t>
             </a:r>
           </a:p>
           <a:p>
             <a:pPr lvl="3"/>
             <a:r>
-              <a:rPr lang="en-US" smtClean="0"/>
+              <a:rPr lang="en-US"/>
               <a:t>Fourth level</a:t>
             </a:r>
           </a:p>
           <a:p>
             <a:pPr lvl="4"/>
             <a:r>
-              <a:rPr lang="en-US" smtClean="0"/>
+              <a:rPr lang="en-US"/>
               <a:t>Fifth level</a:t>
             </a:r>
-            <a:endParaRPr lang="en-US"/>
           </a:p>
         </p:txBody>
       </p:sp>
@@ -1084,7 +1098,7 @@
             <a:fld id="{A3417F39-3343-D34D-887C-91D887A1DE4F}" type="datetimeFigureOut">
               <a:rPr lang="en-US" smtClean="0"/>
               <a:pPr/>
-              <a:t>8/27/17</a:t>
+              <a:t>8/31/20</a:t>
             </a:fld>
             <a:endParaRPr lang="en-US"/>
           </a:p>
@@ -1179,10 +1193,9 @@
           <a:lstStyle/>
           <a:p>
             <a:r>
-              <a:rPr lang="en-US" smtClean="0"/>
+              <a:rPr lang="en-US"/>
               <a:t>Click to edit Master title style</a:t>
             </a:r>
-            <a:endParaRPr lang="en-US"/>
           </a:p>
         </p:txBody>
       </p:sp>
@@ -1208,38 +1221,37 @@
           <a:p>
             <a:pPr lvl="0"/>
             <a:r>
-              <a:rPr lang="en-US" smtClean="0"/>
+              <a:rPr lang="en-US"/>
               <a:t>Click to edit Master text styles</a:t>
             </a:r>
           </a:p>
           <a:p>
             <a:pPr lvl="1"/>
             <a:r>
-              <a:rPr lang="en-US" smtClean="0"/>
+              <a:rPr lang="en-US"/>
               <a:t>Second level</a:t>
             </a:r>
           </a:p>
           <a:p>
             <a:pPr lvl="2"/>
             <a:r>
-              <a:rPr lang="en-US" smtClean="0"/>
+              <a:rPr lang="en-US"/>
               <a:t>Third level</a:t>
             </a:r>
           </a:p>
           <a:p>
             <a:pPr lvl="3"/>
             <a:r>
-              <a:rPr lang="en-US" smtClean="0"/>
+              <a:rPr lang="en-US"/>
               <a:t>Fourth level</a:t>
             </a:r>
           </a:p>
           <a:p>
             <a:pPr lvl="4"/>
             <a:r>
-              <a:rPr lang="en-US" smtClean="0"/>
+              <a:rPr lang="en-US"/>
               <a:t>Fifth level</a:t>
             </a:r>
-            <a:endParaRPr lang="en-US"/>
           </a:p>
         </p:txBody>
       </p:sp>
@@ -1261,7 +1273,7 @@
             <a:fld id="{A3417F39-3343-D34D-887C-91D887A1DE4F}" type="datetimeFigureOut">
               <a:rPr lang="en-US" smtClean="0"/>
               <a:pPr/>
-              <a:t>8/27/17</a:t>
+              <a:t>8/31/20</a:t>
             </a:fld>
             <a:endParaRPr lang="en-US"/>
           </a:p>
@@ -1351,10 +1363,9 @@
           <a:lstStyle/>
           <a:p>
             <a:r>
-              <a:rPr lang="en-US" smtClean="0"/>
+              <a:rPr lang="en-US"/>
               <a:t>Click to edit Master title style</a:t>
             </a:r>
-            <a:endParaRPr lang="en-US"/>
           </a:p>
         </p:txBody>
       </p:sp>
@@ -1375,38 +1386,37 @@
           <a:p>
             <a:pPr lvl="0"/>
             <a:r>
-              <a:rPr lang="en-US" smtClean="0"/>
+              <a:rPr lang="en-US"/>
               <a:t>Click to edit Master text styles</a:t>
             </a:r>
           </a:p>
           <a:p>
             <a:pPr lvl="1"/>
             <a:r>
-              <a:rPr lang="en-US" smtClean="0"/>
+              <a:rPr lang="en-US"/>
               <a:t>Second level</a:t>
             </a:r>
           </a:p>
           <a:p>
             <a:pPr lvl="2"/>
             <a:r>
-              <a:rPr lang="en-US" smtClean="0"/>
+              <a:rPr lang="en-US"/>
               <a:t>Third level</a:t>
             </a:r>
           </a:p>
           <a:p>
             <a:pPr lvl="3"/>
             <a:r>
-              <a:rPr lang="en-US" smtClean="0"/>
+              <a:rPr lang="en-US"/>
               <a:t>Fourth level</a:t>
             </a:r>
           </a:p>
           <a:p>
             <a:pPr lvl="4"/>
             <a:r>
-              <a:rPr lang="en-US" smtClean="0"/>
+              <a:rPr lang="en-US"/>
               <a:t>Fifth level</a:t>
             </a:r>
-            <a:endParaRPr lang="en-US"/>
           </a:p>
         </p:txBody>
       </p:sp>
@@ -1428,7 +1438,7 @@
             <a:fld id="{A3417F39-3343-D34D-887C-91D887A1DE4F}" type="datetimeFigureOut">
               <a:rPr lang="en-US" smtClean="0"/>
               <a:pPr/>
-              <a:t>8/27/17</a:t>
+              <a:t>8/31/20</a:t>
             </a:fld>
             <a:endParaRPr lang="en-US"/>
           </a:p>
@@ -1527,10 +1537,9 @@
           </a:lstStyle>
           <a:p>
             <a:r>
-              <a:rPr lang="en-US" smtClean="0"/>
+              <a:rPr lang="en-US"/>
               <a:t>Click to edit Master title style</a:t>
             </a:r>
-            <a:endParaRPr lang="en-US"/>
           </a:p>
         </p:txBody>
       </p:sp>
@@ -1647,7 +1656,7 @@
           <a:p>
             <a:pPr lvl="0"/>
             <a:r>
-              <a:rPr lang="en-US" smtClean="0"/>
+              <a:rPr lang="en-US"/>
               <a:t>Click to edit Master text styles</a:t>
             </a:r>
           </a:p>
@@ -1671,7 +1680,7 @@
             <a:fld id="{A3417F39-3343-D34D-887C-91D887A1DE4F}" type="datetimeFigureOut">
               <a:rPr lang="en-US" smtClean="0"/>
               <a:pPr/>
-              <a:t>8/27/17</a:t>
+              <a:t>8/31/20</a:t>
             </a:fld>
             <a:endParaRPr lang="en-US"/>
           </a:p>
@@ -1761,10 +1770,9 @@
           <a:lstStyle/>
           <a:p>
             <a:r>
-              <a:rPr lang="en-US" smtClean="0"/>
+              <a:rPr lang="en-US"/>
               <a:t>Click to edit Master title style</a:t>
             </a:r>
-            <a:endParaRPr lang="en-US"/>
           </a:p>
         </p:txBody>
       </p:sp>
@@ -1818,38 +1826,37 @@
           <a:p>
             <a:pPr lvl="0"/>
             <a:r>
-              <a:rPr lang="en-US" smtClean="0"/>
+              <a:rPr lang="en-US"/>
               <a:t>Click to edit Master text styles</a:t>
             </a:r>
           </a:p>
           <a:p>
             <a:pPr lvl="1"/>
             <a:r>
-              <a:rPr lang="en-US" smtClean="0"/>
+              <a:rPr lang="en-US"/>
               <a:t>Second level</a:t>
             </a:r>
           </a:p>
           <a:p>
             <a:pPr lvl="2"/>
             <a:r>
-              <a:rPr lang="en-US" smtClean="0"/>
+              <a:rPr lang="en-US"/>
               <a:t>Third level</a:t>
             </a:r>
           </a:p>
           <a:p>
             <a:pPr lvl="3"/>
             <a:r>
-              <a:rPr lang="en-US" smtClean="0"/>
+              <a:rPr lang="en-US"/>
               <a:t>Fourth level</a:t>
             </a:r>
           </a:p>
           <a:p>
             <a:pPr lvl="4"/>
             <a:r>
-              <a:rPr lang="en-US" smtClean="0"/>
+              <a:rPr lang="en-US"/>
               <a:t>Fifth level</a:t>
             </a:r>
-            <a:endParaRPr lang="en-US"/>
           </a:p>
         </p:txBody>
       </p:sp>
@@ -1903,38 +1910,37 @@
           <a:p>
             <a:pPr lvl="0"/>
             <a:r>
-              <a:rPr lang="en-US" smtClean="0"/>
+              <a:rPr lang="en-US"/>
               <a:t>Click to edit Master text styles</a:t>
             </a:r>
           </a:p>
           <a:p>
             <a:pPr lvl="1"/>
             <a:r>
-              <a:rPr lang="en-US" smtClean="0"/>
+              <a:rPr lang="en-US"/>
               <a:t>Second level</a:t>
             </a:r>
           </a:p>
           <a:p>
             <a:pPr lvl="2"/>
             <a:r>
-              <a:rPr lang="en-US" smtClean="0"/>
+              <a:rPr lang="en-US"/>
               <a:t>Third level</a:t>
             </a:r>
           </a:p>
           <a:p>
             <a:pPr lvl="3"/>
             <a:r>
-              <a:rPr lang="en-US" smtClean="0"/>
+              <a:rPr lang="en-US"/>
               <a:t>Fourth level</a:t>
             </a:r>
           </a:p>
           <a:p>
             <a:pPr lvl="4"/>
             <a:r>
-              <a:rPr lang="en-US" smtClean="0"/>
+              <a:rPr lang="en-US"/>
               <a:t>Fifth level</a:t>
             </a:r>
-            <a:endParaRPr lang="en-US"/>
           </a:p>
         </p:txBody>
       </p:sp>
@@ -1956,7 +1962,7 @@
             <a:fld id="{A3417F39-3343-D34D-887C-91D887A1DE4F}" type="datetimeFigureOut">
               <a:rPr lang="en-US" smtClean="0"/>
               <a:pPr/>
-              <a:t>8/27/17</a:t>
+              <a:t>8/31/20</a:t>
             </a:fld>
             <a:endParaRPr lang="en-US"/>
           </a:p>
@@ -2050,10 +2056,9 @@
           </a:lstStyle>
           <a:p>
             <a:r>
-              <a:rPr lang="en-US" smtClean="0"/>
+              <a:rPr lang="en-US"/>
               <a:t>Click to edit Master title style</a:t>
             </a:r>
-            <a:endParaRPr lang="en-US"/>
           </a:p>
         </p:txBody>
       </p:sp>
@@ -2116,7 +2121,7 @@
           <a:p>
             <a:pPr lvl="0"/>
             <a:r>
-              <a:rPr lang="en-US" smtClean="0"/>
+              <a:rPr lang="en-US"/>
               <a:t>Click to edit Master text styles</a:t>
             </a:r>
           </a:p>
@@ -2172,38 +2177,37 @@
           <a:p>
             <a:pPr lvl="0"/>
             <a:r>
-              <a:rPr lang="en-US" smtClean="0"/>
+              <a:rPr lang="en-US"/>
               <a:t>Click to edit Master text styles</a:t>
             </a:r>
           </a:p>
           <a:p>
             <a:pPr lvl="1"/>
             <a:r>
-              <a:rPr lang="en-US" smtClean="0"/>
+              <a:rPr lang="en-US"/>
               <a:t>Second level</a:t>
             </a:r>
           </a:p>
           <a:p>
             <a:pPr lvl="2"/>
             <a:r>
-              <a:rPr lang="en-US" smtClean="0"/>
+              <a:rPr lang="en-US"/>
               <a:t>Third level</a:t>
             </a:r>
           </a:p>
           <a:p>
             <a:pPr lvl="3"/>
             <a:r>
-              <a:rPr lang="en-US" smtClean="0"/>
+              <a:rPr lang="en-US"/>
               <a:t>Fourth level</a:t>
             </a:r>
           </a:p>
           <a:p>
             <a:pPr lvl="4"/>
             <a:r>
-              <a:rPr lang="en-US" smtClean="0"/>
+              <a:rPr lang="en-US"/>
               <a:t>Fifth level</a:t>
             </a:r>
-            <a:endParaRPr lang="en-US"/>
           </a:p>
         </p:txBody>
       </p:sp>
@@ -2266,7 +2270,7 @@
           <a:p>
             <a:pPr lvl="0"/>
             <a:r>
-              <a:rPr lang="en-US" smtClean="0"/>
+              <a:rPr lang="en-US"/>
               <a:t>Click to edit Master text styles</a:t>
             </a:r>
           </a:p>
@@ -2322,38 +2326,37 @@
           <a:p>
             <a:pPr lvl="0"/>
             <a:r>
-              <a:rPr lang="en-US" smtClean="0"/>
+              <a:rPr lang="en-US"/>
               <a:t>Click to edit Master text styles</a:t>
             </a:r>
           </a:p>
           <a:p>
             <a:pPr lvl="1"/>
             <a:r>
-              <a:rPr lang="en-US" smtClean="0"/>
+              <a:rPr lang="en-US"/>
               <a:t>Second level</a:t>
             </a:r>
           </a:p>
           <a:p>
             <a:pPr lvl="2"/>
             <a:r>
-              <a:rPr lang="en-US" smtClean="0"/>
+              <a:rPr lang="en-US"/>
               <a:t>Third level</a:t>
             </a:r>
           </a:p>
           <a:p>
             <a:pPr lvl="3"/>
             <a:r>
-              <a:rPr lang="en-US" smtClean="0"/>
+              <a:rPr lang="en-US"/>
               <a:t>Fourth level</a:t>
             </a:r>
           </a:p>
           <a:p>
             <a:pPr lvl="4"/>
             <a:r>
-              <a:rPr lang="en-US" smtClean="0"/>
+              <a:rPr lang="en-US"/>
               <a:t>Fifth level</a:t>
             </a:r>
-            <a:endParaRPr lang="en-US"/>
           </a:p>
         </p:txBody>
       </p:sp>
@@ -2375,7 +2378,7 @@
             <a:fld id="{A3417F39-3343-D34D-887C-91D887A1DE4F}" type="datetimeFigureOut">
               <a:rPr lang="en-US" smtClean="0"/>
               <a:pPr/>
-              <a:t>8/27/17</a:t>
+              <a:t>8/31/20</a:t>
             </a:fld>
             <a:endParaRPr lang="en-US"/>
           </a:p>
@@ -2465,10 +2468,9 @@
           <a:lstStyle/>
           <a:p>
             <a:r>
-              <a:rPr lang="en-US" smtClean="0"/>
+              <a:rPr lang="en-US"/>
               <a:t>Click to edit Master title style</a:t>
             </a:r>
-            <a:endParaRPr lang="en-US"/>
           </a:p>
         </p:txBody>
       </p:sp>
@@ -2490,7 +2492,7 @@
             <a:fld id="{A3417F39-3343-D34D-887C-91D887A1DE4F}" type="datetimeFigureOut">
               <a:rPr lang="en-US" smtClean="0"/>
               <a:pPr/>
-              <a:t>8/27/17</a:t>
+              <a:t>8/31/20</a:t>
             </a:fld>
             <a:endParaRPr lang="en-US"/>
           </a:p>
@@ -2582,7 +2584,7 @@
             <a:fld id="{A3417F39-3343-D34D-887C-91D887A1DE4F}" type="datetimeFigureOut">
               <a:rPr lang="en-US" smtClean="0"/>
               <a:pPr/>
-              <a:t>8/27/17</a:t>
+              <a:t>8/31/20</a:t>
             </a:fld>
             <a:endParaRPr lang="en-US"/>
           </a:p>
@@ -2681,10 +2683,9 @@
           </a:lstStyle>
           <a:p>
             <a:r>
-              <a:rPr lang="en-US" smtClean="0"/>
+              <a:rPr lang="en-US"/>
               <a:t>Click to edit Master title style</a:t>
             </a:r>
-            <a:endParaRPr lang="en-US"/>
           </a:p>
         </p:txBody>
       </p:sp>
@@ -2738,38 +2739,37 @@
           <a:p>
             <a:pPr lvl="0"/>
             <a:r>
-              <a:rPr lang="en-US" smtClean="0"/>
+              <a:rPr lang="en-US"/>
               <a:t>Click to edit Master text styles</a:t>
             </a:r>
           </a:p>
           <a:p>
             <a:pPr lvl="1"/>
             <a:r>
-              <a:rPr lang="en-US" smtClean="0"/>
+              <a:rPr lang="en-US"/>
               <a:t>Second level</a:t>
             </a:r>
           </a:p>
           <a:p>
             <a:pPr lvl="2"/>
             <a:r>
-              <a:rPr lang="en-US" smtClean="0"/>
+              <a:rPr lang="en-US"/>
               <a:t>Third level</a:t>
             </a:r>
           </a:p>
           <a:p>
             <a:pPr lvl="3"/>
             <a:r>
-              <a:rPr lang="en-US" smtClean="0"/>
+              <a:rPr lang="en-US"/>
               <a:t>Fourth level</a:t>
             </a:r>
           </a:p>
           <a:p>
             <a:pPr lvl="4"/>
             <a:r>
-              <a:rPr lang="en-US" smtClean="0"/>
+              <a:rPr lang="en-US"/>
               <a:t>Fifth level</a:t>
             </a:r>
-            <a:endParaRPr lang="en-US"/>
           </a:p>
         </p:txBody>
       </p:sp>
@@ -2832,7 +2832,7 @@
           <a:p>
             <a:pPr lvl="0"/>
             <a:r>
-              <a:rPr lang="en-US" smtClean="0"/>
+              <a:rPr lang="en-US"/>
               <a:t>Click to edit Master text styles</a:t>
             </a:r>
           </a:p>
@@ -2856,7 +2856,7 @@
             <a:fld id="{A3417F39-3343-D34D-887C-91D887A1DE4F}" type="datetimeFigureOut">
               <a:rPr lang="en-US" smtClean="0"/>
               <a:pPr/>
-              <a:t>8/27/17</a:t>
+              <a:t>8/31/20</a:t>
             </a:fld>
             <a:endParaRPr lang="en-US"/>
           </a:p>
@@ -2955,10 +2955,9 @@
           </a:lstStyle>
           <a:p>
             <a:r>
-              <a:rPr lang="en-US" smtClean="0"/>
+              <a:rPr lang="en-US"/>
               <a:t>Click to edit Master title style</a:t>
             </a:r>
-            <a:endParaRPr lang="en-US"/>
           </a:p>
         </p:txBody>
       </p:sp>
@@ -3082,7 +3081,7 @@
           <a:p>
             <a:pPr lvl="0"/>
             <a:r>
-              <a:rPr lang="en-US" smtClean="0"/>
+              <a:rPr lang="en-US"/>
               <a:t>Click to edit Master text styles</a:t>
             </a:r>
           </a:p>
@@ -3106,7 +3105,7 @@
             <a:fld id="{A3417F39-3343-D34D-887C-91D887A1DE4F}" type="datetimeFigureOut">
               <a:rPr lang="en-US" smtClean="0"/>
               <a:pPr/>
-              <a:t>8/27/17</a:t>
+              <a:t>8/31/20</a:t>
             </a:fld>
             <a:endParaRPr lang="en-US"/>
           </a:p>
@@ -3211,10 +3210,9 @@
           <a:lstStyle/>
           <a:p>
             <a:r>
-              <a:rPr lang="en-US" smtClean="0"/>
+              <a:rPr lang="en-US"/>
               <a:t>Click to edit Master title style</a:t>
             </a:r>
-            <a:endParaRPr lang="en-US"/>
           </a:p>
         </p:txBody>
       </p:sp>
@@ -3245,38 +3243,37 @@
           <a:p>
             <a:pPr lvl="0"/>
             <a:r>
-              <a:rPr lang="en-US" smtClean="0"/>
+              <a:rPr lang="en-US"/>
               <a:t>Click to edit Master text styles</a:t>
             </a:r>
           </a:p>
           <a:p>
             <a:pPr lvl="1"/>
             <a:r>
-              <a:rPr lang="en-US" smtClean="0"/>
+              <a:rPr lang="en-US"/>
               <a:t>Second level</a:t>
             </a:r>
           </a:p>
           <a:p>
             <a:pPr lvl="2"/>
             <a:r>
-              <a:rPr lang="en-US" smtClean="0"/>
+              <a:rPr lang="en-US"/>
               <a:t>Third level</a:t>
             </a:r>
           </a:p>
           <a:p>
             <a:pPr lvl="3"/>
             <a:r>
-              <a:rPr lang="en-US" smtClean="0"/>
+              <a:rPr lang="en-US"/>
               <a:t>Fourth level</a:t>
             </a:r>
           </a:p>
           <a:p>
             <a:pPr lvl="4"/>
             <a:r>
-              <a:rPr lang="en-US" smtClean="0"/>
+              <a:rPr lang="en-US"/>
               <a:t>Fifth level</a:t>
             </a:r>
-            <a:endParaRPr lang="en-US"/>
           </a:p>
         </p:txBody>
       </p:sp>
@@ -3316,7 +3313,7 @@
             <a:fld id="{A3417F39-3343-D34D-887C-91D887A1DE4F}" type="datetimeFigureOut">
               <a:rPr lang="en-US" smtClean="0"/>
               <a:pPr/>
-              <a:t>8/27/17</a:t>
+              <a:t>8/31/20</a:t>
             </a:fld>
             <a:endParaRPr lang="en-US"/>
           </a:p>
@@ -3741,7 +3738,7 @@
               </a:tabLst>
             </a:pPr>
             <a:r>
-              <a:rPr lang="en-US" sz="3600" dirty="0" smtClean="0">
+              <a:rPr lang="en-US" sz="3600" dirty="0">
                 <a:latin typeface="Times New Roman"/>
                 <a:cs typeface="Times New Roman"/>
               </a:rPr>
@@ -4041,11 +4038,11 @@
   <p:clrMapOvr>
     <a:masterClrMapping/>
   </p:clrMapOvr>
-  <p:transition xmlns:p14="http://schemas.microsoft.com/office/powerpoint/2010/main" spd="med"/>
+  <p:transition spd="med"/>
   <p:timing>
     <p:tnLst>
       <p:par>
-        <p:cTn xmlns:p14="http://schemas.microsoft.com/office/powerpoint/2010/main" id="1" dur="indefinite" restart="never" nodeType="tmRoot">
+        <p:cTn id="1" dur="indefinite" restart="never" nodeType="tmRoot">
           <p:childTnLst>
             <p:seq concurrent="1" nextAc="seek">
               <p:cTn id="2" dur="0" nodeType="mainSeq"/>
@@ -4140,7 +4137,7 @@
               </a:tabLst>
             </a:pPr>
             <a:r>
-              <a:rPr lang="en-GB" sz="4000" dirty="0" smtClean="0">
+              <a:rPr lang="en-GB" sz="4000" dirty="0">
                 <a:solidFill>
                   <a:srgbClr val="000000"/>
                 </a:solidFill>
@@ -4148,12 +4145,6 @@
               </a:rPr>
               <a:t>Plots: Look at your data</a:t>
             </a:r>
-            <a:endParaRPr lang="en-GB" sz="4000" dirty="0">
-              <a:solidFill>
-                <a:srgbClr val="000000"/>
-              </a:solidFill>
-              <a:latin typeface="Times New Roman" pitchFamily="18" charset="0"/>
-            </a:endParaRPr>
           </a:p>
         </p:txBody>
       </p:sp>
@@ -4242,7 +4233,7 @@
                 <a:tab pos="10488613" algn="l"/>
               </a:tabLst>
             </a:pPr>
-            <a:endParaRPr lang="en-GB" sz="1200" dirty="0" smtClean="0">
+            <a:endParaRPr lang="en-GB" sz="1200" dirty="0">
               <a:solidFill>
                 <a:srgbClr val="000000"/>
               </a:solidFill>
@@ -4276,7 +4267,7 @@
               </a:tabLst>
             </a:pPr>
             <a:r>
-              <a:rPr lang="en-GB" sz="2800" dirty="0" smtClean="0">
+              <a:rPr lang="en-GB" sz="2800" dirty="0">
                 <a:solidFill>
                   <a:srgbClr val="000000"/>
                 </a:solidFill>
@@ -4285,7 +4276,7 @@
               <a:t>We will visualize our </a:t>
             </a:r>
             <a:r>
-              <a:rPr lang="en-GB" sz="2800" dirty="0" err="1" smtClean="0">
+              <a:rPr lang="en-GB" sz="2800" dirty="0" err="1">
                 <a:solidFill>
                   <a:srgbClr val="000000"/>
                 </a:solidFill>
@@ -4294,7 +4285,7 @@
               <a:t>resuts</a:t>
             </a:r>
             <a:r>
-              <a:rPr lang="en-GB" sz="2800" dirty="0" smtClean="0">
+              <a:rPr lang="en-GB" sz="2800" dirty="0">
                 <a:solidFill>
                   <a:srgbClr val="000000"/>
                 </a:solidFill>
@@ -4358,7 +4349,7 @@
                 <a:tab pos="10488613" algn="l"/>
               </a:tabLst>
             </a:pPr>
-            <a:endParaRPr lang="en-GB" sz="1200" dirty="0" smtClean="0">
+            <a:endParaRPr lang="en-GB" sz="1200" dirty="0">
               <a:solidFill>
                 <a:srgbClr val="000000"/>
               </a:solidFill>
@@ -4392,7 +4383,7 @@
               </a:tabLst>
             </a:pPr>
             <a:r>
-              <a:rPr lang="en-GB" sz="2400" dirty="0" smtClean="0">
+              <a:rPr lang="en-GB" sz="2400" dirty="0">
                 <a:solidFill>
                   <a:srgbClr val="000000"/>
                 </a:solidFill>
@@ -4411,7 +4402,7 @@
               <a:t>p</a:t>
             </a:r>
             <a:r>
-              <a:rPr lang="en-GB" sz="2400" dirty="0" smtClean="0">
+              <a:rPr lang="en-GB" sz="2400" dirty="0">
                 <a:solidFill>
                   <a:srgbClr val="000000"/>
                 </a:solidFill>
@@ -4420,7 +4411,7 @@
               <a:t> to 2.8</a:t>
             </a:r>
             <a:r>
-              <a:rPr lang="en-GB" sz="2400" dirty="0" smtClean="0">
+              <a:rPr lang="en-GB" sz="2400" dirty="0">
                 <a:solidFill>
                   <a:srgbClr val="000000"/>
                 </a:solidFill>
@@ -4430,7 +4421,7 @@
               <a:t>p</a:t>
             </a:r>
             <a:r>
-              <a:rPr lang="en-GB" sz="2400" dirty="0" smtClean="0">
+              <a:rPr lang="en-GB" sz="2400" dirty="0">
                 <a:solidFill>
                   <a:srgbClr val="000000"/>
                 </a:solidFill>
@@ -4477,7 +4468,7 @@
               <a:t># </a:t>
             </a:r>
             <a:r>
-              <a:rPr lang="en-US" dirty="0" err="1" smtClean="0">
+              <a:rPr lang="en-US" dirty="0" err="1">
                 <a:solidFill>
                   <a:srgbClr val="FFFF00"/>
                 </a:solidFill>
@@ -4487,7 +4478,7 @@
               <a:t>seq</a:t>
             </a:r>
             <a:r>
-              <a:rPr lang="en-US" dirty="0" smtClean="0">
+              <a:rPr lang="en-US" dirty="0">
                 <a:solidFill>
                   <a:srgbClr val="FFFF00"/>
                 </a:solidFill>
@@ -4496,34 +4487,17 @@
               </a:rPr>
               <a:t> generates a sequence:</a:t>
             </a:r>
-            <a:endParaRPr lang="en-US" dirty="0">
-              <a:solidFill>
-                <a:srgbClr val="FFFF00"/>
-              </a:solidFill>
-              <a:latin typeface="Courier"/>
-              <a:cs typeface="Courier"/>
-            </a:endParaRPr>
-          </a:p>
-          <a:p>
-            <a:r>
-              <a:rPr lang="en-US" dirty="0" smtClean="0">
+          </a:p>
+          <a:p>
+            <a:r>
+              <a:rPr lang="en-US" dirty="0">
                 <a:solidFill>
                   <a:schemeClr val="bg1"/>
                 </a:solidFill>
                 <a:latin typeface="Courier"/>
                 <a:cs typeface="Courier"/>
               </a:rPr>
-              <a:t>x </a:t>
-            </a:r>
-            <a:r>
-              <a:rPr lang="en-US" dirty="0">
-                <a:solidFill>
-                  <a:schemeClr val="bg1"/>
-                </a:solidFill>
-                <a:latin typeface="Courier"/>
-                <a:cs typeface="Courier"/>
-              </a:rPr>
-              <a:t>&lt;- </a:t>
+              <a:t>x &lt;- </a:t>
             </a:r>
             <a:r>
               <a:rPr lang="en-US" dirty="0" err="1">
@@ -4625,25 +4599,8 @@
                 <a:latin typeface="Courier"/>
                 <a:cs typeface="Courier"/>
               </a:rPr>
-              <a:t>plot(x, y, type</a:t>
-            </a:r>
-            <a:r>
-              <a:rPr lang="en-US" dirty="0" smtClean="0">
-                <a:solidFill>
-                  <a:schemeClr val="bg1"/>
-                </a:solidFill>
-                <a:latin typeface="Courier"/>
-                <a:cs typeface="Courier"/>
-              </a:rPr>
-              <a:t>=“l”)</a:t>
-            </a:r>
-            <a:endParaRPr lang="en-US" dirty="0">
-              <a:solidFill>
-                <a:schemeClr val="bg1"/>
-              </a:solidFill>
-              <a:latin typeface="Courier"/>
-              <a:cs typeface="Courier"/>
-            </a:endParaRPr>
+              <a:t>plot(x, y, type=“l”)</a:t>
+            </a:r>
           </a:p>
         </p:txBody>
       </p:sp>
@@ -4702,7 +4659,7 @@
           <a:lstStyle/>
           <a:p>
             <a:r>
-              <a:rPr lang="en-GB" dirty="0" smtClean="0">
+              <a:rPr lang="en-GB" dirty="0">
                 <a:solidFill>
                   <a:srgbClr val="000000"/>
                 </a:solidFill>
@@ -4802,7 +4759,7 @@
           <a:lstStyle/>
           <a:p>
             <a:r>
-              <a:rPr lang="en-GB" dirty="0" smtClean="0">
+              <a:rPr lang="en-GB" dirty="0">
                 <a:solidFill>
                   <a:srgbClr val="000000"/>
                 </a:solidFill>
@@ -4817,19 +4774,10 @@
                 </a:solidFill>
                 <a:latin typeface="Times New Roman" pitchFamily="18" charset="0"/>
               </a:rPr>
-              <a:t>y</a:t>
-            </a:r>
-            <a:r>
-              <a:rPr lang="en-GB" b="1" dirty="0" smtClean="0">
-                <a:solidFill>
-                  <a:srgbClr val="000000"/>
-                </a:solidFill>
-                <a:latin typeface="Times New Roman" pitchFamily="18" charset="0"/>
-              </a:rPr>
-              <a:t>-axis</a:t>
-            </a:r>
-            <a:r>
-              <a:rPr lang="en-GB" dirty="0" smtClean="0">
+              <a:t>y-axis</a:t>
+            </a:r>
+            <a:r>
+              <a:rPr lang="en-GB" dirty="0">
                 <a:solidFill>
                   <a:srgbClr val="000000"/>
                 </a:solidFill>
@@ -4863,7 +4811,7 @@
           <a:lstStyle/>
           <a:p>
             <a:r>
-              <a:rPr lang="en-GB" dirty="0" smtClean="0">
+              <a:rPr lang="en-GB" dirty="0">
                 <a:solidFill>
                   <a:srgbClr val="000000"/>
                 </a:solidFill>
@@ -4872,7 +4820,7 @@
               <a:t>Defines “</a:t>
             </a:r>
             <a:r>
-              <a:rPr lang="en-GB" b="1" dirty="0" smtClean="0">
+              <a:rPr lang="en-GB" b="1" dirty="0">
                 <a:solidFill>
                   <a:srgbClr val="000000"/>
                 </a:solidFill>
@@ -4881,7 +4829,7 @@
               <a:t>x-axis</a:t>
             </a:r>
             <a:r>
-              <a:rPr lang="en-GB" dirty="0" smtClean="0">
+              <a:rPr lang="en-GB" dirty="0">
                 <a:solidFill>
                   <a:srgbClr val="000000"/>
                 </a:solidFill>
@@ -4948,7 +4896,7 @@
           <a:lstStyle/>
           <a:p>
             <a:r>
-              <a:rPr lang="en-GB" dirty="0" smtClean="0">
+              <a:rPr lang="en-GB" dirty="0">
                 <a:solidFill>
                   <a:srgbClr val="000000"/>
                 </a:solidFill>
@@ -4965,13 +4913,6 @@
   <p:clrMapOvr>
     <a:masterClrMapping/>
   </p:clrMapOvr>
-  <p:timing>
-    <p:tnLst>
-      <p:par>
-        <p:cTn xmlns:p14="http://schemas.microsoft.com/office/powerpoint/2010/main" id="1" dur="indefinite" restart="never" nodeType="tmRoot"/>
-      </p:par>
-    </p:tnLst>
-  </p:timing>
 </p:sld>
 </file>
 
@@ -5002,8 +4943,8 @@
         </p:nvSpPr>
         <p:spPr bwMode="auto">
           <a:xfrm>
-            <a:off x="228600" y="1104211"/>
-            <a:ext cx="8686800" cy="5348372"/>
+            <a:off x="228600" y="1307413"/>
+            <a:ext cx="8686800" cy="3366189"/>
           </a:xfrm>
           <a:prstGeom prst="rect">
             <a:avLst/>
@@ -5045,7 +4986,7 @@
                 <a:tab pos="10488613" algn="l"/>
               </a:tabLst>
             </a:pPr>
-            <a:endParaRPr lang="en-GB" sz="1200" dirty="0" smtClean="0">
+            <a:endParaRPr lang="en-GB" sz="1200" dirty="0">
               <a:solidFill>
                 <a:srgbClr val="000000"/>
               </a:solidFill>
@@ -5079,7 +5020,7 @@
               </a:tabLst>
             </a:pPr>
             <a:r>
-              <a:rPr lang="en-GB" sz="4000" dirty="0" smtClean="0">
+              <a:rPr lang="en-GB" sz="4000" dirty="0">
                 <a:solidFill>
                   <a:srgbClr val="000000"/>
                 </a:solidFill>
@@ -5115,7 +5056,7 @@
               </a:tabLst>
             </a:pPr>
             <a:r>
-              <a:rPr lang="en-GB" sz="3600" dirty="0" smtClean="0">
+              <a:rPr lang="en-GB" sz="3600" dirty="0">
                 <a:solidFill>
                   <a:srgbClr val="000000"/>
                 </a:solidFill>
@@ -5151,31 +5092,13 @@
               </a:tabLst>
             </a:pPr>
             <a:r>
-              <a:rPr lang="en-GB" sz="3200" dirty="0" smtClean="0">
+              <a:rPr lang="en-GB" sz="3200" dirty="0">
                 <a:solidFill>
                   <a:srgbClr val="000000"/>
                 </a:solidFill>
                 <a:latin typeface="Times New Roman" pitchFamily="18" charset="0"/>
               </a:rPr>
-              <a:t>Use </a:t>
-            </a:r>
-            <a:r>
-              <a:rPr lang="en-GB" sz="3200" dirty="0" err="1" smtClean="0">
-                <a:solidFill>
-                  <a:srgbClr val="000000"/>
-                </a:solidFill>
-                <a:latin typeface="Times New Roman" pitchFamily="18" charset="0"/>
-              </a:rPr>
-              <a:t>read.csv</a:t>
-            </a:r>
-            <a:r>
-              <a:rPr lang="en-GB" sz="3200" dirty="0" smtClean="0">
-                <a:solidFill>
-                  <a:srgbClr val="000000"/>
-                </a:solidFill>
-                <a:latin typeface="Times New Roman" pitchFamily="18" charset="0"/>
-              </a:rPr>
-              <a:t> function</a:t>
+              <a:t>A .csv file is just a text version of an Excel file</a:t>
             </a:r>
           </a:p>
           <a:p>
@@ -5205,74 +5128,41 @@
               </a:tabLst>
             </a:pPr>
             <a:r>
-              <a:rPr lang="en-GB" sz="3200" dirty="0" smtClean="0">
+              <a:rPr lang="en-GB" sz="3200" dirty="0">
                 <a:solidFill>
                   <a:srgbClr val="000000"/>
                 </a:solidFill>
                 <a:latin typeface="Times New Roman" pitchFamily="18" charset="0"/>
               </a:rPr>
-              <a:t>Needs the </a:t>
-            </a:r>
-            <a:r>
-              <a:rPr lang="en-GB" sz="3200" b="1" dirty="0" smtClean="0">
+              <a:t>We’ll use the </a:t>
+            </a:r>
+            <a:r>
+              <a:rPr lang="en-GB" sz="3200" b="1" dirty="0" err="1">
                 <a:solidFill>
                   <a:srgbClr val="000000"/>
                 </a:solidFill>
                 <a:latin typeface="Times New Roman" pitchFamily="18" charset="0"/>
               </a:rPr>
-              <a:t>path</a:t>
-            </a:r>
-            <a:r>
-              <a:rPr lang="en-GB" sz="3200" dirty="0" smtClean="0">
+              <a:t>read.csv</a:t>
+            </a:r>
+            <a:r>
+              <a:rPr lang="en-GB" sz="3200" b="1" dirty="0">
                 <a:solidFill>
                   <a:srgbClr val="000000"/>
                 </a:solidFill>
                 <a:latin typeface="Times New Roman" pitchFamily="18" charset="0"/>
               </a:rPr>
-              <a:t> to the file</a:t>
-            </a:r>
-            <a:r>
-              <a:rPr lang="en-GB" sz="3600" dirty="0" smtClean="0">
+              <a:t> </a:t>
+            </a:r>
+            <a:r>
+              <a:rPr lang="en-GB" sz="3200" dirty="0">
                 <a:solidFill>
                   <a:srgbClr val="000000"/>
                 </a:solidFill>
                 <a:latin typeface="Times New Roman" pitchFamily="18" charset="0"/>
               </a:rPr>
-              <a:t> </a:t>
-            </a:r>
-          </a:p>
-          <a:p>
-            <a:pPr marL="1344613" lvl="2" indent="-323850">
-              <a:spcBef>
-                <a:spcPts val="800"/>
-              </a:spcBef>
-              <a:buClr>
-                <a:srgbClr val="000000"/>
-              </a:buClr>
-              <a:buSzPct val="100000"/>
-              <a:buFont typeface="Arial"/>
-              <a:buChar char="•"/>
-              <a:tabLst>
-                <a:tab pos="430213" algn="l"/>
-                <a:tab pos="1344613" algn="l"/>
-                <a:tab pos="2259013" algn="l"/>
-                <a:tab pos="3173413" algn="l"/>
-                <a:tab pos="4087813" algn="l"/>
-                <a:tab pos="5002213" algn="l"/>
-                <a:tab pos="5916613" algn="l"/>
-                <a:tab pos="6831013" algn="l"/>
-                <a:tab pos="7745413" algn="l"/>
-                <a:tab pos="8659813" algn="l"/>
-                <a:tab pos="9574213" algn="l"/>
-                <a:tab pos="10488613" algn="l"/>
-              </a:tabLst>
-            </a:pPr>
-            <a:endParaRPr lang="en-GB" sz="3200" dirty="0" smtClean="0">
-              <a:solidFill>
-                <a:srgbClr val="000000"/>
-              </a:solidFill>
-              <a:latin typeface="Times New Roman" pitchFamily="18" charset="0"/>
-            </a:endParaRPr>
+              <a:t>function</a:t>
+            </a:r>
           </a:p>
         </p:txBody>
       </p:sp>
@@ -5327,7 +5217,7 @@
               </a:tabLst>
             </a:pPr>
             <a:r>
-              <a:rPr lang="en-GB" sz="4000" dirty="0" smtClean="0">
+              <a:rPr lang="en-GB" sz="4000" dirty="0">
                 <a:solidFill>
                   <a:srgbClr val="000000"/>
                 </a:solidFill>
@@ -5336,7 +5226,7 @@
               <a:t>How to Load </a:t>
             </a:r>
             <a:r>
-              <a:rPr lang="en-GB" sz="4000" dirty="0" err="1" smtClean="0">
+              <a:rPr lang="en-GB" sz="4000" dirty="0" err="1">
                 <a:solidFill>
                   <a:srgbClr val="000000"/>
                 </a:solidFill>
@@ -5345,7 +5235,7 @@
               <a:t>Spreadsheets</a:t>
             </a:r>
             <a:r>
-              <a:rPr lang="en-GB" sz="4000" dirty="0" smtClean="0">
+              <a:rPr lang="en-GB" sz="4000" dirty="0">
                 <a:solidFill>
                   <a:srgbClr val="000000"/>
                 </a:solidFill>
@@ -5353,247 +5243,6 @@
               </a:rPr>
               <a:t> of Data:</a:t>
             </a:r>
-            <a:endParaRPr lang="en-GB" sz="4000" dirty="0">
-              <a:solidFill>
-                <a:srgbClr val="000000"/>
-              </a:solidFill>
-              <a:latin typeface="Times New Roman" pitchFamily="18" charset="0"/>
-            </a:endParaRPr>
-          </a:p>
-        </p:txBody>
-      </p:sp>
-      <p:sp>
-        <p:nvSpPr>
-          <p:cNvPr id="8" name="TextBox 7"/>
-          <p:cNvSpPr txBox="1"/>
-          <p:nvPr/>
-        </p:nvSpPr>
-        <p:spPr>
-          <a:xfrm>
-            <a:off x="1066800" y="4428406"/>
-            <a:ext cx="7387810" cy="461665"/>
-          </a:xfrm>
-          <a:prstGeom prst="rect">
-            <a:avLst/>
-          </a:prstGeom>
-          <a:noFill/>
-        </p:spPr>
-        <p:txBody>
-          <a:bodyPr wrap="none" rtlCol="0">
-            <a:spAutoFit/>
-          </a:bodyPr>
-          <a:lstStyle/>
-          <a:p>
-            <a:r>
-              <a:rPr lang="en-US" sz="2400" dirty="0" smtClean="0">
-                <a:latin typeface="Courier"/>
-                <a:cs typeface="Courier"/>
-              </a:rPr>
-              <a:t>"/Users/</a:t>
-            </a:r>
-            <a:r>
-              <a:rPr lang="en-US" sz="2400" dirty="0" err="1" smtClean="0">
-                <a:latin typeface="Courier"/>
-                <a:cs typeface="Courier"/>
-              </a:rPr>
-              <a:t>npetraco/latex/papers/data.csv</a:t>
-            </a:r>
-            <a:r>
-              <a:rPr lang="en-US" sz="2400" dirty="0" smtClean="0">
-                <a:latin typeface="Courier"/>
-                <a:cs typeface="Courier"/>
-              </a:rPr>
-              <a:t>”</a:t>
-            </a:r>
-            <a:endParaRPr lang="en-US" sz="2400" dirty="0">
-              <a:latin typeface="Courier"/>
-              <a:cs typeface="Courier"/>
-            </a:endParaRPr>
-          </a:p>
-        </p:txBody>
-      </p:sp>
-      <p:sp>
-        <p:nvSpPr>
-          <p:cNvPr id="9" name="Rectangle 8"/>
-          <p:cNvSpPr/>
-          <p:nvPr/>
-        </p:nvSpPr>
-        <p:spPr>
-          <a:xfrm>
-            <a:off x="1066800" y="3966741"/>
-            <a:ext cx="1338377" cy="461665"/>
-          </a:xfrm>
-          <a:prstGeom prst="rect">
-            <a:avLst/>
-          </a:prstGeom>
-        </p:spPr>
-        <p:txBody>
-          <a:bodyPr wrap="none">
-            <a:spAutoFit/>
-          </a:bodyPr>
-          <a:lstStyle/>
-          <a:p>
-            <a:r>
-              <a:rPr lang="en-GB" sz="2400" u="sng" dirty="0" smtClean="0">
-                <a:solidFill>
-                  <a:srgbClr val="000000"/>
-                </a:solidFill>
-                <a:latin typeface="Times New Roman" pitchFamily="18" charset="0"/>
-              </a:rPr>
-              <a:t>Mac e.g.</a:t>
-            </a:r>
-            <a:r>
-              <a:rPr lang="en-GB" sz="2400" dirty="0" smtClean="0">
-                <a:solidFill>
-                  <a:srgbClr val="000000"/>
-                </a:solidFill>
-                <a:latin typeface="Times New Roman" pitchFamily="18" charset="0"/>
-              </a:rPr>
-              <a:t>:</a:t>
-            </a:r>
-            <a:endParaRPr lang="en-US" sz="2400" dirty="0"/>
-          </a:p>
-        </p:txBody>
-      </p:sp>
-      <p:sp>
-        <p:nvSpPr>
-          <p:cNvPr id="10" name="TextBox 9"/>
-          <p:cNvSpPr txBox="1"/>
-          <p:nvPr/>
-        </p:nvSpPr>
-        <p:spPr>
-          <a:xfrm>
-            <a:off x="1064742" y="5619107"/>
-            <a:ext cx="7757202" cy="461665"/>
-          </a:xfrm>
-          <a:prstGeom prst="rect">
-            <a:avLst/>
-          </a:prstGeom>
-          <a:noFill/>
-        </p:spPr>
-        <p:txBody>
-          <a:bodyPr wrap="none" rtlCol="0">
-            <a:spAutoFit/>
-          </a:bodyPr>
-          <a:lstStyle/>
-          <a:p>
-            <a:r>
-              <a:rPr lang="en-US" sz="2400" dirty="0" smtClean="0">
-                <a:latin typeface="Courier"/>
-                <a:cs typeface="Courier"/>
-              </a:rPr>
-              <a:t>“C:\Users</a:t>
-            </a:r>
-            <a:r>
-              <a:rPr lang="en-US" sz="2400" dirty="0">
-                <a:latin typeface="Courier"/>
-                <a:cs typeface="Courier"/>
-              </a:rPr>
-              <a:t>\</a:t>
-            </a:r>
-            <a:r>
-              <a:rPr lang="en-US" sz="2400" dirty="0" err="1" smtClean="0">
-                <a:latin typeface="Courier"/>
-                <a:cs typeface="Courier"/>
-              </a:rPr>
-              <a:t>npetraco</a:t>
-            </a:r>
-            <a:r>
-              <a:rPr lang="en-US" sz="2400" dirty="0" err="1">
-                <a:latin typeface="Courier"/>
-                <a:cs typeface="Courier"/>
-              </a:rPr>
-              <a:t>\</a:t>
-            </a:r>
-            <a:r>
-              <a:rPr lang="en-US" sz="2400" dirty="0" err="1" smtClean="0">
-                <a:latin typeface="Courier"/>
-                <a:cs typeface="Courier"/>
-              </a:rPr>
-              <a:t>latex</a:t>
-            </a:r>
-            <a:r>
-              <a:rPr lang="en-US" sz="2400" dirty="0" err="1">
-                <a:latin typeface="Courier"/>
-                <a:cs typeface="Courier"/>
-              </a:rPr>
-              <a:t>\</a:t>
-            </a:r>
-            <a:r>
-              <a:rPr lang="en-US" sz="2400" dirty="0" err="1" smtClean="0">
-                <a:latin typeface="Courier"/>
-                <a:cs typeface="Courier"/>
-              </a:rPr>
-              <a:t>papers</a:t>
-            </a:r>
-            <a:r>
-              <a:rPr lang="en-US" sz="2400" dirty="0" err="1">
-                <a:latin typeface="Courier"/>
-                <a:cs typeface="Courier"/>
-              </a:rPr>
-              <a:t>\</a:t>
-            </a:r>
-            <a:r>
-              <a:rPr lang="en-US" sz="2400" dirty="0" err="1" smtClean="0">
-                <a:latin typeface="Courier"/>
-                <a:cs typeface="Courier"/>
-              </a:rPr>
-              <a:t>data.csv</a:t>
-            </a:r>
-            <a:r>
-              <a:rPr lang="en-US" sz="2400" dirty="0" smtClean="0">
-                <a:latin typeface="Courier"/>
-                <a:cs typeface="Courier"/>
-              </a:rPr>
-              <a:t>”</a:t>
-            </a:r>
-            <a:endParaRPr lang="en-US" sz="2400" dirty="0">
-              <a:latin typeface="Courier"/>
-              <a:cs typeface="Courier"/>
-            </a:endParaRPr>
-          </a:p>
-        </p:txBody>
-      </p:sp>
-      <p:sp>
-        <p:nvSpPr>
-          <p:cNvPr id="13" name="Rectangle 12"/>
-          <p:cNvSpPr/>
-          <p:nvPr/>
-        </p:nvSpPr>
-        <p:spPr>
-          <a:xfrm>
-            <a:off x="1064742" y="5157442"/>
-            <a:ext cx="1958890" cy="461665"/>
-          </a:xfrm>
-          <a:prstGeom prst="rect">
-            <a:avLst/>
-          </a:prstGeom>
-        </p:spPr>
-        <p:txBody>
-          <a:bodyPr wrap="none">
-            <a:spAutoFit/>
-          </a:bodyPr>
-          <a:lstStyle/>
-          <a:p>
-            <a:r>
-              <a:rPr lang="en-GB" sz="2400" u="sng" dirty="0" smtClean="0">
-                <a:solidFill>
-                  <a:srgbClr val="000000"/>
-                </a:solidFill>
-                <a:latin typeface="Times New Roman" pitchFamily="18" charset="0"/>
-              </a:rPr>
-              <a:t>Windows e.g.</a:t>
-            </a:r>
-            <a:r>
-              <a:rPr lang="en-GB" sz="2400" dirty="0" smtClean="0">
-                <a:solidFill>
-                  <a:srgbClr val="000000"/>
-                </a:solidFill>
-                <a:latin typeface="Times New Roman" pitchFamily="18" charset="0"/>
-              </a:rPr>
-              <a:t>:</a:t>
-            </a:r>
-            <a:endParaRPr lang="en-US" sz="2400" dirty="0"/>
           </a:p>
         </p:txBody>
       </p:sp>
@@ -5632,7 +5281,1114 @@
     </p:spTree>
     <p:extLst>
       <p:ext uri="{BB962C8B-B14F-4D97-AF65-F5344CB8AC3E}">
-        <p14:creationId xmlns:p14="http://schemas.microsoft.com/office/powerpoint/2010/main" val="2749085819"/>
+        <p14:creationId xmlns:p14="http://schemas.microsoft.com/office/powerpoint/2010/main" val="3901607305"/>
+      </p:ext>
+    </p:extLst>
+  </p:cSld>
+  <p:clrMapOvr>
+    <a:masterClrMapping/>
+  </p:clrMapOvr>
+</p:sld>
+</file>
+
+<file path=ppt/slides/slide12.xml><?xml version="1.0" encoding="utf-8"?>
+<p:sld xmlns:a="http://schemas.openxmlformats.org/drawingml/2006/main" xmlns:r="http://schemas.openxmlformats.org/officeDocument/2006/relationships" xmlns:p="http://schemas.openxmlformats.org/presentationml/2006/main">
+  <p:cSld>
+    <p:spTree>
+      <p:nvGrpSpPr>
+        <p:cNvPr id="1" name=""/>
+        <p:cNvGrpSpPr/>
+        <p:nvPr/>
+      </p:nvGrpSpPr>
+      <p:grpSpPr>
+        <a:xfrm>
+          <a:off x="0" y="0"/>
+          <a:ext cx="0" cy="0"/>
+          <a:chOff x="0" y="0"/>
+          <a:chExt cx="0" cy="0"/>
+        </a:xfrm>
+      </p:grpSpPr>
+      <p:sp>
+        <p:nvSpPr>
+          <p:cNvPr id="2" name="Rectangle 5">
+            <a:extLst>
+              <a:ext uri="{FF2B5EF4-FFF2-40B4-BE49-F238E27FC236}">
+                <a16:creationId xmlns:a16="http://schemas.microsoft.com/office/drawing/2014/main" id="{91E7B117-D0CB-49EC-AF46-979BCA1100AB}"/>
+              </a:ext>
+            </a:extLst>
+          </p:cNvPr>
+          <p:cNvSpPr>
+            <a:spLocks noChangeArrowheads="1"/>
+          </p:cNvSpPr>
+          <p:nvPr/>
+        </p:nvSpPr>
+        <p:spPr bwMode="auto">
+          <a:xfrm>
+            <a:off x="228600" y="1104211"/>
+            <a:ext cx="8686800" cy="3467789"/>
+          </a:xfrm>
+          <a:prstGeom prst="rect">
+            <a:avLst/>
+          </a:prstGeom>
+          <a:noFill/>
+          <a:ln w="9525">
+            <a:noFill/>
+            <a:round/>
+            <a:headEnd/>
+            <a:tailEnd/>
+          </a:ln>
+        </p:spPr>
+        <p:txBody>
+          <a:bodyPr lIns="0" tIns="0" rIns="0" bIns="0"/>
+          <a:lstStyle/>
+          <a:p>
+            <a:pPr marL="430213" indent="-323850">
+              <a:spcBef>
+                <a:spcPts val="800"/>
+              </a:spcBef>
+              <a:buClr>
+                <a:srgbClr val="000000"/>
+              </a:buClr>
+              <a:buSzPct val="100000"/>
+              <a:buFont typeface="Arial" charset="0"/>
+              <a:buNone/>
+              <a:tabLst>
+                <a:tab pos="430213" algn="l"/>
+                <a:tab pos="1344613" algn="l"/>
+                <a:tab pos="2259013" algn="l"/>
+                <a:tab pos="3173413" algn="l"/>
+                <a:tab pos="4087813" algn="l"/>
+                <a:tab pos="5002213" algn="l"/>
+                <a:tab pos="5916613" algn="l"/>
+                <a:tab pos="6831013" algn="l"/>
+                <a:tab pos="7745413" algn="l"/>
+                <a:tab pos="8659813" algn="l"/>
+                <a:tab pos="9574213" algn="l"/>
+                <a:tab pos="10488613" algn="l"/>
+              </a:tabLst>
+            </a:pPr>
+            <a:endParaRPr lang="en-GB" sz="1200" dirty="0">
+              <a:solidFill>
+                <a:srgbClr val="000000"/>
+              </a:solidFill>
+              <a:latin typeface="Times New Roman" pitchFamily="18" charset="0"/>
+            </a:endParaRPr>
+          </a:p>
+          <a:p>
+            <a:pPr marL="887413" lvl="1" indent="-323850">
+              <a:spcBef>
+                <a:spcPts val="800"/>
+              </a:spcBef>
+              <a:buClr>
+                <a:srgbClr val="000000"/>
+              </a:buClr>
+              <a:buSzPct val="100000"/>
+              <a:buFont typeface="Arial"/>
+              <a:buChar char="•"/>
+              <a:tabLst>
+                <a:tab pos="430213" algn="l"/>
+                <a:tab pos="1344613" algn="l"/>
+                <a:tab pos="2259013" algn="l"/>
+                <a:tab pos="3173413" algn="l"/>
+                <a:tab pos="4087813" algn="l"/>
+                <a:tab pos="5002213" algn="l"/>
+                <a:tab pos="5916613" algn="l"/>
+                <a:tab pos="6831013" algn="l"/>
+                <a:tab pos="7745413" algn="l"/>
+                <a:tab pos="8659813" algn="l"/>
+                <a:tab pos="9574213" algn="l"/>
+                <a:tab pos="10488613" algn="l"/>
+              </a:tabLst>
+            </a:pPr>
+            <a:r>
+              <a:rPr lang="en-GB" sz="4000" dirty="0">
+                <a:solidFill>
+                  <a:srgbClr val="000000"/>
+                </a:solidFill>
+                <a:latin typeface="Times New Roman" pitchFamily="18" charset="0"/>
+              </a:rPr>
+              <a:t>Input from Excel</a:t>
+            </a:r>
+          </a:p>
+          <a:p>
+            <a:pPr marL="1344613" lvl="2" indent="-323850">
+              <a:spcBef>
+                <a:spcPts val="800"/>
+              </a:spcBef>
+              <a:buClr>
+                <a:srgbClr val="000000"/>
+              </a:buClr>
+              <a:buSzPct val="100000"/>
+              <a:buFont typeface="Arial"/>
+              <a:buChar char="•"/>
+              <a:tabLst>
+                <a:tab pos="430213" algn="l"/>
+                <a:tab pos="1344613" algn="l"/>
+                <a:tab pos="2259013" algn="l"/>
+                <a:tab pos="3173413" algn="l"/>
+                <a:tab pos="4087813" algn="l"/>
+                <a:tab pos="5002213" algn="l"/>
+                <a:tab pos="5916613" algn="l"/>
+                <a:tab pos="6831013" algn="l"/>
+                <a:tab pos="7745413" algn="l"/>
+                <a:tab pos="8659813" algn="l"/>
+                <a:tab pos="9574213" algn="l"/>
+                <a:tab pos="10488613" algn="l"/>
+              </a:tabLst>
+            </a:pPr>
+            <a:r>
+              <a:rPr lang="en-GB" sz="3200" dirty="0">
+                <a:solidFill>
+                  <a:srgbClr val="000000"/>
+                </a:solidFill>
+                <a:latin typeface="Times New Roman" pitchFamily="18" charset="0"/>
+              </a:rPr>
+              <a:t>We can load in a file directly from the internet using its </a:t>
+            </a:r>
+            <a:r>
+              <a:rPr lang="en-GB" sz="3200" dirty="0">
+                <a:solidFill>
+                  <a:srgbClr val="00B050"/>
+                </a:solidFill>
+                <a:latin typeface="Times New Roman" pitchFamily="18" charset="0"/>
+              </a:rPr>
+              <a:t>URL address</a:t>
+            </a:r>
+            <a:r>
+              <a:rPr lang="en-GB" sz="3200" dirty="0">
+                <a:solidFill>
+                  <a:srgbClr val="000000"/>
+                </a:solidFill>
+                <a:latin typeface="Times New Roman" pitchFamily="18" charset="0"/>
+              </a:rPr>
+              <a:t> (if we have a working internet connection):</a:t>
+            </a:r>
+          </a:p>
+          <a:p>
+            <a:pPr marL="1344613" lvl="2" indent="-323850">
+              <a:spcBef>
+                <a:spcPts val="800"/>
+              </a:spcBef>
+              <a:buClr>
+                <a:srgbClr val="000000"/>
+              </a:buClr>
+              <a:buSzPct val="100000"/>
+              <a:buFont typeface="Arial"/>
+              <a:buChar char="•"/>
+              <a:tabLst>
+                <a:tab pos="430213" algn="l"/>
+                <a:tab pos="1344613" algn="l"/>
+                <a:tab pos="2259013" algn="l"/>
+                <a:tab pos="3173413" algn="l"/>
+                <a:tab pos="4087813" algn="l"/>
+                <a:tab pos="5002213" algn="l"/>
+                <a:tab pos="5916613" algn="l"/>
+                <a:tab pos="6831013" algn="l"/>
+                <a:tab pos="7745413" algn="l"/>
+                <a:tab pos="8659813" algn="l"/>
+                <a:tab pos="9574213" algn="l"/>
+                <a:tab pos="10488613" algn="l"/>
+              </a:tabLst>
+            </a:pPr>
+            <a:endParaRPr lang="en-GB" sz="3200" dirty="0">
+              <a:solidFill>
+                <a:srgbClr val="000000"/>
+              </a:solidFill>
+              <a:latin typeface="Times New Roman" pitchFamily="18" charset="0"/>
+            </a:endParaRPr>
+          </a:p>
+        </p:txBody>
+      </p:sp>
+      <p:sp>
+        <p:nvSpPr>
+          <p:cNvPr id="3" name="Rectangle 4">
+            <a:extLst>
+              <a:ext uri="{FF2B5EF4-FFF2-40B4-BE49-F238E27FC236}">
+                <a16:creationId xmlns:a16="http://schemas.microsoft.com/office/drawing/2014/main" id="{94AECD30-1CEA-46DB-9FB7-F711EA12D97F}"/>
+              </a:ext>
+            </a:extLst>
+          </p:cNvPr>
+          <p:cNvSpPr>
+            <a:spLocks noChangeArrowheads="1"/>
+          </p:cNvSpPr>
+          <p:nvPr/>
+        </p:nvSpPr>
+        <p:spPr bwMode="auto">
+          <a:xfrm>
+            <a:off x="231775" y="332601"/>
+            <a:ext cx="8607425" cy="1127125"/>
+          </a:xfrm>
+          <a:prstGeom prst="rect">
+            <a:avLst/>
+          </a:prstGeom>
+          <a:noFill/>
+          <a:ln w="9525">
+            <a:noFill/>
+            <a:round/>
+            <a:headEnd/>
+            <a:tailEnd/>
+          </a:ln>
+        </p:spPr>
+        <p:txBody>
+          <a:bodyPr lIns="0" tIns="0" rIns="0" bIns="0" anchor="ctr"/>
+          <a:lstStyle/>
+          <a:p>
+            <a:pPr algn="ctr">
+              <a:buClr>
+                <a:srgbClr val="000000"/>
+              </a:buClr>
+              <a:buSzPct val="100000"/>
+              <a:buFont typeface="Times New Roman" pitchFamily="18" charset="0"/>
+              <a:buNone/>
+              <a:tabLst>
+                <a:tab pos="0" algn="l"/>
+                <a:tab pos="914400" algn="l"/>
+                <a:tab pos="1828800" algn="l"/>
+                <a:tab pos="2743200" algn="l"/>
+                <a:tab pos="3657600" algn="l"/>
+                <a:tab pos="4572000" algn="l"/>
+                <a:tab pos="5486400" algn="l"/>
+                <a:tab pos="6400800" algn="l"/>
+                <a:tab pos="7315200" algn="l"/>
+                <a:tab pos="8229600" algn="l"/>
+                <a:tab pos="9144000" algn="l"/>
+                <a:tab pos="10058400" algn="l"/>
+              </a:tabLst>
+            </a:pPr>
+            <a:r>
+              <a:rPr lang="en-GB" sz="4000" dirty="0">
+                <a:solidFill>
+                  <a:srgbClr val="000000"/>
+                </a:solidFill>
+                <a:latin typeface="Times New Roman" pitchFamily="18" charset="0"/>
+              </a:rPr>
+              <a:t>How to Load </a:t>
+            </a:r>
+            <a:r>
+              <a:rPr lang="en-GB" sz="4000" dirty="0" err="1">
+                <a:solidFill>
+                  <a:srgbClr val="000000"/>
+                </a:solidFill>
+                <a:latin typeface="Times New Roman" pitchFamily="18" charset="0"/>
+              </a:rPr>
+              <a:t>Spreadsheets</a:t>
+            </a:r>
+            <a:r>
+              <a:rPr lang="en-GB" sz="4000" dirty="0">
+                <a:solidFill>
+                  <a:srgbClr val="000000"/>
+                </a:solidFill>
+                <a:latin typeface="Times New Roman" pitchFamily="18" charset="0"/>
+              </a:rPr>
+              <a:t> of Data:</a:t>
+            </a:r>
+          </a:p>
+        </p:txBody>
+      </p:sp>
+      <p:pic>
+        <p:nvPicPr>
+          <p:cNvPr id="4" name="Picture 2">
+            <a:extLst>
+              <a:ext uri="{FF2B5EF4-FFF2-40B4-BE49-F238E27FC236}">
+                <a16:creationId xmlns:a16="http://schemas.microsoft.com/office/drawing/2014/main" id="{731FD6D4-ABDF-4D8F-AC2A-888F0D4EC5B9}"/>
+              </a:ext>
+            </a:extLst>
+          </p:cNvPr>
+          <p:cNvPicPr>
+            <a:picLocks noChangeAspect="1" noChangeArrowheads="1"/>
+          </p:cNvPicPr>
+          <p:nvPr/>
+        </p:nvPicPr>
+        <p:blipFill>
+          <a:blip r:embed="rId2" cstate="print"/>
+          <a:srcRect/>
+          <a:stretch>
+            <a:fillRect/>
+          </a:stretch>
+        </p:blipFill>
+        <p:spPr bwMode="auto">
+          <a:xfrm>
+            <a:off x="484188" y="76200"/>
+            <a:ext cx="8202612" cy="239712"/>
+          </a:xfrm>
+          <a:prstGeom prst="rect">
+            <a:avLst/>
+          </a:prstGeom>
+          <a:noFill/>
+          <a:ln w="9525">
+            <a:noFill/>
+            <a:round/>
+            <a:headEnd/>
+            <a:tailEnd/>
+          </a:ln>
+        </p:spPr>
+      </p:pic>
+      <p:sp>
+        <p:nvSpPr>
+          <p:cNvPr id="6" name="Rectangle 5">
+            <a:extLst>
+              <a:ext uri="{FF2B5EF4-FFF2-40B4-BE49-F238E27FC236}">
+                <a16:creationId xmlns:a16="http://schemas.microsoft.com/office/drawing/2014/main" id="{CA083E16-7BA4-474C-8727-392FDF517109}"/>
+              </a:ext>
+            </a:extLst>
+          </p:cNvPr>
+          <p:cNvSpPr/>
+          <p:nvPr/>
+        </p:nvSpPr>
+        <p:spPr>
+          <a:xfrm>
+            <a:off x="152400" y="4196185"/>
+            <a:ext cx="8867421" cy="1323439"/>
+          </a:xfrm>
+          <a:prstGeom prst="rect">
+            <a:avLst/>
+          </a:prstGeom>
+          <a:solidFill>
+            <a:srgbClr val="000C78"/>
+          </a:solidFill>
+        </p:spPr>
+        <p:txBody>
+          <a:bodyPr wrap="square">
+            <a:spAutoFit/>
+          </a:bodyPr>
+          <a:lstStyle/>
+          <a:p>
+            <a:r>
+              <a:rPr lang="en-US" sz="1600" dirty="0">
+                <a:solidFill>
+                  <a:srgbClr val="FFFF00"/>
+                </a:solidFill>
+                <a:latin typeface="Courier"/>
+                <a:cs typeface="Courier"/>
+              </a:rPr>
+              <a:t># A file on the internet. Use it’s URL to load: </a:t>
+            </a:r>
+          </a:p>
+          <a:p>
+            <a:endParaRPr lang="en-US" sz="1600" dirty="0">
+              <a:solidFill>
+                <a:schemeClr val="bg1"/>
+              </a:solidFill>
+              <a:latin typeface="Courier"/>
+              <a:cs typeface="Courier"/>
+            </a:endParaRPr>
+          </a:p>
+          <a:p>
+            <a:r>
+              <a:rPr lang="en-US" sz="1600" dirty="0">
+                <a:solidFill>
+                  <a:schemeClr val="bg1"/>
+                </a:solidFill>
+                <a:latin typeface="Courier"/>
+                <a:cs typeface="Courier"/>
+              </a:rPr>
+              <a:t>some.data2 &lt;- </a:t>
+            </a:r>
+            <a:r>
+              <a:rPr lang="en-US" sz="1600" dirty="0" err="1">
+                <a:solidFill>
+                  <a:schemeClr val="bg1"/>
+                </a:solidFill>
+                <a:latin typeface="Courier"/>
+                <a:cs typeface="Courier"/>
+              </a:rPr>
+              <a:t>read.csv</a:t>
+            </a:r>
+            <a:r>
+              <a:rPr lang="en-US" sz="1600" dirty="0">
+                <a:solidFill>
+                  <a:schemeClr val="bg1"/>
+                </a:solidFill>
+                <a:latin typeface="Courier"/>
+                <a:cs typeface="Courier"/>
+              </a:rPr>
+              <a:t>(</a:t>
+            </a:r>
+            <a:r>
+              <a:rPr lang="en-US" sz="1600" dirty="0">
+                <a:solidFill>
+                  <a:srgbClr val="00B050"/>
+                </a:solidFill>
+                <a:latin typeface="Courier"/>
+                <a:cs typeface="Courier"/>
+              </a:rPr>
+              <a:t>"https://</a:t>
+            </a:r>
+            <a:r>
+              <a:rPr lang="en-US" sz="1600" dirty="0" err="1">
+                <a:solidFill>
+                  <a:srgbClr val="00B050"/>
+                </a:solidFill>
+                <a:latin typeface="Courier"/>
+                <a:cs typeface="Courier"/>
+              </a:rPr>
+              <a:t>raw.githubusercontent.com</a:t>
+            </a:r>
+            <a:r>
+              <a:rPr lang="en-US" sz="1600" dirty="0">
+                <a:solidFill>
+                  <a:srgbClr val="00B050"/>
+                </a:solidFill>
+                <a:latin typeface="Courier"/>
+                <a:cs typeface="Courier"/>
+              </a:rPr>
+              <a:t>/</a:t>
+            </a:r>
+            <a:r>
+              <a:rPr lang="en-US" sz="1600" dirty="0" err="1">
+                <a:solidFill>
+                  <a:srgbClr val="00B050"/>
+                </a:solidFill>
+                <a:latin typeface="Courier"/>
+                <a:cs typeface="Courier"/>
+              </a:rPr>
+              <a:t>npetraco</a:t>
+            </a:r>
+            <a:r>
+              <a:rPr lang="en-US" sz="1600" dirty="0">
+                <a:solidFill>
+                  <a:srgbClr val="00B050"/>
+                </a:solidFill>
+                <a:latin typeface="Courier"/>
+                <a:cs typeface="Courier"/>
+              </a:rPr>
+              <a:t>/CHE302/master/Laboratories/Lab0/</a:t>
+            </a:r>
+            <a:r>
+              <a:rPr lang="en-US" sz="1600" dirty="0" err="1">
+                <a:solidFill>
+                  <a:srgbClr val="00B050"/>
+                </a:solidFill>
+                <a:latin typeface="Courier"/>
+                <a:cs typeface="Courier"/>
+              </a:rPr>
+              <a:t>bigdata.csv</a:t>
+            </a:r>
+            <a:r>
+              <a:rPr lang="en-US" sz="1600" dirty="0">
+                <a:solidFill>
+                  <a:srgbClr val="00B050"/>
+                </a:solidFill>
+                <a:latin typeface="Courier"/>
+                <a:cs typeface="Courier"/>
+              </a:rPr>
+              <a:t>"</a:t>
+            </a:r>
+            <a:r>
+              <a:rPr lang="en-US" sz="1600" dirty="0">
+                <a:solidFill>
+                  <a:schemeClr val="bg1"/>
+                </a:solidFill>
+                <a:latin typeface="Courier"/>
+                <a:cs typeface="Courier"/>
+              </a:rPr>
+              <a:t>, header = F)</a:t>
+            </a:r>
+          </a:p>
+        </p:txBody>
+      </p:sp>
+    </p:spTree>
+    <p:extLst>
+      <p:ext uri="{BB962C8B-B14F-4D97-AF65-F5344CB8AC3E}">
+        <p14:creationId xmlns:p14="http://schemas.microsoft.com/office/powerpoint/2010/main" val="2142262084"/>
+      </p:ext>
+    </p:extLst>
+  </p:cSld>
+  <p:clrMapOvr>
+    <a:masterClrMapping/>
+  </p:clrMapOvr>
+</p:sld>
+</file>
+
+<file path=ppt/slides/slide13.xml><?xml version="1.0" encoding="utf-8"?>
+<p:sld xmlns:a="http://schemas.openxmlformats.org/drawingml/2006/main" xmlns:r="http://schemas.openxmlformats.org/officeDocument/2006/relationships" xmlns:p="http://schemas.openxmlformats.org/presentationml/2006/main">
+  <p:cSld>
+    <p:spTree>
+      <p:nvGrpSpPr>
+        <p:cNvPr id="1" name=""/>
+        <p:cNvGrpSpPr/>
+        <p:nvPr/>
+      </p:nvGrpSpPr>
+      <p:grpSpPr>
+        <a:xfrm>
+          <a:off x="0" y="0"/>
+          <a:ext cx="0" cy="0"/>
+          <a:chOff x="0" y="0"/>
+          <a:chExt cx="0" cy="0"/>
+        </a:xfrm>
+      </p:grpSpPr>
+      <p:sp>
+        <p:nvSpPr>
+          <p:cNvPr id="11266" name="Rectangle 5"/>
+          <p:cNvSpPr>
+            <a:spLocks noChangeArrowheads="1"/>
+          </p:cNvSpPr>
+          <p:nvPr/>
+        </p:nvSpPr>
+        <p:spPr bwMode="auto">
+          <a:xfrm>
+            <a:off x="228600" y="1104211"/>
+            <a:ext cx="8686800" cy="3298456"/>
+          </a:xfrm>
+          <a:prstGeom prst="rect">
+            <a:avLst/>
+          </a:prstGeom>
+          <a:noFill/>
+          <a:ln w="9525">
+            <a:noFill/>
+            <a:round/>
+            <a:headEnd/>
+            <a:tailEnd/>
+          </a:ln>
+        </p:spPr>
+        <p:txBody>
+          <a:bodyPr lIns="0" tIns="0" rIns="0" bIns="0"/>
+          <a:lstStyle/>
+          <a:p>
+            <a:pPr marL="430213" indent="-323850">
+              <a:spcBef>
+                <a:spcPts val="800"/>
+              </a:spcBef>
+              <a:buClr>
+                <a:srgbClr val="000000"/>
+              </a:buClr>
+              <a:buSzPct val="100000"/>
+              <a:buFont typeface="Arial" charset="0"/>
+              <a:buNone/>
+              <a:tabLst>
+                <a:tab pos="430213" algn="l"/>
+                <a:tab pos="1344613" algn="l"/>
+                <a:tab pos="2259013" algn="l"/>
+                <a:tab pos="3173413" algn="l"/>
+                <a:tab pos="4087813" algn="l"/>
+                <a:tab pos="5002213" algn="l"/>
+                <a:tab pos="5916613" algn="l"/>
+                <a:tab pos="6831013" algn="l"/>
+                <a:tab pos="7745413" algn="l"/>
+                <a:tab pos="8659813" algn="l"/>
+                <a:tab pos="9574213" algn="l"/>
+                <a:tab pos="10488613" algn="l"/>
+              </a:tabLst>
+            </a:pPr>
+            <a:endParaRPr lang="en-GB" sz="1200" dirty="0">
+              <a:solidFill>
+                <a:srgbClr val="000000"/>
+              </a:solidFill>
+              <a:latin typeface="Times New Roman" pitchFamily="18" charset="0"/>
+            </a:endParaRPr>
+          </a:p>
+          <a:p>
+            <a:pPr marL="887413" lvl="1" indent="-323850">
+              <a:spcBef>
+                <a:spcPts val="800"/>
+              </a:spcBef>
+              <a:buClr>
+                <a:srgbClr val="000000"/>
+              </a:buClr>
+              <a:buSzPct val="100000"/>
+              <a:buFont typeface="Arial"/>
+              <a:buChar char="•"/>
+              <a:tabLst>
+                <a:tab pos="430213" algn="l"/>
+                <a:tab pos="1344613" algn="l"/>
+                <a:tab pos="2259013" algn="l"/>
+                <a:tab pos="3173413" algn="l"/>
+                <a:tab pos="4087813" algn="l"/>
+                <a:tab pos="5002213" algn="l"/>
+                <a:tab pos="5916613" algn="l"/>
+                <a:tab pos="6831013" algn="l"/>
+                <a:tab pos="7745413" algn="l"/>
+                <a:tab pos="8659813" algn="l"/>
+                <a:tab pos="9574213" algn="l"/>
+                <a:tab pos="10488613" algn="l"/>
+              </a:tabLst>
+            </a:pPr>
+            <a:r>
+              <a:rPr lang="en-GB" sz="4000" dirty="0">
+                <a:solidFill>
+                  <a:srgbClr val="000000"/>
+                </a:solidFill>
+                <a:latin typeface="Times New Roman" pitchFamily="18" charset="0"/>
+              </a:rPr>
+              <a:t>Input from Excel</a:t>
+            </a:r>
+          </a:p>
+          <a:p>
+            <a:pPr marL="1344613" lvl="2" indent="-323850">
+              <a:spcBef>
+                <a:spcPts val="800"/>
+              </a:spcBef>
+              <a:buClr>
+                <a:srgbClr val="000000"/>
+              </a:buClr>
+              <a:buSzPct val="100000"/>
+              <a:buFont typeface="Arial"/>
+              <a:buChar char="•"/>
+              <a:tabLst>
+                <a:tab pos="430213" algn="l"/>
+                <a:tab pos="1344613" algn="l"/>
+                <a:tab pos="2259013" algn="l"/>
+                <a:tab pos="3173413" algn="l"/>
+                <a:tab pos="4087813" algn="l"/>
+                <a:tab pos="5002213" algn="l"/>
+                <a:tab pos="5916613" algn="l"/>
+                <a:tab pos="6831013" algn="l"/>
+                <a:tab pos="7745413" algn="l"/>
+                <a:tab pos="8659813" algn="l"/>
+                <a:tab pos="9574213" algn="l"/>
+                <a:tab pos="10488613" algn="l"/>
+              </a:tabLst>
+            </a:pPr>
+            <a:r>
+              <a:rPr lang="en-GB" sz="3600" dirty="0">
+                <a:solidFill>
+                  <a:srgbClr val="000000"/>
+                </a:solidFill>
+                <a:latin typeface="Times New Roman" pitchFamily="18" charset="0"/>
+              </a:rPr>
+              <a:t>Also you can download and save spreadsheet as a CSV file</a:t>
+            </a:r>
+          </a:p>
+          <a:p>
+            <a:pPr marL="1801813" lvl="3" indent="-323850">
+              <a:spcBef>
+                <a:spcPts val="800"/>
+              </a:spcBef>
+              <a:buClr>
+                <a:srgbClr val="000000"/>
+              </a:buClr>
+              <a:buSzPct val="100000"/>
+              <a:buFont typeface="Arial"/>
+              <a:buChar char="•"/>
+              <a:tabLst>
+                <a:tab pos="430213" algn="l"/>
+                <a:tab pos="1344613" algn="l"/>
+                <a:tab pos="2259013" algn="l"/>
+                <a:tab pos="3173413" algn="l"/>
+                <a:tab pos="4087813" algn="l"/>
+                <a:tab pos="5002213" algn="l"/>
+                <a:tab pos="5916613" algn="l"/>
+                <a:tab pos="6831013" algn="l"/>
+                <a:tab pos="7745413" algn="l"/>
+                <a:tab pos="8659813" algn="l"/>
+                <a:tab pos="9574213" algn="l"/>
+                <a:tab pos="10488613" algn="l"/>
+              </a:tabLst>
+            </a:pPr>
+            <a:r>
+              <a:rPr lang="en-GB" sz="3200" dirty="0">
+                <a:solidFill>
+                  <a:srgbClr val="000000"/>
+                </a:solidFill>
+                <a:latin typeface="Times New Roman" pitchFamily="18" charset="0"/>
+              </a:rPr>
+              <a:t>You’ll need to type in the </a:t>
+            </a:r>
+            <a:r>
+              <a:rPr lang="en-GB" sz="3200" b="1" dirty="0">
+                <a:solidFill>
+                  <a:srgbClr val="000000"/>
+                </a:solidFill>
+                <a:latin typeface="Times New Roman" pitchFamily="18" charset="0"/>
+              </a:rPr>
+              <a:t>path</a:t>
+            </a:r>
+            <a:r>
+              <a:rPr lang="en-GB" sz="3200" dirty="0">
+                <a:solidFill>
+                  <a:srgbClr val="000000"/>
+                </a:solidFill>
+                <a:latin typeface="Times New Roman" pitchFamily="18" charset="0"/>
+              </a:rPr>
+              <a:t> to the file</a:t>
+            </a:r>
+            <a:r>
+              <a:rPr lang="en-GB" sz="3600" dirty="0">
+                <a:solidFill>
+                  <a:srgbClr val="000000"/>
+                </a:solidFill>
+                <a:latin typeface="Times New Roman" pitchFamily="18" charset="0"/>
+              </a:rPr>
+              <a:t> in </a:t>
+            </a:r>
+            <a:r>
+              <a:rPr lang="en-GB" sz="3600" dirty="0" err="1">
+                <a:solidFill>
+                  <a:srgbClr val="000000"/>
+                </a:solidFill>
+                <a:latin typeface="Times New Roman" pitchFamily="18" charset="0"/>
+              </a:rPr>
+              <a:t>read.csv</a:t>
+            </a:r>
+            <a:endParaRPr lang="en-GB" sz="3600" dirty="0">
+              <a:solidFill>
+                <a:srgbClr val="000000"/>
+              </a:solidFill>
+              <a:latin typeface="Times New Roman" pitchFamily="18" charset="0"/>
+            </a:endParaRPr>
+          </a:p>
+          <a:p>
+            <a:pPr marL="1344613" lvl="2" indent="-323850">
+              <a:spcBef>
+                <a:spcPts val="800"/>
+              </a:spcBef>
+              <a:buClr>
+                <a:srgbClr val="000000"/>
+              </a:buClr>
+              <a:buSzPct val="100000"/>
+              <a:buFont typeface="Arial"/>
+              <a:buChar char="•"/>
+              <a:tabLst>
+                <a:tab pos="430213" algn="l"/>
+                <a:tab pos="1344613" algn="l"/>
+                <a:tab pos="2259013" algn="l"/>
+                <a:tab pos="3173413" algn="l"/>
+                <a:tab pos="4087813" algn="l"/>
+                <a:tab pos="5002213" algn="l"/>
+                <a:tab pos="5916613" algn="l"/>
+                <a:tab pos="6831013" algn="l"/>
+                <a:tab pos="7745413" algn="l"/>
+                <a:tab pos="8659813" algn="l"/>
+                <a:tab pos="9574213" algn="l"/>
+                <a:tab pos="10488613" algn="l"/>
+              </a:tabLst>
+            </a:pPr>
+            <a:endParaRPr lang="en-GB" sz="3200" dirty="0">
+              <a:solidFill>
+                <a:srgbClr val="000000"/>
+              </a:solidFill>
+              <a:latin typeface="Times New Roman" pitchFamily="18" charset="0"/>
+            </a:endParaRPr>
+          </a:p>
+        </p:txBody>
+      </p:sp>
+      <p:sp>
+        <p:nvSpPr>
+          <p:cNvPr id="25603" name="Rectangle 4"/>
+          <p:cNvSpPr>
+            <a:spLocks noChangeArrowheads="1"/>
+          </p:cNvSpPr>
+          <p:nvPr/>
+        </p:nvSpPr>
+        <p:spPr bwMode="auto">
+          <a:xfrm>
+            <a:off x="231775" y="332601"/>
+            <a:ext cx="8607425" cy="1127125"/>
+          </a:xfrm>
+          <a:prstGeom prst="rect">
+            <a:avLst/>
+          </a:prstGeom>
+          <a:noFill/>
+          <a:ln w="9525">
+            <a:noFill/>
+            <a:round/>
+            <a:headEnd/>
+            <a:tailEnd/>
+          </a:ln>
+        </p:spPr>
+        <p:txBody>
+          <a:bodyPr lIns="0" tIns="0" rIns="0" bIns="0" anchor="ctr"/>
+          <a:lstStyle/>
+          <a:p>
+            <a:pPr algn="ctr">
+              <a:buClr>
+                <a:srgbClr val="000000"/>
+              </a:buClr>
+              <a:buSzPct val="100000"/>
+              <a:buFont typeface="Times New Roman" pitchFamily="18" charset="0"/>
+              <a:buNone/>
+              <a:tabLst>
+                <a:tab pos="0" algn="l"/>
+                <a:tab pos="914400" algn="l"/>
+                <a:tab pos="1828800" algn="l"/>
+                <a:tab pos="2743200" algn="l"/>
+                <a:tab pos="3657600" algn="l"/>
+                <a:tab pos="4572000" algn="l"/>
+                <a:tab pos="5486400" algn="l"/>
+                <a:tab pos="6400800" algn="l"/>
+                <a:tab pos="7315200" algn="l"/>
+                <a:tab pos="8229600" algn="l"/>
+                <a:tab pos="9144000" algn="l"/>
+                <a:tab pos="10058400" algn="l"/>
+              </a:tabLst>
+            </a:pPr>
+            <a:r>
+              <a:rPr lang="en-GB" sz="4000" dirty="0">
+                <a:solidFill>
+                  <a:srgbClr val="000000"/>
+                </a:solidFill>
+                <a:latin typeface="Times New Roman" pitchFamily="18" charset="0"/>
+              </a:rPr>
+              <a:t>How to Load </a:t>
+            </a:r>
+            <a:r>
+              <a:rPr lang="en-GB" sz="4000" dirty="0" err="1">
+                <a:solidFill>
+                  <a:srgbClr val="000000"/>
+                </a:solidFill>
+                <a:latin typeface="Times New Roman" pitchFamily="18" charset="0"/>
+              </a:rPr>
+              <a:t>Spreadsheets</a:t>
+            </a:r>
+            <a:r>
+              <a:rPr lang="en-GB" sz="4000" dirty="0">
+                <a:solidFill>
+                  <a:srgbClr val="000000"/>
+                </a:solidFill>
+                <a:latin typeface="Times New Roman" pitchFamily="18" charset="0"/>
+              </a:rPr>
+              <a:t> of Data:</a:t>
+            </a:r>
+          </a:p>
+        </p:txBody>
+      </p:sp>
+      <p:sp>
+        <p:nvSpPr>
+          <p:cNvPr id="8" name="TextBox 7"/>
+          <p:cNvSpPr txBox="1"/>
+          <p:nvPr/>
+        </p:nvSpPr>
+        <p:spPr>
+          <a:xfrm>
+            <a:off x="1066800" y="4719357"/>
+            <a:ext cx="7558479" cy="461665"/>
+          </a:xfrm>
+          <a:prstGeom prst="rect">
+            <a:avLst/>
+          </a:prstGeom>
+          <a:noFill/>
+        </p:spPr>
+        <p:txBody>
+          <a:bodyPr wrap="none" rtlCol="0">
+            <a:spAutoFit/>
+          </a:bodyPr>
+          <a:lstStyle/>
+          <a:p>
+            <a:r>
+              <a:rPr lang="en-US" sz="2400" dirty="0">
+                <a:latin typeface="Courier"/>
+                <a:cs typeface="Courier"/>
+              </a:rPr>
+              <a:t>"/Users/</a:t>
+            </a:r>
+            <a:r>
+              <a:rPr lang="en-US" sz="2400" dirty="0" err="1">
+                <a:latin typeface="Courier"/>
+                <a:cs typeface="Courier"/>
+              </a:rPr>
+              <a:t>npetraco</a:t>
+            </a:r>
+            <a:r>
+              <a:rPr lang="en-US" sz="2400" dirty="0">
+                <a:latin typeface="Courier"/>
+                <a:cs typeface="Courier"/>
+              </a:rPr>
+              <a:t>/latex/papers/data.csv"</a:t>
+            </a:r>
+          </a:p>
+        </p:txBody>
+      </p:sp>
+      <p:sp>
+        <p:nvSpPr>
+          <p:cNvPr id="9" name="Rectangle 8"/>
+          <p:cNvSpPr/>
+          <p:nvPr/>
+        </p:nvSpPr>
+        <p:spPr>
+          <a:xfrm>
+            <a:off x="1066800" y="4257692"/>
+            <a:ext cx="1338377" cy="461665"/>
+          </a:xfrm>
+          <a:prstGeom prst="rect">
+            <a:avLst/>
+          </a:prstGeom>
+        </p:spPr>
+        <p:txBody>
+          <a:bodyPr wrap="none">
+            <a:spAutoFit/>
+          </a:bodyPr>
+          <a:lstStyle/>
+          <a:p>
+            <a:r>
+              <a:rPr lang="en-GB" sz="2400" u="sng" dirty="0">
+                <a:solidFill>
+                  <a:srgbClr val="000000"/>
+                </a:solidFill>
+                <a:latin typeface="Times New Roman" pitchFamily="18" charset="0"/>
+              </a:rPr>
+              <a:t>Mac e.g.</a:t>
+            </a:r>
+            <a:r>
+              <a:rPr lang="en-GB" sz="2400" dirty="0">
+                <a:solidFill>
+                  <a:srgbClr val="000000"/>
+                </a:solidFill>
+                <a:latin typeface="Times New Roman" pitchFamily="18" charset="0"/>
+              </a:rPr>
+              <a:t>:</a:t>
+            </a:r>
+            <a:endParaRPr lang="en-US" sz="2400" dirty="0"/>
+          </a:p>
+        </p:txBody>
+      </p:sp>
+      <p:sp>
+        <p:nvSpPr>
+          <p:cNvPr id="10" name="TextBox 9"/>
+          <p:cNvSpPr txBox="1"/>
+          <p:nvPr/>
+        </p:nvSpPr>
+        <p:spPr>
+          <a:xfrm>
+            <a:off x="1064742" y="5660672"/>
+            <a:ext cx="7927170" cy="1200329"/>
+          </a:xfrm>
+          <a:prstGeom prst="rect">
+            <a:avLst/>
+          </a:prstGeom>
+          <a:noFill/>
+        </p:spPr>
+        <p:txBody>
+          <a:bodyPr wrap="none" rtlCol="0">
+            <a:spAutoFit/>
+          </a:bodyPr>
+          <a:lstStyle/>
+          <a:p>
+            <a:r>
+              <a:rPr lang="en-US" sz="2400" dirty="0">
+                <a:latin typeface="Courier"/>
+                <a:cs typeface="Courier"/>
+              </a:rPr>
+              <a:t>"C:\Users\npetraco\latex\papers\data.csv"</a:t>
+            </a:r>
+          </a:p>
+          <a:p>
+            <a:r>
+              <a:rPr lang="en-US" sz="2400" dirty="0">
+                <a:latin typeface="Courier"/>
+                <a:cs typeface="Courier"/>
+              </a:rPr>
+              <a:t>"C:/Users/npetraco/latex/papers/data.csv"</a:t>
+            </a:r>
+          </a:p>
+          <a:p>
+            <a:endParaRPr lang="en-US" sz="2400" dirty="0">
+              <a:latin typeface="Courier"/>
+              <a:cs typeface="Courier"/>
+            </a:endParaRPr>
+          </a:p>
+        </p:txBody>
+      </p:sp>
+      <p:sp>
+        <p:nvSpPr>
+          <p:cNvPr id="13" name="Rectangle 12"/>
+          <p:cNvSpPr/>
+          <p:nvPr/>
+        </p:nvSpPr>
+        <p:spPr>
+          <a:xfrm>
+            <a:off x="1064742" y="5143587"/>
+            <a:ext cx="1958890" cy="461665"/>
+          </a:xfrm>
+          <a:prstGeom prst="rect">
+            <a:avLst/>
+          </a:prstGeom>
+        </p:spPr>
+        <p:txBody>
+          <a:bodyPr wrap="none">
+            <a:spAutoFit/>
+          </a:bodyPr>
+          <a:lstStyle/>
+          <a:p>
+            <a:r>
+              <a:rPr lang="en-GB" sz="2400" u="sng" dirty="0">
+                <a:solidFill>
+                  <a:srgbClr val="000000"/>
+                </a:solidFill>
+                <a:latin typeface="Times New Roman" pitchFamily="18" charset="0"/>
+              </a:rPr>
+              <a:t>Windows e.g.</a:t>
+            </a:r>
+            <a:r>
+              <a:rPr lang="en-GB" sz="2400" dirty="0">
+                <a:solidFill>
+                  <a:srgbClr val="000000"/>
+                </a:solidFill>
+                <a:latin typeface="Times New Roman" pitchFamily="18" charset="0"/>
+              </a:rPr>
+              <a:t>:</a:t>
+            </a:r>
+            <a:endParaRPr lang="en-US" sz="2400" dirty="0"/>
+          </a:p>
+        </p:txBody>
+      </p:sp>
+      <p:pic>
+        <p:nvPicPr>
+          <p:cNvPr id="14" name="Picture 2"/>
+          <p:cNvPicPr>
+            <a:picLocks noChangeAspect="1" noChangeArrowheads="1"/>
+          </p:cNvPicPr>
+          <p:nvPr/>
+        </p:nvPicPr>
+        <p:blipFill>
+          <a:blip r:embed="rId2" cstate="print"/>
+          <a:srcRect/>
+          <a:stretch>
+            <a:fillRect/>
+          </a:stretch>
+        </p:blipFill>
+        <p:spPr bwMode="auto">
+          <a:xfrm>
+            <a:off x="484188" y="76200"/>
+            <a:ext cx="8202612" cy="239712"/>
+          </a:xfrm>
+          <a:prstGeom prst="rect">
+            <a:avLst/>
+          </a:prstGeom>
+          <a:noFill/>
+          <a:ln w="9525">
+            <a:noFill/>
+            <a:round/>
+            <a:headEnd/>
+            <a:tailEnd/>
+          </a:ln>
+        </p:spPr>
+      </p:pic>
+      <p:sp>
+        <p:nvSpPr>
+          <p:cNvPr id="11" name="TextBox 10"/>
+          <p:cNvSpPr txBox="1"/>
+          <p:nvPr/>
+        </p:nvSpPr>
+        <p:spPr>
+          <a:xfrm>
+            <a:off x="143016" y="6432887"/>
+            <a:ext cx="8664551" cy="461665"/>
+          </a:xfrm>
+          <a:prstGeom prst="rect">
+            <a:avLst/>
+          </a:prstGeom>
+          <a:noFill/>
+        </p:spPr>
+        <p:txBody>
+          <a:bodyPr wrap="none" rtlCol="0">
+            <a:spAutoFit/>
+          </a:bodyPr>
+          <a:lstStyle/>
+          <a:p>
+            <a:r>
+              <a:rPr lang="en-US" sz="2400" dirty="0">
+                <a:latin typeface="Courier"/>
+                <a:cs typeface="Courier"/>
+              </a:rPr>
+              <a:t>"C:\\Users\\npetraco\\latex\\papers\\data.csv"</a:t>
+            </a:r>
+          </a:p>
+        </p:txBody>
+      </p:sp>
+    </p:spTree>
+    <p:extLst>
+      <p:ext uri="{BB962C8B-B14F-4D97-AF65-F5344CB8AC3E}">
+        <p14:creationId xmlns:p14="http://schemas.microsoft.com/office/powerpoint/2010/main" val="2498635369"/>
       </p:ext>
     </p:extLst>
   </p:cSld>
@@ -5642,14 +6398,445 @@
   <p:timing>
     <p:tnLst>
       <p:par>
-        <p:cTn xmlns:p14="http://schemas.microsoft.com/office/powerpoint/2010/main" id="1" dur="indefinite" restart="never" nodeType="tmRoot"/>
+        <p:cTn id="1" dur="indefinite" restart="never" nodeType="tmRoot">
+          <p:childTnLst>
+            <p:seq concurrent="1" nextAc="seek">
+              <p:cTn id="2" dur="indefinite" nodeType="mainSeq">
+                <p:childTnLst>
+                  <p:par>
+                    <p:cTn id="3" fill="hold">
+                      <p:stCondLst>
+                        <p:cond delay="indefinite"/>
+                      </p:stCondLst>
+                      <p:childTnLst>
+                        <p:par>
+                          <p:cTn id="4" fill="hold">
+                            <p:stCondLst>
+                              <p:cond delay="0"/>
+                            </p:stCondLst>
+                            <p:childTnLst>
+                              <p:par>
+                                <p:cTn id="5" presetID="2" presetClass="entr" presetSubtype="4" fill="hold" grpId="0" nodeType="clickEffect">
+                                  <p:stCondLst>
+                                    <p:cond delay="0"/>
+                                  </p:stCondLst>
+                                  <p:childTnLst>
+                                    <p:set>
+                                      <p:cBhvr>
+                                        <p:cTn id="6" dur="1" fill="hold">
+                                          <p:stCondLst>
+                                            <p:cond delay="0"/>
+                                          </p:stCondLst>
+                                        </p:cTn>
+                                        <p:tgtEl>
+                                          <p:spTgt spid="8"/>
+                                        </p:tgtEl>
+                                        <p:attrNameLst>
+                                          <p:attrName>style.visibility</p:attrName>
+                                        </p:attrNameLst>
+                                      </p:cBhvr>
+                                      <p:to>
+                                        <p:strVal val="visible"/>
+                                      </p:to>
+                                    </p:set>
+                                    <p:anim calcmode="lin" valueType="num">
+                                      <p:cBhvr additive="base">
+                                        <p:cTn id="7" dur="500" fill="hold"/>
+                                        <p:tgtEl>
+                                          <p:spTgt spid="8"/>
+                                        </p:tgtEl>
+                                        <p:attrNameLst>
+                                          <p:attrName>ppt_x</p:attrName>
+                                        </p:attrNameLst>
+                                      </p:cBhvr>
+                                      <p:tavLst>
+                                        <p:tav tm="0">
+                                          <p:val>
+                                            <p:strVal val="#ppt_x"/>
+                                          </p:val>
+                                        </p:tav>
+                                        <p:tav tm="100000">
+                                          <p:val>
+                                            <p:strVal val="#ppt_x"/>
+                                          </p:val>
+                                        </p:tav>
+                                      </p:tavLst>
+                                    </p:anim>
+                                    <p:anim calcmode="lin" valueType="num">
+                                      <p:cBhvr additive="base">
+                                        <p:cTn id="8" dur="500" fill="hold"/>
+                                        <p:tgtEl>
+                                          <p:spTgt spid="8"/>
+                                        </p:tgtEl>
+                                        <p:attrNameLst>
+                                          <p:attrName>ppt_y</p:attrName>
+                                        </p:attrNameLst>
+                                      </p:cBhvr>
+                                      <p:tavLst>
+                                        <p:tav tm="0">
+                                          <p:val>
+                                            <p:strVal val="1+#ppt_h/2"/>
+                                          </p:val>
+                                        </p:tav>
+                                        <p:tav tm="100000">
+                                          <p:val>
+                                            <p:strVal val="#ppt_y"/>
+                                          </p:val>
+                                        </p:tav>
+                                      </p:tavLst>
+                                    </p:anim>
+                                  </p:childTnLst>
+                                </p:cTn>
+                              </p:par>
+                              <p:par>
+                                <p:cTn id="9" presetID="2" presetClass="entr" presetSubtype="4" fill="hold" grpId="0" nodeType="withEffect">
+                                  <p:stCondLst>
+                                    <p:cond delay="0"/>
+                                  </p:stCondLst>
+                                  <p:childTnLst>
+                                    <p:set>
+                                      <p:cBhvr>
+                                        <p:cTn id="10" dur="1" fill="hold">
+                                          <p:stCondLst>
+                                            <p:cond delay="0"/>
+                                          </p:stCondLst>
+                                        </p:cTn>
+                                        <p:tgtEl>
+                                          <p:spTgt spid="9"/>
+                                        </p:tgtEl>
+                                        <p:attrNameLst>
+                                          <p:attrName>style.visibility</p:attrName>
+                                        </p:attrNameLst>
+                                      </p:cBhvr>
+                                      <p:to>
+                                        <p:strVal val="visible"/>
+                                      </p:to>
+                                    </p:set>
+                                    <p:anim calcmode="lin" valueType="num">
+                                      <p:cBhvr additive="base">
+                                        <p:cTn id="11" dur="500" fill="hold"/>
+                                        <p:tgtEl>
+                                          <p:spTgt spid="9"/>
+                                        </p:tgtEl>
+                                        <p:attrNameLst>
+                                          <p:attrName>ppt_x</p:attrName>
+                                        </p:attrNameLst>
+                                      </p:cBhvr>
+                                      <p:tavLst>
+                                        <p:tav tm="0">
+                                          <p:val>
+                                            <p:strVal val="#ppt_x"/>
+                                          </p:val>
+                                        </p:tav>
+                                        <p:tav tm="100000">
+                                          <p:val>
+                                            <p:strVal val="#ppt_x"/>
+                                          </p:val>
+                                        </p:tav>
+                                      </p:tavLst>
+                                    </p:anim>
+                                    <p:anim calcmode="lin" valueType="num">
+                                      <p:cBhvr additive="base">
+                                        <p:cTn id="12" dur="500" fill="hold"/>
+                                        <p:tgtEl>
+                                          <p:spTgt spid="9"/>
+                                        </p:tgtEl>
+                                        <p:attrNameLst>
+                                          <p:attrName>ppt_y</p:attrName>
+                                        </p:attrNameLst>
+                                      </p:cBhvr>
+                                      <p:tavLst>
+                                        <p:tav tm="0">
+                                          <p:val>
+                                            <p:strVal val="1+#ppt_h/2"/>
+                                          </p:val>
+                                        </p:tav>
+                                        <p:tav tm="100000">
+                                          <p:val>
+                                            <p:strVal val="#ppt_y"/>
+                                          </p:val>
+                                        </p:tav>
+                                      </p:tavLst>
+                                    </p:anim>
+                                  </p:childTnLst>
+                                </p:cTn>
+                              </p:par>
+                            </p:childTnLst>
+                          </p:cTn>
+                        </p:par>
+                      </p:childTnLst>
+                    </p:cTn>
+                  </p:par>
+                  <p:par>
+                    <p:cTn id="13" fill="hold">
+                      <p:stCondLst>
+                        <p:cond delay="indefinite"/>
+                      </p:stCondLst>
+                      <p:childTnLst>
+                        <p:par>
+                          <p:cTn id="14" fill="hold">
+                            <p:stCondLst>
+                              <p:cond delay="0"/>
+                            </p:stCondLst>
+                            <p:childTnLst>
+                              <p:par>
+                                <p:cTn id="15" presetID="2" presetClass="entr" presetSubtype="4" fill="hold" grpId="0" nodeType="clickEffect">
+                                  <p:stCondLst>
+                                    <p:cond delay="0"/>
+                                  </p:stCondLst>
+                                  <p:childTnLst>
+                                    <p:set>
+                                      <p:cBhvr>
+                                        <p:cTn id="16" dur="1" fill="hold">
+                                          <p:stCondLst>
+                                            <p:cond delay="0"/>
+                                          </p:stCondLst>
+                                        </p:cTn>
+                                        <p:tgtEl>
+                                          <p:spTgt spid="10"/>
+                                        </p:tgtEl>
+                                        <p:attrNameLst>
+                                          <p:attrName>style.visibility</p:attrName>
+                                        </p:attrNameLst>
+                                      </p:cBhvr>
+                                      <p:to>
+                                        <p:strVal val="visible"/>
+                                      </p:to>
+                                    </p:set>
+                                    <p:anim calcmode="lin" valueType="num">
+                                      <p:cBhvr additive="base">
+                                        <p:cTn id="17" dur="500" fill="hold"/>
+                                        <p:tgtEl>
+                                          <p:spTgt spid="10"/>
+                                        </p:tgtEl>
+                                        <p:attrNameLst>
+                                          <p:attrName>ppt_x</p:attrName>
+                                        </p:attrNameLst>
+                                      </p:cBhvr>
+                                      <p:tavLst>
+                                        <p:tav tm="0">
+                                          <p:val>
+                                            <p:strVal val="#ppt_x"/>
+                                          </p:val>
+                                        </p:tav>
+                                        <p:tav tm="100000">
+                                          <p:val>
+                                            <p:strVal val="#ppt_x"/>
+                                          </p:val>
+                                        </p:tav>
+                                      </p:tavLst>
+                                    </p:anim>
+                                    <p:anim calcmode="lin" valueType="num">
+                                      <p:cBhvr additive="base">
+                                        <p:cTn id="18" dur="500" fill="hold"/>
+                                        <p:tgtEl>
+                                          <p:spTgt spid="10"/>
+                                        </p:tgtEl>
+                                        <p:attrNameLst>
+                                          <p:attrName>ppt_y</p:attrName>
+                                        </p:attrNameLst>
+                                      </p:cBhvr>
+                                      <p:tavLst>
+                                        <p:tav tm="0">
+                                          <p:val>
+                                            <p:strVal val="1+#ppt_h/2"/>
+                                          </p:val>
+                                        </p:tav>
+                                        <p:tav tm="100000">
+                                          <p:val>
+                                            <p:strVal val="#ppt_y"/>
+                                          </p:val>
+                                        </p:tav>
+                                      </p:tavLst>
+                                    </p:anim>
+                                  </p:childTnLst>
+                                </p:cTn>
+                              </p:par>
+                              <p:par>
+                                <p:cTn id="19" presetID="2" presetClass="entr" presetSubtype="4" fill="hold" grpId="0" nodeType="withEffect">
+                                  <p:stCondLst>
+                                    <p:cond delay="0"/>
+                                  </p:stCondLst>
+                                  <p:childTnLst>
+                                    <p:set>
+                                      <p:cBhvr>
+                                        <p:cTn id="20" dur="1" fill="hold">
+                                          <p:stCondLst>
+                                            <p:cond delay="0"/>
+                                          </p:stCondLst>
+                                        </p:cTn>
+                                        <p:tgtEl>
+                                          <p:spTgt spid="13"/>
+                                        </p:tgtEl>
+                                        <p:attrNameLst>
+                                          <p:attrName>style.visibility</p:attrName>
+                                        </p:attrNameLst>
+                                      </p:cBhvr>
+                                      <p:to>
+                                        <p:strVal val="visible"/>
+                                      </p:to>
+                                    </p:set>
+                                    <p:anim calcmode="lin" valueType="num">
+                                      <p:cBhvr additive="base">
+                                        <p:cTn id="21" dur="500" fill="hold"/>
+                                        <p:tgtEl>
+                                          <p:spTgt spid="13"/>
+                                        </p:tgtEl>
+                                        <p:attrNameLst>
+                                          <p:attrName>ppt_x</p:attrName>
+                                        </p:attrNameLst>
+                                      </p:cBhvr>
+                                      <p:tavLst>
+                                        <p:tav tm="0">
+                                          <p:val>
+                                            <p:strVal val="#ppt_x"/>
+                                          </p:val>
+                                        </p:tav>
+                                        <p:tav tm="100000">
+                                          <p:val>
+                                            <p:strVal val="#ppt_x"/>
+                                          </p:val>
+                                        </p:tav>
+                                      </p:tavLst>
+                                    </p:anim>
+                                    <p:anim calcmode="lin" valueType="num">
+                                      <p:cBhvr additive="base">
+                                        <p:cTn id="22" dur="500" fill="hold"/>
+                                        <p:tgtEl>
+                                          <p:spTgt spid="13"/>
+                                        </p:tgtEl>
+                                        <p:attrNameLst>
+                                          <p:attrName>ppt_y</p:attrName>
+                                        </p:attrNameLst>
+                                      </p:cBhvr>
+                                      <p:tavLst>
+                                        <p:tav tm="0">
+                                          <p:val>
+                                            <p:strVal val="1+#ppt_h/2"/>
+                                          </p:val>
+                                        </p:tav>
+                                        <p:tav tm="100000">
+                                          <p:val>
+                                            <p:strVal val="#ppt_y"/>
+                                          </p:val>
+                                        </p:tav>
+                                      </p:tavLst>
+                                    </p:anim>
+                                  </p:childTnLst>
+                                </p:cTn>
+                              </p:par>
+                              <p:par>
+                                <p:cTn id="23" presetID="2" presetClass="entr" presetSubtype="4" fill="hold" grpId="0" nodeType="withEffect">
+                                  <p:stCondLst>
+                                    <p:cond delay="0"/>
+                                  </p:stCondLst>
+                                  <p:childTnLst>
+                                    <p:set>
+                                      <p:cBhvr>
+                                        <p:cTn id="24" dur="1" fill="hold">
+                                          <p:stCondLst>
+                                            <p:cond delay="0"/>
+                                          </p:stCondLst>
+                                        </p:cTn>
+                                        <p:tgtEl>
+                                          <p:spTgt spid="11"/>
+                                        </p:tgtEl>
+                                        <p:attrNameLst>
+                                          <p:attrName>style.visibility</p:attrName>
+                                        </p:attrNameLst>
+                                      </p:cBhvr>
+                                      <p:to>
+                                        <p:strVal val="visible"/>
+                                      </p:to>
+                                    </p:set>
+                                    <p:anim calcmode="lin" valueType="num">
+                                      <p:cBhvr additive="base">
+                                        <p:cTn id="25" dur="500" fill="hold"/>
+                                        <p:tgtEl>
+                                          <p:spTgt spid="11"/>
+                                        </p:tgtEl>
+                                        <p:attrNameLst>
+                                          <p:attrName>ppt_x</p:attrName>
+                                        </p:attrNameLst>
+                                      </p:cBhvr>
+                                      <p:tavLst>
+                                        <p:tav tm="0">
+                                          <p:val>
+                                            <p:strVal val="#ppt_x"/>
+                                          </p:val>
+                                        </p:tav>
+                                        <p:tav tm="100000">
+                                          <p:val>
+                                            <p:strVal val="#ppt_x"/>
+                                          </p:val>
+                                        </p:tav>
+                                      </p:tavLst>
+                                    </p:anim>
+                                    <p:anim calcmode="lin" valueType="num">
+                                      <p:cBhvr additive="base">
+                                        <p:cTn id="26" dur="500" fill="hold"/>
+                                        <p:tgtEl>
+                                          <p:spTgt spid="11"/>
+                                        </p:tgtEl>
+                                        <p:attrNameLst>
+                                          <p:attrName>ppt_y</p:attrName>
+                                        </p:attrNameLst>
+                                      </p:cBhvr>
+                                      <p:tavLst>
+                                        <p:tav tm="0">
+                                          <p:val>
+                                            <p:strVal val="1+#ppt_h/2"/>
+                                          </p:val>
+                                        </p:tav>
+                                        <p:tav tm="100000">
+                                          <p:val>
+                                            <p:strVal val="#ppt_y"/>
+                                          </p:val>
+                                        </p:tav>
+                                      </p:tavLst>
+                                    </p:anim>
+                                  </p:childTnLst>
+                                </p:cTn>
+                              </p:par>
+                            </p:childTnLst>
+                          </p:cTn>
+                        </p:par>
+                      </p:childTnLst>
+                    </p:cTn>
+                  </p:par>
+                </p:childTnLst>
+              </p:cTn>
+              <p:prevCondLst>
+                <p:cond evt="onPrev" delay="0">
+                  <p:tgtEl>
+                    <p:sldTgt/>
+                  </p:tgtEl>
+                </p:cond>
+              </p:prevCondLst>
+              <p:nextCondLst>
+                <p:cond evt="onNext" delay="0">
+                  <p:tgtEl>
+                    <p:sldTgt/>
+                  </p:tgtEl>
+                </p:cond>
+              </p:nextCondLst>
+            </p:seq>
+          </p:childTnLst>
+        </p:cTn>
       </p:par>
     </p:tnLst>
+    <p:bldLst>
+      <p:bldP spid="8" grpId="0"/>
+      <p:bldP spid="9" grpId="0"/>
+      <p:bldP spid="10" grpId="0"/>
+      <p:bldP spid="13" grpId="0"/>
+      <p:bldP spid="11" grpId="0"/>
+    </p:bldLst>
   </p:timing>
 </p:sld>
 </file>
 
-<file path=ppt/slides/slide12.xml><?xml version="1.0" encoding="utf-8"?>
+<file path=ppt/slides/slide14.xml><?xml version="1.0" encoding="utf-8"?>
 <p:sld xmlns:a="http://schemas.openxmlformats.org/drawingml/2006/main" xmlns:r="http://schemas.openxmlformats.org/officeDocument/2006/relationships" xmlns:p="http://schemas.openxmlformats.org/presentationml/2006/main">
   <p:cSld>
     <p:spTree>
@@ -5717,7 +6904,7 @@
               </a:tabLst>
             </a:pPr>
             <a:r>
-              <a:rPr lang="en-GB" sz="4000" dirty="0" smtClean="0">
+              <a:rPr lang="en-GB" sz="4000" dirty="0">
                 <a:solidFill>
                   <a:srgbClr val="000000"/>
                 </a:solidFill>
@@ -5726,7 +6913,7 @@
               <a:t>How to Load </a:t>
             </a:r>
             <a:r>
-              <a:rPr lang="en-GB" sz="4000" dirty="0" err="1" smtClean="0">
+              <a:rPr lang="en-GB" sz="4000" dirty="0" err="1">
                 <a:solidFill>
                   <a:srgbClr val="000000"/>
                 </a:solidFill>
@@ -5735,7 +6922,7 @@
               <a:t>Spreadsheets</a:t>
             </a:r>
             <a:r>
-              <a:rPr lang="en-GB" sz="4000" dirty="0" smtClean="0">
+              <a:rPr lang="en-GB" sz="4000" dirty="0">
                 <a:solidFill>
                   <a:srgbClr val="000000"/>
                 </a:solidFill>
@@ -5743,12 +6930,6 @@
               </a:rPr>
               <a:t> of Data:</a:t>
             </a:r>
-            <a:endParaRPr lang="en-GB" sz="4000" dirty="0">
-              <a:solidFill>
-                <a:srgbClr val="000000"/>
-              </a:solidFill>
-              <a:latin typeface="Times New Roman" pitchFamily="18" charset="0"/>
-            </a:endParaRPr>
           </a:p>
         </p:txBody>
       </p:sp>
@@ -5837,7 +7018,7 @@
                 <a:tab pos="10488613" algn="l"/>
               </a:tabLst>
             </a:pPr>
-            <a:endParaRPr lang="en-GB" sz="1200" dirty="0" smtClean="0">
+            <a:endParaRPr lang="en-GB" sz="1200" dirty="0">
               <a:solidFill>
                 <a:srgbClr val="000000"/>
               </a:solidFill>
@@ -5871,7 +7052,7 @@
               </a:tabLst>
             </a:pPr>
             <a:r>
-              <a:rPr lang="en-GB" sz="2800" dirty="0" smtClean="0">
+              <a:rPr lang="en-GB" sz="2800" dirty="0">
                 <a:solidFill>
                   <a:srgbClr val="000000"/>
                 </a:solidFill>
@@ -5880,7 +7061,7 @@
               <a:t>Load a CSV file that is on your (mine actually…) Desktop. The file is called </a:t>
             </a:r>
             <a:r>
-              <a:rPr lang="en-GB" sz="2800" dirty="0" err="1" smtClean="0">
+              <a:rPr lang="en-GB" sz="2800" dirty="0" err="1">
                 <a:solidFill>
                   <a:srgbClr val="000000"/>
                 </a:solidFill>
@@ -5889,7 +7070,7 @@
               <a:t>bigdata.csv</a:t>
             </a:r>
             <a:r>
-              <a:rPr lang="en-GB" sz="2800" dirty="0" smtClean="0">
+              <a:rPr lang="en-GB" sz="2800" dirty="0">
                 <a:solidFill>
                   <a:srgbClr val="000000"/>
                 </a:solidFill>
@@ -5925,86 +7106,160 @@
           <a:lstStyle/>
           <a:p>
             <a:r>
-              <a:rPr lang="en-US" dirty="0" smtClean="0">
+              <a:rPr lang="en-US" dirty="0">
                 <a:solidFill>
                   <a:srgbClr val="FFFF00"/>
                 </a:solidFill>
                 <a:latin typeface="Courier"/>
                 <a:cs typeface="Courier"/>
               </a:rPr>
-              <a:t># </a:t>
-            </a:r>
-            <a:r>
-              <a:rPr lang="en-US" dirty="0">
-                <a:solidFill>
-                  <a:srgbClr val="FFFF00"/>
+              <a:t># Load the spreadsheet:</a:t>
+            </a:r>
+          </a:p>
+          <a:p>
+            <a:r>
+              <a:rPr lang="en-US" dirty="0" err="1">
+                <a:solidFill>
+                  <a:schemeClr val="bg1"/>
                 </a:solidFill>
                 <a:latin typeface="Courier"/>
                 <a:cs typeface="Courier"/>
               </a:rPr>
-              <a:t>Load the spreadsheet:</a:t>
-            </a:r>
-          </a:p>
-          <a:p>
-            <a:r>
-              <a:rPr lang="en-US" dirty="0" err="1">
+              <a:t>dat</a:t>
+            </a:r>
+            <a:r>
+              <a:rPr lang="en-US" dirty="0">
                 <a:solidFill>
                   <a:schemeClr val="bg1"/>
                 </a:solidFill>
                 <a:latin typeface="Courier"/>
                 <a:cs typeface="Courier"/>
               </a:rPr>
-              <a:t>dat</a:t>
-            </a:r>
-            <a:r>
-              <a:rPr lang="en-US" dirty="0">
+              <a:t> &lt;- </a:t>
+            </a:r>
+            <a:r>
+              <a:rPr lang="en-US" dirty="0" err="1">
                 <a:solidFill>
                   <a:schemeClr val="bg1"/>
                 </a:solidFill>
                 <a:latin typeface="Courier"/>
                 <a:cs typeface="Courier"/>
               </a:rPr>
-              <a:t> &lt;- </a:t>
-            </a:r>
-            <a:r>
-              <a:rPr lang="en-US" dirty="0" err="1">
+              <a:t>read.csv</a:t>
+            </a:r>
+            <a:r>
+              <a:rPr lang="en-US" dirty="0">
                 <a:solidFill>
                   <a:schemeClr val="bg1"/>
                 </a:solidFill>
                 <a:latin typeface="Courier"/>
                 <a:cs typeface="Courier"/>
               </a:rPr>
-              <a:t>read.csv</a:t>
-            </a:r>
-            <a:r>
-              <a:rPr lang="en-US" dirty="0">
+              <a:t>("/Users/npetraco/Desktop/</a:t>
+            </a:r>
+            <a:r>
+              <a:rPr lang="en-US" dirty="0" err="1">
                 <a:solidFill>
                   <a:schemeClr val="bg1"/>
                 </a:solidFill>
                 <a:latin typeface="Courier"/>
                 <a:cs typeface="Courier"/>
               </a:rPr>
-              <a:t>("/Users/npetraco/Desktop/</a:t>
-            </a:r>
-            <a:r>
-              <a:rPr lang="en-US" dirty="0" err="1">
+              <a:t>bigdata.csv</a:t>
+            </a:r>
+            <a:r>
+              <a:rPr lang="en-US" dirty="0">
                 <a:solidFill>
                   <a:schemeClr val="bg1"/>
                 </a:solidFill>
                 <a:latin typeface="Courier"/>
                 <a:cs typeface="Courier"/>
               </a:rPr>
-              <a:t>bigdata.csv</a:t>
-            </a:r>
+              <a:t>")</a:t>
+            </a:r>
+          </a:p>
+          <a:p>
             <a:r>
               <a:rPr lang="en-US" dirty="0">
                 <a:solidFill>
-                  <a:schemeClr val="bg1"/>
+                  <a:srgbClr val="FFFF00"/>
                 </a:solidFill>
                 <a:latin typeface="Courier"/>
                 <a:cs typeface="Courier"/>
               </a:rPr>
-              <a:t>")</a:t>
+              <a:t># We could also do this:</a:t>
+            </a:r>
+          </a:p>
+          <a:p>
+            <a:r>
+              <a:rPr lang="en-US" dirty="0">
+                <a:solidFill>
+                  <a:srgbClr val="FFFF00"/>
+                </a:solidFill>
+                <a:latin typeface="Courier"/>
+                <a:cs typeface="Courier"/>
+              </a:rPr>
+              <a:t>#</a:t>
+            </a:r>
+            <a:r>
+              <a:rPr lang="en-US" dirty="0" err="1">
+                <a:solidFill>
+                  <a:srgbClr val="FFFF00"/>
+                </a:solidFill>
+                <a:latin typeface="Courier"/>
+                <a:cs typeface="Courier"/>
+              </a:rPr>
+              <a:t>dat</a:t>
+            </a:r>
+            <a:r>
+              <a:rPr lang="en-US" dirty="0">
+                <a:solidFill>
+                  <a:srgbClr val="FFFF00"/>
+                </a:solidFill>
+                <a:latin typeface="Courier"/>
+                <a:cs typeface="Courier"/>
+              </a:rPr>
+              <a:t> &lt;- </a:t>
+            </a:r>
+            <a:r>
+              <a:rPr lang="en-US" dirty="0" err="1">
+                <a:solidFill>
+                  <a:srgbClr val="FFFF00"/>
+                </a:solidFill>
+                <a:latin typeface="Courier"/>
+                <a:cs typeface="Courier"/>
+              </a:rPr>
+              <a:t>read.csv</a:t>
+            </a:r>
+            <a:r>
+              <a:rPr lang="en-US" dirty="0">
+                <a:solidFill>
+                  <a:srgbClr val="FFFF00"/>
+                </a:solidFill>
+                <a:latin typeface="Courier"/>
+                <a:cs typeface="Courier"/>
+              </a:rPr>
+              <a:t>(</a:t>
+            </a:r>
+            <a:r>
+              <a:rPr lang="en-US" dirty="0" err="1">
+                <a:solidFill>
+                  <a:srgbClr val="FFFF00"/>
+                </a:solidFill>
+                <a:latin typeface="Courier"/>
+                <a:cs typeface="Courier"/>
+              </a:rPr>
+              <a:t>file.choose</a:t>
+            </a:r>
+            <a:r>
+              <a:rPr lang="en-US" dirty="0">
+                <a:solidFill>
+                  <a:srgbClr val="FFFF00"/>
+                </a:solidFill>
+                <a:latin typeface="Courier"/>
+                <a:cs typeface="Courier"/>
+              </a:rPr>
+              <a:t>())</a:t>
             </a:r>
           </a:p>
           <a:p>
@@ -6166,6 +7421,760 @@
               <a:t>)</a:t>
             </a:r>
           </a:p>
+        </p:txBody>
+      </p:sp>
+      <p:cxnSp>
+        <p:nvCxnSpPr>
+          <p:cNvPr id="7" name="Straight Arrow Connector 6"/>
+          <p:cNvCxnSpPr/>
+          <p:nvPr/>
+        </p:nvCxnSpPr>
+        <p:spPr>
+          <a:xfrm flipH="1">
+            <a:off x="3372556" y="2756122"/>
+            <a:ext cx="522111" cy="1011544"/>
+          </a:xfrm>
+          <a:prstGeom prst="straightConnector1">
+            <a:avLst/>
+          </a:prstGeom>
+          <a:ln>
+            <a:tailEnd type="arrow"/>
+          </a:ln>
+        </p:spPr>
+        <p:style>
+          <a:lnRef idx="2">
+            <a:schemeClr val="accent1"/>
+          </a:lnRef>
+          <a:fillRef idx="0">
+            <a:schemeClr val="accent1"/>
+          </a:fillRef>
+          <a:effectRef idx="1">
+            <a:schemeClr val="accent1"/>
+          </a:effectRef>
+          <a:fontRef idx="minor">
+            <a:schemeClr val="tx1"/>
+          </a:fontRef>
+        </p:style>
+      </p:cxnSp>
+      <p:sp>
+        <p:nvSpPr>
+          <p:cNvPr id="8" name="TextBox 7"/>
+          <p:cNvSpPr txBox="1"/>
+          <p:nvPr/>
+        </p:nvSpPr>
+        <p:spPr>
+          <a:xfrm>
+            <a:off x="2017888" y="2398889"/>
+            <a:ext cx="4245761" cy="369332"/>
+          </a:xfrm>
+          <a:prstGeom prst="rect">
+            <a:avLst/>
+          </a:prstGeom>
+          <a:noFill/>
+        </p:spPr>
+        <p:txBody>
+          <a:bodyPr wrap="none" rtlCol="0">
+            <a:spAutoFit/>
+          </a:bodyPr>
+          <a:lstStyle/>
+          <a:p>
+            <a:r>
+              <a:rPr lang="en-US" dirty="0">
+                <a:latin typeface="Times New Roman"/>
+                <a:cs typeface="Times New Roman"/>
+              </a:rPr>
+              <a:t>This brings up the choose file menu instead</a:t>
+            </a:r>
+          </a:p>
+        </p:txBody>
+      </p:sp>
+    </p:spTree>
+    <p:extLst>
+      <p:ext uri="{BB962C8B-B14F-4D97-AF65-F5344CB8AC3E}">
+        <p14:creationId xmlns:p14="http://schemas.microsoft.com/office/powerpoint/2010/main" val="2578768463"/>
+      </p:ext>
+    </p:extLst>
+  </p:cSld>
+  <p:clrMapOvr>
+    <a:masterClrMapping/>
+  </p:clrMapOvr>
+  <p:timing>
+    <p:tnLst>
+      <p:par>
+        <p:cTn id="1" dur="indefinite" restart="never" nodeType="tmRoot">
+          <p:childTnLst>
+            <p:seq concurrent="1" nextAc="seek">
+              <p:cTn id="2" dur="indefinite" nodeType="mainSeq">
+                <p:childTnLst>
+                  <p:par>
+                    <p:cTn id="3" fill="hold">
+                      <p:stCondLst>
+                        <p:cond delay="indefinite"/>
+                      </p:stCondLst>
+                      <p:childTnLst>
+                        <p:par>
+                          <p:cTn id="4" fill="hold">
+                            <p:stCondLst>
+                              <p:cond delay="0"/>
+                            </p:stCondLst>
+                            <p:childTnLst>
+                              <p:par>
+                                <p:cTn id="5" presetID="2" presetClass="entr" presetSubtype="4" fill="hold" nodeType="clickEffect">
+                                  <p:stCondLst>
+                                    <p:cond delay="0"/>
+                                  </p:stCondLst>
+                                  <p:childTnLst>
+                                    <p:set>
+                                      <p:cBhvr>
+                                        <p:cTn id="6" dur="1" fill="hold">
+                                          <p:stCondLst>
+                                            <p:cond delay="0"/>
+                                          </p:stCondLst>
+                                        </p:cTn>
+                                        <p:tgtEl>
+                                          <p:spTgt spid="7"/>
+                                        </p:tgtEl>
+                                        <p:attrNameLst>
+                                          <p:attrName>style.visibility</p:attrName>
+                                        </p:attrNameLst>
+                                      </p:cBhvr>
+                                      <p:to>
+                                        <p:strVal val="visible"/>
+                                      </p:to>
+                                    </p:set>
+                                    <p:anim calcmode="lin" valueType="num">
+                                      <p:cBhvr additive="base">
+                                        <p:cTn id="7" dur="500" fill="hold"/>
+                                        <p:tgtEl>
+                                          <p:spTgt spid="7"/>
+                                        </p:tgtEl>
+                                        <p:attrNameLst>
+                                          <p:attrName>ppt_x</p:attrName>
+                                        </p:attrNameLst>
+                                      </p:cBhvr>
+                                      <p:tavLst>
+                                        <p:tav tm="0">
+                                          <p:val>
+                                            <p:strVal val="#ppt_x"/>
+                                          </p:val>
+                                        </p:tav>
+                                        <p:tav tm="100000">
+                                          <p:val>
+                                            <p:strVal val="#ppt_x"/>
+                                          </p:val>
+                                        </p:tav>
+                                      </p:tavLst>
+                                    </p:anim>
+                                    <p:anim calcmode="lin" valueType="num">
+                                      <p:cBhvr additive="base">
+                                        <p:cTn id="8" dur="500" fill="hold"/>
+                                        <p:tgtEl>
+                                          <p:spTgt spid="7"/>
+                                        </p:tgtEl>
+                                        <p:attrNameLst>
+                                          <p:attrName>ppt_y</p:attrName>
+                                        </p:attrNameLst>
+                                      </p:cBhvr>
+                                      <p:tavLst>
+                                        <p:tav tm="0">
+                                          <p:val>
+                                            <p:strVal val="1+#ppt_h/2"/>
+                                          </p:val>
+                                        </p:tav>
+                                        <p:tav tm="100000">
+                                          <p:val>
+                                            <p:strVal val="#ppt_y"/>
+                                          </p:val>
+                                        </p:tav>
+                                      </p:tavLst>
+                                    </p:anim>
+                                  </p:childTnLst>
+                                </p:cTn>
+                              </p:par>
+                              <p:par>
+                                <p:cTn id="9" presetID="2" presetClass="entr" presetSubtype="4" fill="hold" grpId="0" nodeType="withEffect">
+                                  <p:stCondLst>
+                                    <p:cond delay="0"/>
+                                  </p:stCondLst>
+                                  <p:childTnLst>
+                                    <p:set>
+                                      <p:cBhvr>
+                                        <p:cTn id="10" dur="1" fill="hold">
+                                          <p:stCondLst>
+                                            <p:cond delay="0"/>
+                                          </p:stCondLst>
+                                        </p:cTn>
+                                        <p:tgtEl>
+                                          <p:spTgt spid="8"/>
+                                        </p:tgtEl>
+                                        <p:attrNameLst>
+                                          <p:attrName>style.visibility</p:attrName>
+                                        </p:attrNameLst>
+                                      </p:cBhvr>
+                                      <p:to>
+                                        <p:strVal val="visible"/>
+                                      </p:to>
+                                    </p:set>
+                                    <p:anim calcmode="lin" valueType="num">
+                                      <p:cBhvr additive="base">
+                                        <p:cTn id="11" dur="500" fill="hold"/>
+                                        <p:tgtEl>
+                                          <p:spTgt spid="8"/>
+                                        </p:tgtEl>
+                                        <p:attrNameLst>
+                                          <p:attrName>ppt_x</p:attrName>
+                                        </p:attrNameLst>
+                                      </p:cBhvr>
+                                      <p:tavLst>
+                                        <p:tav tm="0">
+                                          <p:val>
+                                            <p:strVal val="#ppt_x"/>
+                                          </p:val>
+                                        </p:tav>
+                                        <p:tav tm="100000">
+                                          <p:val>
+                                            <p:strVal val="#ppt_x"/>
+                                          </p:val>
+                                        </p:tav>
+                                      </p:tavLst>
+                                    </p:anim>
+                                    <p:anim calcmode="lin" valueType="num">
+                                      <p:cBhvr additive="base">
+                                        <p:cTn id="12" dur="500" fill="hold"/>
+                                        <p:tgtEl>
+                                          <p:spTgt spid="8"/>
+                                        </p:tgtEl>
+                                        <p:attrNameLst>
+                                          <p:attrName>ppt_y</p:attrName>
+                                        </p:attrNameLst>
+                                      </p:cBhvr>
+                                      <p:tavLst>
+                                        <p:tav tm="0">
+                                          <p:val>
+                                            <p:strVal val="1+#ppt_h/2"/>
+                                          </p:val>
+                                        </p:tav>
+                                        <p:tav tm="100000">
+                                          <p:val>
+                                            <p:strVal val="#ppt_y"/>
+                                          </p:val>
+                                        </p:tav>
+                                      </p:tavLst>
+                                    </p:anim>
+                                  </p:childTnLst>
+                                </p:cTn>
+                              </p:par>
+                            </p:childTnLst>
+                          </p:cTn>
+                        </p:par>
+                      </p:childTnLst>
+                    </p:cTn>
+                  </p:par>
+                </p:childTnLst>
+              </p:cTn>
+              <p:prevCondLst>
+                <p:cond evt="onPrev" delay="0">
+                  <p:tgtEl>
+                    <p:sldTgt/>
+                  </p:tgtEl>
+                </p:cond>
+              </p:prevCondLst>
+              <p:nextCondLst>
+                <p:cond evt="onNext" delay="0">
+                  <p:tgtEl>
+                    <p:sldTgt/>
+                  </p:tgtEl>
+                </p:cond>
+              </p:nextCondLst>
+            </p:seq>
+          </p:childTnLst>
+        </p:cTn>
+      </p:par>
+    </p:tnLst>
+    <p:bldLst>
+      <p:bldP spid="8" grpId="0"/>
+    </p:bldLst>
+  </p:timing>
+</p:sld>
+</file>
+
+<file path=ppt/slides/slide15.xml><?xml version="1.0" encoding="utf-8"?>
+<p:sld xmlns:a="http://schemas.openxmlformats.org/drawingml/2006/main" xmlns:r="http://schemas.openxmlformats.org/officeDocument/2006/relationships" xmlns:p="http://schemas.openxmlformats.org/presentationml/2006/main">
+  <p:cSld>
+    <p:spTree>
+      <p:nvGrpSpPr>
+        <p:cNvPr id="1" name=""/>
+        <p:cNvGrpSpPr/>
+        <p:nvPr/>
+      </p:nvGrpSpPr>
+      <p:grpSpPr>
+        <a:xfrm>
+          <a:off x="0" y="0"/>
+          <a:ext cx="0" cy="0"/>
+          <a:chOff x="0" y="0"/>
+          <a:chExt cx="0" cy="0"/>
+        </a:xfrm>
+      </p:grpSpPr>
+      <p:sp>
+        <p:nvSpPr>
+          <p:cNvPr id="2" name="Rectangle 5">
+            <a:extLst>
+              <a:ext uri="{FF2B5EF4-FFF2-40B4-BE49-F238E27FC236}">
+                <a16:creationId xmlns:a16="http://schemas.microsoft.com/office/drawing/2014/main" id="{C14E827E-6C98-4F37-8156-17ECD6940FE8}"/>
+              </a:ext>
+            </a:extLst>
+          </p:cNvPr>
+          <p:cNvSpPr>
+            <a:spLocks noChangeArrowheads="1"/>
+          </p:cNvSpPr>
+          <p:nvPr/>
+        </p:nvSpPr>
+        <p:spPr bwMode="auto">
+          <a:xfrm>
+            <a:off x="228600" y="1104211"/>
+            <a:ext cx="8686800" cy="5348372"/>
+          </a:xfrm>
+          <a:prstGeom prst="rect">
+            <a:avLst/>
+          </a:prstGeom>
+          <a:noFill/>
+          <a:ln w="9525">
+            <a:noFill/>
+            <a:round/>
+            <a:headEnd/>
+            <a:tailEnd/>
+          </a:ln>
+        </p:spPr>
+        <p:txBody>
+          <a:bodyPr lIns="0" tIns="0" rIns="0" bIns="0"/>
+          <a:lstStyle/>
+          <a:p>
+            <a:pPr marL="430213" indent="-323850">
+              <a:spcBef>
+                <a:spcPts val="800"/>
+              </a:spcBef>
+              <a:buClr>
+                <a:srgbClr val="000000"/>
+              </a:buClr>
+              <a:buSzPct val="100000"/>
+              <a:buFont typeface="Arial" charset="0"/>
+              <a:buNone/>
+              <a:tabLst>
+                <a:tab pos="430213" algn="l"/>
+                <a:tab pos="1344613" algn="l"/>
+                <a:tab pos="2259013" algn="l"/>
+                <a:tab pos="3173413" algn="l"/>
+                <a:tab pos="4087813" algn="l"/>
+                <a:tab pos="5002213" algn="l"/>
+                <a:tab pos="5916613" algn="l"/>
+                <a:tab pos="6831013" algn="l"/>
+                <a:tab pos="7745413" algn="l"/>
+                <a:tab pos="8659813" algn="l"/>
+                <a:tab pos="9574213" algn="l"/>
+                <a:tab pos="10488613" algn="l"/>
+              </a:tabLst>
+            </a:pPr>
+            <a:endParaRPr lang="en-GB" sz="1200" dirty="0">
+              <a:solidFill>
+                <a:srgbClr val="000000"/>
+              </a:solidFill>
+              <a:latin typeface="Times New Roman" pitchFamily="18" charset="0"/>
+            </a:endParaRPr>
+          </a:p>
+          <a:p>
+            <a:pPr marL="887413" lvl="1" indent="-323850">
+              <a:spcBef>
+                <a:spcPts val="800"/>
+              </a:spcBef>
+              <a:buClr>
+                <a:srgbClr val="000000"/>
+              </a:buClr>
+              <a:buSzPct val="100000"/>
+              <a:buFont typeface="Arial"/>
+              <a:buChar char="•"/>
+              <a:tabLst>
+                <a:tab pos="430213" algn="l"/>
+                <a:tab pos="1344613" algn="l"/>
+                <a:tab pos="2259013" algn="l"/>
+                <a:tab pos="3173413" algn="l"/>
+                <a:tab pos="4087813" algn="l"/>
+                <a:tab pos="5002213" algn="l"/>
+                <a:tab pos="5916613" algn="l"/>
+                <a:tab pos="6831013" algn="l"/>
+                <a:tab pos="7745413" algn="l"/>
+                <a:tab pos="8659813" algn="l"/>
+                <a:tab pos="9574213" algn="l"/>
+                <a:tab pos="10488613" algn="l"/>
+              </a:tabLst>
+            </a:pPr>
+            <a:r>
+              <a:rPr lang="en-GB" sz="4000" dirty="0">
+                <a:solidFill>
+                  <a:srgbClr val="000000"/>
+                </a:solidFill>
+                <a:latin typeface="Times New Roman" pitchFamily="18" charset="0"/>
+              </a:rPr>
+              <a:t>Input from Excel</a:t>
+            </a:r>
+          </a:p>
+          <a:p>
+            <a:pPr marL="1344613" lvl="2" indent="-323850">
+              <a:spcBef>
+                <a:spcPts val="800"/>
+              </a:spcBef>
+              <a:buClr>
+                <a:srgbClr val="000000"/>
+              </a:buClr>
+              <a:buSzPct val="100000"/>
+              <a:buFont typeface="Arial"/>
+              <a:buChar char="•"/>
+              <a:tabLst>
+                <a:tab pos="430213" algn="l"/>
+                <a:tab pos="1344613" algn="l"/>
+                <a:tab pos="2259013" algn="l"/>
+                <a:tab pos="3173413" algn="l"/>
+                <a:tab pos="4087813" algn="l"/>
+                <a:tab pos="5002213" algn="l"/>
+                <a:tab pos="5916613" algn="l"/>
+                <a:tab pos="6831013" algn="l"/>
+                <a:tab pos="7745413" algn="l"/>
+                <a:tab pos="8659813" algn="l"/>
+                <a:tab pos="9574213" algn="l"/>
+                <a:tab pos="10488613" algn="l"/>
+              </a:tabLst>
+            </a:pPr>
+            <a:r>
+              <a:rPr lang="en-GB" sz="3200" dirty="0">
+                <a:solidFill>
+                  <a:srgbClr val="000000"/>
+                </a:solidFill>
+                <a:latin typeface="Times New Roman" pitchFamily="18" charset="0"/>
+              </a:rPr>
+              <a:t>An alternative is to use </a:t>
+            </a:r>
+            <a:r>
+              <a:rPr lang="en-GB" sz="3200" b="1" dirty="0" err="1">
+                <a:solidFill>
+                  <a:srgbClr val="000000"/>
+                </a:solidFill>
+                <a:latin typeface="Courier New" panose="02070309020205020404" pitchFamily="49" charset="0"/>
+                <a:cs typeface="Courier New" panose="02070309020205020404" pitchFamily="49" charset="0"/>
+              </a:rPr>
+              <a:t>file.choose</a:t>
+            </a:r>
+            <a:r>
+              <a:rPr lang="en-GB" sz="3200" b="1" dirty="0">
+                <a:solidFill>
+                  <a:srgbClr val="000000"/>
+                </a:solidFill>
+                <a:latin typeface="Courier New" panose="02070309020205020404" pitchFamily="49" charset="0"/>
+                <a:cs typeface="Courier New" panose="02070309020205020404" pitchFamily="49" charset="0"/>
+              </a:rPr>
+              <a:t>()</a:t>
+            </a:r>
+            <a:r>
+              <a:rPr lang="en-GB" sz="3200" dirty="0">
+                <a:solidFill>
+                  <a:srgbClr val="000000"/>
+                </a:solidFill>
+                <a:latin typeface="Times New Roman" pitchFamily="18" charset="0"/>
+              </a:rPr>
+              <a:t> function with </a:t>
+            </a:r>
+            <a:r>
+              <a:rPr lang="en-GB" sz="3200" b="1" dirty="0">
+                <a:solidFill>
+                  <a:srgbClr val="000000"/>
+                </a:solidFill>
+                <a:latin typeface="Courier New" panose="02070309020205020404" pitchFamily="49" charset="0"/>
+                <a:cs typeface="Courier New" panose="02070309020205020404" pitchFamily="49" charset="0"/>
+              </a:rPr>
+              <a:t>read.csv</a:t>
+            </a:r>
+            <a:r>
+              <a:rPr lang="en-GB" sz="3200" dirty="0">
+                <a:solidFill>
+                  <a:srgbClr val="000000"/>
+                </a:solidFill>
+                <a:latin typeface="Times New Roman" pitchFamily="18" charset="0"/>
+              </a:rPr>
+              <a:t>:</a:t>
+            </a:r>
+          </a:p>
+          <a:p>
+            <a:pPr marL="1344613" lvl="2" indent="-323850">
+              <a:spcBef>
+                <a:spcPts val="800"/>
+              </a:spcBef>
+              <a:buClr>
+                <a:srgbClr val="000000"/>
+              </a:buClr>
+              <a:buSzPct val="100000"/>
+              <a:buFont typeface="Arial"/>
+              <a:buChar char="•"/>
+              <a:tabLst>
+                <a:tab pos="430213" algn="l"/>
+                <a:tab pos="1344613" algn="l"/>
+                <a:tab pos="2259013" algn="l"/>
+                <a:tab pos="3173413" algn="l"/>
+                <a:tab pos="4087813" algn="l"/>
+                <a:tab pos="5002213" algn="l"/>
+                <a:tab pos="5916613" algn="l"/>
+                <a:tab pos="6831013" algn="l"/>
+                <a:tab pos="7745413" algn="l"/>
+                <a:tab pos="8659813" algn="l"/>
+                <a:tab pos="9574213" algn="l"/>
+                <a:tab pos="10488613" algn="l"/>
+              </a:tabLst>
+            </a:pPr>
+            <a:endParaRPr lang="en-GB" sz="3200" dirty="0">
+              <a:solidFill>
+                <a:srgbClr val="000000"/>
+              </a:solidFill>
+              <a:latin typeface="Times New Roman" pitchFamily="18" charset="0"/>
+            </a:endParaRPr>
+          </a:p>
+        </p:txBody>
+      </p:sp>
+      <p:sp>
+        <p:nvSpPr>
+          <p:cNvPr id="3" name="Rectangle 4">
+            <a:extLst>
+              <a:ext uri="{FF2B5EF4-FFF2-40B4-BE49-F238E27FC236}">
+                <a16:creationId xmlns:a16="http://schemas.microsoft.com/office/drawing/2014/main" id="{EA01C647-0C97-48D3-B8FA-E37647B9BC12}"/>
+              </a:ext>
+            </a:extLst>
+          </p:cNvPr>
+          <p:cNvSpPr>
+            <a:spLocks noChangeArrowheads="1"/>
+          </p:cNvSpPr>
+          <p:nvPr/>
+        </p:nvSpPr>
+        <p:spPr bwMode="auto">
+          <a:xfrm>
+            <a:off x="231775" y="332601"/>
+            <a:ext cx="8607425" cy="1127125"/>
+          </a:xfrm>
+          <a:prstGeom prst="rect">
+            <a:avLst/>
+          </a:prstGeom>
+          <a:noFill/>
+          <a:ln w="9525">
+            <a:noFill/>
+            <a:round/>
+            <a:headEnd/>
+            <a:tailEnd/>
+          </a:ln>
+        </p:spPr>
+        <p:txBody>
+          <a:bodyPr lIns="0" tIns="0" rIns="0" bIns="0" anchor="ctr"/>
+          <a:lstStyle/>
+          <a:p>
+            <a:pPr algn="ctr">
+              <a:buClr>
+                <a:srgbClr val="000000"/>
+              </a:buClr>
+              <a:buSzPct val="100000"/>
+              <a:buFont typeface="Times New Roman" pitchFamily="18" charset="0"/>
+              <a:buNone/>
+              <a:tabLst>
+                <a:tab pos="0" algn="l"/>
+                <a:tab pos="914400" algn="l"/>
+                <a:tab pos="1828800" algn="l"/>
+                <a:tab pos="2743200" algn="l"/>
+                <a:tab pos="3657600" algn="l"/>
+                <a:tab pos="4572000" algn="l"/>
+                <a:tab pos="5486400" algn="l"/>
+                <a:tab pos="6400800" algn="l"/>
+                <a:tab pos="7315200" algn="l"/>
+                <a:tab pos="8229600" algn="l"/>
+                <a:tab pos="9144000" algn="l"/>
+                <a:tab pos="10058400" algn="l"/>
+              </a:tabLst>
+            </a:pPr>
+            <a:r>
+              <a:rPr lang="en-GB" sz="4000" dirty="0">
+                <a:solidFill>
+                  <a:srgbClr val="000000"/>
+                </a:solidFill>
+                <a:latin typeface="Times New Roman" pitchFamily="18" charset="0"/>
+              </a:rPr>
+              <a:t>How to Load </a:t>
+            </a:r>
+            <a:r>
+              <a:rPr lang="en-GB" sz="4000" dirty="0" err="1">
+                <a:solidFill>
+                  <a:srgbClr val="000000"/>
+                </a:solidFill>
+                <a:latin typeface="Times New Roman" pitchFamily="18" charset="0"/>
+              </a:rPr>
+              <a:t>Spreadsheets</a:t>
+            </a:r>
+            <a:r>
+              <a:rPr lang="en-GB" sz="4000" dirty="0">
+                <a:solidFill>
+                  <a:srgbClr val="000000"/>
+                </a:solidFill>
+                <a:latin typeface="Times New Roman" pitchFamily="18" charset="0"/>
+              </a:rPr>
+              <a:t> of Data:</a:t>
+            </a:r>
+          </a:p>
+        </p:txBody>
+      </p:sp>
+      <p:pic>
+        <p:nvPicPr>
+          <p:cNvPr id="4" name="Picture 2">
+            <a:extLst>
+              <a:ext uri="{FF2B5EF4-FFF2-40B4-BE49-F238E27FC236}">
+                <a16:creationId xmlns:a16="http://schemas.microsoft.com/office/drawing/2014/main" id="{F89CC3E3-215C-41F5-A2BE-49C8DB71504C}"/>
+              </a:ext>
+            </a:extLst>
+          </p:cNvPr>
+          <p:cNvPicPr>
+            <a:picLocks noChangeAspect="1" noChangeArrowheads="1"/>
+          </p:cNvPicPr>
+          <p:nvPr/>
+        </p:nvPicPr>
+        <p:blipFill>
+          <a:blip r:embed="rId2" cstate="print"/>
+          <a:srcRect/>
+          <a:stretch>
+            <a:fillRect/>
+          </a:stretch>
+        </p:blipFill>
+        <p:spPr bwMode="auto">
+          <a:xfrm>
+            <a:off x="484188" y="76200"/>
+            <a:ext cx="8202612" cy="239712"/>
+          </a:xfrm>
+          <a:prstGeom prst="rect">
+            <a:avLst/>
+          </a:prstGeom>
+          <a:noFill/>
+          <a:ln w="9525">
+            <a:noFill/>
+            <a:round/>
+            <a:headEnd/>
+            <a:tailEnd/>
+          </a:ln>
+        </p:spPr>
+      </p:pic>
+      <p:sp>
+        <p:nvSpPr>
+          <p:cNvPr id="5" name="Rectangle 4">
+            <a:extLst>
+              <a:ext uri="{FF2B5EF4-FFF2-40B4-BE49-F238E27FC236}">
+                <a16:creationId xmlns:a16="http://schemas.microsoft.com/office/drawing/2014/main" id="{36B00B6D-FA84-4ACC-8D6D-5ECC0453DDA9}"/>
+              </a:ext>
+            </a:extLst>
+          </p:cNvPr>
+          <p:cNvSpPr/>
+          <p:nvPr/>
+        </p:nvSpPr>
+        <p:spPr>
+          <a:xfrm>
+            <a:off x="385017" y="3372095"/>
+            <a:ext cx="8454183" cy="1754326"/>
+          </a:xfrm>
+          <a:prstGeom prst="rect">
+            <a:avLst/>
+          </a:prstGeom>
+          <a:solidFill>
+            <a:srgbClr val="000C78"/>
+          </a:solidFill>
+        </p:spPr>
+        <p:txBody>
+          <a:bodyPr wrap="square">
+            <a:spAutoFit/>
+          </a:bodyPr>
+          <a:lstStyle/>
+          <a:p>
+            <a:r>
+              <a:rPr lang="en-US" dirty="0">
+                <a:solidFill>
+                  <a:srgbClr val="FFFF00"/>
+                </a:solidFill>
+                <a:latin typeface="Courier"/>
+                <a:cs typeface="Courier"/>
+              </a:rPr>
+              <a:t># </a:t>
+            </a:r>
+            <a:r>
+              <a:rPr lang="en-US" dirty="0" err="1">
+                <a:solidFill>
+                  <a:srgbClr val="FFFF00"/>
+                </a:solidFill>
+                <a:latin typeface="Courier"/>
+                <a:cs typeface="Courier"/>
+              </a:rPr>
+              <a:t>file.choose</a:t>
+            </a:r>
+            <a:r>
+              <a:rPr lang="en-US" dirty="0">
+                <a:solidFill>
+                  <a:srgbClr val="FFFF00"/>
+                </a:solidFill>
+                <a:latin typeface="Courier"/>
+                <a:cs typeface="Courier"/>
+              </a:rPr>
+              <a:t> lets you navigate to file you want and gets </a:t>
+            </a:r>
+          </a:p>
+          <a:p>
+            <a:r>
+              <a:rPr lang="en-US" dirty="0">
+                <a:solidFill>
+                  <a:srgbClr val="FFFF00"/>
+                </a:solidFill>
+                <a:latin typeface="Courier"/>
+                <a:cs typeface="Courier"/>
+              </a:rPr>
+              <a:t># its path:</a:t>
+            </a:r>
+          </a:p>
+          <a:p>
+            <a:r>
+              <a:rPr lang="en-US" dirty="0" err="1">
+                <a:solidFill>
+                  <a:schemeClr val="bg1"/>
+                </a:solidFill>
+                <a:latin typeface="Courier"/>
+                <a:cs typeface="Courier"/>
+              </a:rPr>
+              <a:t>apath</a:t>
+            </a:r>
+            <a:r>
+              <a:rPr lang="en-US" dirty="0">
+                <a:solidFill>
+                  <a:schemeClr val="bg1"/>
+                </a:solidFill>
+                <a:latin typeface="Courier"/>
+                <a:cs typeface="Courier"/>
+              </a:rPr>
+              <a:t> &lt;- </a:t>
+            </a:r>
+            <a:r>
+              <a:rPr lang="en-US" dirty="0" err="1">
+                <a:solidFill>
+                  <a:schemeClr val="bg1"/>
+                </a:solidFill>
+                <a:latin typeface="Courier"/>
+                <a:cs typeface="Courier"/>
+              </a:rPr>
+              <a:t>file.choose</a:t>
+            </a:r>
+            <a:r>
+              <a:rPr lang="en-US" dirty="0">
+                <a:solidFill>
+                  <a:schemeClr val="bg1"/>
+                </a:solidFill>
+                <a:latin typeface="Courier"/>
+                <a:cs typeface="Courier"/>
+              </a:rPr>
+              <a:t>()</a:t>
+            </a:r>
+          </a:p>
           <a:p>
             <a:endParaRPr lang="en-US" dirty="0">
               <a:solidFill>
@@ -6176,6 +8185,48 @@
             </a:endParaRPr>
           </a:p>
           <a:p>
+            <a:r>
+              <a:rPr lang="en-US" dirty="0" err="1">
+                <a:solidFill>
+                  <a:schemeClr val="bg1"/>
+                </a:solidFill>
+                <a:latin typeface="Courier"/>
+                <a:cs typeface="Courier"/>
+              </a:rPr>
+              <a:t>some.data</a:t>
+            </a:r>
+            <a:r>
+              <a:rPr lang="en-US" dirty="0">
+                <a:solidFill>
+                  <a:schemeClr val="bg1"/>
+                </a:solidFill>
+                <a:latin typeface="Courier"/>
+                <a:cs typeface="Courier"/>
+              </a:rPr>
+              <a:t> &lt;- read.csv(</a:t>
+            </a:r>
+            <a:r>
+              <a:rPr lang="en-US" dirty="0" err="1">
+                <a:solidFill>
+                  <a:schemeClr val="bg1"/>
+                </a:solidFill>
+                <a:latin typeface="Courier"/>
+                <a:cs typeface="Courier"/>
+              </a:rPr>
+              <a:t>apath</a:t>
+            </a:r>
+            <a:r>
+              <a:rPr lang="en-US" dirty="0">
+                <a:solidFill>
+                  <a:schemeClr val="bg1"/>
+                </a:solidFill>
+                <a:latin typeface="Courier"/>
+                <a:cs typeface="Courier"/>
+              </a:rPr>
+              <a:t>)</a:t>
+            </a:r>
+          </a:p>
+          <a:p>
             <a:endParaRPr lang="en-US" dirty="0">
               <a:solidFill>
                 <a:schemeClr val="bg1"/>
@@ -6186,20 +8237,171 @@
           </a:p>
         </p:txBody>
       </p:sp>
+      <p:pic>
+        <p:nvPicPr>
+          <p:cNvPr id="6" name="Picture 5">
+            <a:extLst>
+              <a:ext uri="{FF2B5EF4-FFF2-40B4-BE49-F238E27FC236}">
+                <a16:creationId xmlns:a16="http://schemas.microsoft.com/office/drawing/2014/main" id="{7D74C0A5-9B1D-47D8-A802-81B6DA09D040}"/>
+              </a:ext>
+            </a:extLst>
+          </p:cNvPr>
+          <p:cNvPicPr>
+            <a:picLocks noChangeAspect="1"/>
+          </p:cNvPicPr>
+          <p:nvPr/>
+        </p:nvPicPr>
+        <p:blipFill>
+          <a:blip r:embed="rId3"/>
+          <a:stretch>
+            <a:fillRect/>
+          </a:stretch>
+        </p:blipFill>
+        <p:spPr>
+          <a:xfrm>
+            <a:off x="4439948" y="3778397"/>
+            <a:ext cx="4246852" cy="2900889"/>
+          </a:xfrm>
+          <a:prstGeom prst="rect">
+            <a:avLst/>
+          </a:prstGeom>
+        </p:spPr>
+      </p:pic>
     </p:spTree>
     <p:extLst>
       <p:ext uri="{BB962C8B-B14F-4D97-AF65-F5344CB8AC3E}">
-        <p14:creationId xmlns:p14="http://schemas.microsoft.com/office/powerpoint/2010/main" val="2854131423"/>
+        <p14:creationId xmlns:p14="http://schemas.microsoft.com/office/powerpoint/2010/main" val="305010118"/>
       </p:ext>
     </p:extLst>
   </p:cSld>
   <p:clrMapOvr>
     <a:masterClrMapping/>
   </p:clrMapOvr>
+  <p:timing>
+    <p:tnLst>
+      <p:par>
+        <p:cTn id="1" dur="indefinite" restart="never" nodeType="tmRoot">
+          <p:childTnLst>
+            <p:seq concurrent="1" nextAc="seek">
+              <p:cTn id="2" dur="indefinite" nodeType="mainSeq">
+                <p:childTnLst>
+                  <p:par>
+                    <p:cTn id="3" fill="hold">
+                      <p:stCondLst>
+                        <p:cond delay="indefinite"/>
+                      </p:stCondLst>
+                      <p:childTnLst>
+                        <p:par>
+                          <p:cTn id="4" fill="hold">
+                            <p:stCondLst>
+                              <p:cond delay="0"/>
+                            </p:stCondLst>
+                            <p:childTnLst>
+                              <p:par>
+                                <p:cTn id="5" presetID="2" presetClass="entr" presetSubtype="4" fill="hold" nodeType="clickEffect">
+                                  <p:stCondLst>
+                                    <p:cond delay="0"/>
+                                  </p:stCondLst>
+                                  <p:childTnLst>
+                                    <p:set>
+                                      <p:cBhvr>
+                                        <p:cTn id="6" dur="1" fill="hold">
+                                          <p:stCondLst>
+                                            <p:cond delay="0"/>
+                                          </p:stCondLst>
+                                        </p:cTn>
+                                        <p:tgtEl>
+                                          <p:spTgt spid="6"/>
+                                        </p:tgtEl>
+                                        <p:attrNameLst>
+                                          <p:attrName>style.visibility</p:attrName>
+                                        </p:attrNameLst>
+                                      </p:cBhvr>
+                                      <p:to>
+                                        <p:strVal val="visible"/>
+                                      </p:to>
+                                    </p:set>
+                                    <p:anim calcmode="lin" valueType="num">
+                                      <p:cBhvr additive="base">
+                                        <p:cTn id="7" dur="500" fill="hold"/>
+                                        <p:tgtEl>
+                                          <p:spTgt spid="6"/>
+                                        </p:tgtEl>
+                                        <p:attrNameLst>
+                                          <p:attrName>ppt_x</p:attrName>
+                                        </p:attrNameLst>
+                                      </p:cBhvr>
+                                      <p:tavLst>
+                                        <p:tav tm="0">
+                                          <p:val>
+                                            <p:strVal val="#ppt_x"/>
+                                          </p:val>
+                                        </p:tav>
+                                        <p:tav tm="100000">
+                                          <p:val>
+                                            <p:strVal val="#ppt_x"/>
+                                          </p:val>
+                                        </p:tav>
+                                      </p:tavLst>
+                                    </p:anim>
+                                    <p:anim calcmode="lin" valueType="num">
+                                      <p:cBhvr additive="base">
+                                        <p:cTn id="8" dur="500" fill="hold"/>
+                                        <p:tgtEl>
+                                          <p:spTgt spid="6"/>
+                                        </p:tgtEl>
+                                        <p:attrNameLst>
+                                          <p:attrName>ppt_y</p:attrName>
+                                        </p:attrNameLst>
+                                      </p:cBhvr>
+                                      <p:tavLst>
+                                        <p:tav tm="0">
+                                          <p:val>
+                                            <p:strVal val="1+#ppt_h/2"/>
+                                          </p:val>
+                                        </p:tav>
+                                        <p:tav tm="100000">
+                                          <p:val>
+                                            <p:strVal val="#ppt_y"/>
+                                          </p:val>
+                                        </p:tav>
+                                      </p:tavLst>
+                                    </p:anim>
+                                  </p:childTnLst>
+                                </p:cTn>
+                              </p:par>
+                            </p:childTnLst>
+                          </p:cTn>
+                        </p:par>
+                      </p:childTnLst>
+                    </p:cTn>
+                  </p:par>
+                </p:childTnLst>
+              </p:cTn>
+              <p:prevCondLst>
+                <p:cond evt="onPrev" delay="0">
+                  <p:tgtEl>
+                    <p:sldTgt/>
+                  </p:tgtEl>
+                </p:cond>
+              </p:prevCondLst>
+              <p:nextCondLst>
+                <p:cond evt="onNext" delay="0">
+                  <p:tgtEl>
+                    <p:sldTgt/>
+                  </p:tgtEl>
+                </p:cond>
+              </p:nextCondLst>
+            </p:seq>
+          </p:childTnLst>
+        </p:cTn>
+      </p:par>
+    </p:tnLst>
+  </p:timing>
 </p:sld>
 </file>
 
-<file path=ppt/slides/slide13.xml><?xml version="1.0" encoding="utf-8"?>
+<file path=ppt/slides/slide16.xml><?xml version="1.0" encoding="utf-8"?>
 <p:sld xmlns:a="http://schemas.openxmlformats.org/drawingml/2006/main" xmlns:r="http://schemas.openxmlformats.org/officeDocument/2006/relationships" xmlns:p="http://schemas.openxmlformats.org/presentationml/2006/main">
   <p:cSld>
     <p:spTree>
@@ -6226,8 +8428,8 @@
         </p:nvSpPr>
         <p:spPr bwMode="auto">
           <a:xfrm>
-            <a:off x="228600" y="1381450"/>
-            <a:ext cx="8686800" cy="5364997"/>
+            <a:off x="228600" y="1381451"/>
+            <a:ext cx="8686800" cy="2372106"/>
           </a:xfrm>
           <a:prstGeom prst="rect">
             <a:avLst/>
@@ -6270,7 +8472,7 @@
               </a:tabLst>
             </a:pPr>
             <a:r>
-              <a:rPr lang="en-GB" sz="2800" dirty="0" smtClean="0">
+              <a:rPr lang="en-GB" sz="2800" dirty="0">
                 <a:solidFill>
                   <a:srgbClr val="000000"/>
                 </a:solidFill>
@@ -6279,7 +8481,7 @@
               <a:t>Matrices: </a:t>
             </a:r>
             <a:r>
-              <a:rPr lang="en-GB" sz="2800" b="1" dirty="0" smtClean="0">
+              <a:rPr lang="en-GB" sz="2800" b="1" dirty="0">
                 <a:solidFill>
                   <a:srgbClr val="000000"/>
                 </a:solidFill>
@@ -6315,7 +8517,7 @@
               </a:tabLst>
             </a:pPr>
             <a:r>
-              <a:rPr lang="en-GB" sz="2400" dirty="0" smtClean="0">
+              <a:rPr lang="en-GB" sz="2400" dirty="0">
                 <a:solidFill>
                   <a:srgbClr val="000000"/>
                 </a:solidFill>
@@ -6324,7 +8526,7 @@
               <a:t>X[,1] returns column 1 of matrix </a:t>
             </a:r>
             <a:r>
-              <a:rPr lang="en-GB" sz="2400" b="1" dirty="0" smtClean="0">
+              <a:rPr lang="en-GB" sz="2400" b="1" dirty="0">
                 <a:solidFill>
                   <a:srgbClr val="000000"/>
                 </a:solidFill>
@@ -6360,7 +8562,7 @@
               </a:tabLst>
             </a:pPr>
             <a:r>
-              <a:rPr lang="en-GB" sz="2400" dirty="0" smtClean="0">
+              <a:rPr lang="en-GB" sz="2400" dirty="0">
                 <a:solidFill>
                   <a:srgbClr val="000000"/>
                 </a:solidFill>
@@ -6369,7 +8571,7 @@
               <a:t>X[3,] returns row 3 of matrix </a:t>
             </a:r>
             <a:r>
-              <a:rPr lang="en-GB" sz="2400" b="1" dirty="0" smtClean="0">
+              <a:rPr lang="en-GB" sz="2400" b="1" dirty="0">
                 <a:solidFill>
                   <a:srgbClr val="000000"/>
                 </a:solidFill>
@@ -6405,7 +8607,7 @@
               </a:tabLst>
             </a:pPr>
             <a:r>
-              <a:rPr lang="en-GB" sz="2400" dirty="0" smtClean="0">
+              <a:rPr lang="en-GB" sz="2400" dirty="0">
                 <a:solidFill>
                   <a:srgbClr val="000000"/>
                 </a:solidFill>
@@ -6441,400 +8643,101 @@
               </a:tabLst>
             </a:pPr>
             <a:r>
-              <a:rPr lang="en-GB" sz="2400" dirty="0" smtClean="0">
-                <a:solidFill>
-                  <a:srgbClr val="000000"/>
-                </a:solidFill>
-                <a:latin typeface="Times New Roman" pitchFamily="18" charset="0"/>
-              </a:rPr>
-              <a:t>dim, </a:t>
-            </a:r>
-            <a:r>
-              <a:rPr lang="en-GB" sz="2400" dirty="0" err="1" smtClean="0">
-                <a:solidFill>
-                  <a:srgbClr val="000000"/>
-                </a:solidFill>
-                <a:latin typeface="Times New Roman" pitchFamily="18" charset="0"/>
+              <a:rPr lang="en-GB" sz="2400" b="1" dirty="0">
+                <a:solidFill>
+                  <a:srgbClr val="000000"/>
+                </a:solidFill>
+                <a:latin typeface="Courier"/>
+                <a:cs typeface="Courier"/>
+              </a:rPr>
+              <a:t>dim</a:t>
+            </a:r>
+            <a:r>
+              <a:rPr lang="en-GB" sz="2400" dirty="0">
+                <a:solidFill>
+                  <a:srgbClr val="000000"/>
+                </a:solidFill>
+                <a:latin typeface="Courier"/>
+                <a:cs typeface="Courier"/>
+              </a:rPr>
+              <a:t>, </a:t>
+            </a:r>
+            <a:r>
+              <a:rPr lang="en-GB" sz="2400" b="1" dirty="0" err="1">
+                <a:solidFill>
+                  <a:srgbClr val="000000"/>
+                </a:solidFill>
+                <a:latin typeface="Courier"/>
+                <a:cs typeface="Courier"/>
               </a:rPr>
               <a:t>nrow</a:t>
             </a:r>
             <a:r>
-              <a:rPr lang="en-GB" sz="2400" dirty="0" smtClean="0">
-                <a:solidFill>
-                  <a:srgbClr val="000000"/>
-                </a:solidFill>
-                <a:latin typeface="Times New Roman" pitchFamily="18" charset="0"/>
+              <a:rPr lang="en-GB" sz="2400" dirty="0">
+                <a:solidFill>
+                  <a:srgbClr val="000000"/>
+                </a:solidFill>
+                <a:latin typeface="Courier"/>
+                <a:cs typeface="Courier"/>
               </a:rPr>
               <a:t>, </a:t>
             </a:r>
             <a:r>
-              <a:rPr lang="en-GB" sz="2400" dirty="0" err="1" smtClean="0">
-                <a:solidFill>
-                  <a:srgbClr val="000000"/>
-                </a:solidFill>
-                <a:latin typeface="Times New Roman" pitchFamily="18" charset="0"/>
+              <a:rPr lang="en-GB" sz="2400" b="1" dirty="0" err="1">
+                <a:solidFill>
+                  <a:srgbClr val="000000"/>
+                </a:solidFill>
+                <a:latin typeface="Courier"/>
+                <a:cs typeface="Courier"/>
               </a:rPr>
               <a:t>ncol</a:t>
             </a:r>
             <a:r>
-              <a:rPr lang="en-GB" sz="2400" dirty="0" smtClean="0">
-                <a:solidFill>
-                  <a:srgbClr val="000000"/>
-                </a:solidFill>
-                <a:latin typeface="Times New Roman" pitchFamily="18" charset="0"/>
+              <a:rPr lang="en-GB" sz="2400" dirty="0">
+                <a:solidFill>
+                  <a:srgbClr val="000000"/>
+                </a:solidFill>
+                <a:latin typeface="Courier"/>
+                <a:cs typeface="Courier"/>
               </a:rPr>
               <a:t>, </a:t>
             </a:r>
             <a:r>
-              <a:rPr lang="en-GB" sz="2400" dirty="0" err="1" smtClean="0">
-                <a:solidFill>
-                  <a:srgbClr val="000000"/>
-                </a:solidFill>
-                <a:latin typeface="Times New Roman" pitchFamily="18" charset="0"/>
+              <a:rPr lang="en-GB" sz="2400" b="1" dirty="0" err="1">
+                <a:solidFill>
+                  <a:srgbClr val="000000"/>
+                </a:solidFill>
+                <a:latin typeface="Courier"/>
+                <a:cs typeface="Courier"/>
               </a:rPr>
               <a:t>rbind</a:t>
             </a:r>
             <a:r>
-              <a:rPr lang="en-GB" sz="2400" dirty="0" smtClean="0">
-                <a:solidFill>
-                  <a:srgbClr val="000000"/>
-                </a:solidFill>
-                <a:latin typeface="Times New Roman" pitchFamily="18" charset="0"/>
+              <a:rPr lang="en-GB" sz="2400" dirty="0">
+                <a:solidFill>
+                  <a:srgbClr val="000000"/>
+                </a:solidFill>
+                <a:latin typeface="Courier"/>
+                <a:cs typeface="Courier"/>
               </a:rPr>
               <a:t>, </a:t>
             </a:r>
             <a:r>
-              <a:rPr lang="en-GB" sz="2400" dirty="0" err="1" smtClean="0">
-                <a:solidFill>
-                  <a:srgbClr val="000000"/>
-                </a:solidFill>
-                <a:latin typeface="Times New Roman" pitchFamily="18" charset="0"/>
+              <a:rPr lang="en-GB" sz="2400" b="1" dirty="0" err="1">
+                <a:solidFill>
+                  <a:srgbClr val="000000"/>
+                </a:solidFill>
+                <a:latin typeface="Courier"/>
+                <a:cs typeface="Courier"/>
               </a:rPr>
               <a:t>cbind</a:t>
             </a:r>
-            <a:endParaRPr lang="en-GB" sz="2400" dirty="0" smtClean="0">
+            <a:endParaRPr lang="en-GB" sz="2400" b="1" dirty="0">
               <a:solidFill>
                 <a:srgbClr val="000000"/>
               </a:solidFill>
-              <a:latin typeface="Times New Roman" pitchFamily="18" charset="0"/>
-            </a:endParaRPr>
-          </a:p>
-          <a:p>
-            <a:pPr marL="887413" lvl="1" indent="-323850">
-              <a:spcBef>
-                <a:spcPts val="800"/>
-              </a:spcBef>
-              <a:buClr>
-                <a:srgbClr val="000000"/>
-              </a:buClr>
-              <a:buSzPct val="100000"/>
-              <a:buFont typeface="Arial"/>
-              <a:buChar char="•"/>
-              <a:tabLst>
-                <a:tab pos="430213" algn="l"/>
-                <a:tab pos="1344613" algn="l"/>
-                <a:tab pos="2259013" algn="l"/>
-                <a:tab pos="3173413" algn="l"/>
-                <a:tab pos="4087813" algn="l"/>
-                <a:tab pos="5002213" algn="l"/>
-                <a:tab pos="5916613" algn="l"/>
-                <a:tab pos="6831013" algn="l"/>
-                <a:tab pos="7745413" algn="l"/>
-                <a:tab pos="8659813" algn="l"/>
-                <a:tab pos="9574213" algn="l"/>
-                <a:tab pos="10488613" algn="l"/>
-              </a:tabLst>
-            </a:pPr>
-            <a:r>
-              <a:rPr lang="en-GB" sz="2800" dirty="0" smtClean="0">
-                <a:solidFill>
-                  <a:srgbClr val="000000"/>
-                </a:solidFill>
-                <a:latin typeface="Times New Roman" pitchFamily="18" charset="0"/>
-              </a:rPr>
-              <a:t>User defined functions syntax:</a:t>
-            </a:r>
-          </a:p>
-          <a:p>
-            <a:pPr marL="1344613" lvl="2" indent="-323850">
-              <a:spcBef>
-                <a:spcPts val="800"/>
-              </a:spcBef>
-              <a:buClr>
-                <a:srgbClr val="000000"/>
-              </a:buClr>
-              <a:buSzPct val="100000"/>
-              <a:buFont typeface="Arial"/>
-              <a:buChar char="•"/>
-              <a:tabLst>
-                <a:tab pos="430213" algn="l"/>
-                <a:tab pos="1344613" algn="l"/>
-                <a:tab pos="2259013" algn="l"/>
-                <a:tab pos="3173413" algn="l"/>
-                <a:tab pos="4087813" algn="l"/>
-                <a:tab pos="5002213" algn="l"/>
-                <a:tab pos="5916613" algn="l"/>
-                <a:tab pos="6831013" algn="l"/>
-                <a:tab pos="7745413" algn="l"/>
-                <a:tab pos="8659813" algn="l"/>
-                <a:tab pos="9574213" algn="l"/>
-                <a:tab pos="10488613" algn="l"/>
-              </a:tabLst>
-            </a:pPr>
-            <a:r>
-              <a:rPr lang="en-GB" sz="2400" dirty="0" err="1" smtClean="0">
-                <a:solidFill>
-                  <a:srgbClr val="000000"/>
-                </a:solidFill>
-                <a:latin typeface="Courier"/>
-                <a:cs typeface="Courier"/>
-              </a:rPr>
-              <a:t>func.name</a:t>
-            </a:r>
-            <a:r>
-              <a:rPr lang="en-GB" sz="2400" dirty="0" smtClean="0">
-                <a:solidFill>
-                  <a:srgbClr val="000000"/>
-                </a:solidFill>
-                <a:latin typeface="Courier"/>
-                <a:cs typeface="Courier"/>
-              </a:rPr>
-              <a:t> &lt;- </a:t>
-            </a:r>
-            <a:r>
-              <a:rPr lang="en-GB" sz="2400" dirty="0" err="1" smtClean="0">
-                <a:solidFill>
-                  <a:srgbClr val="000000"/>
-                </a:solidFill>
-                <a:latin typeface="Courier"/>
-                <a:cs typeface="Courier"/>
-              </a:rPr>
-              <a:t>function(arguements</a:t>
-            </a:r>
-            <a:r>
-              <a:rPr lang="en-GB" sz="2400" dirty="0" smtClean="0">
-                <a:solidFill>
-                  <a:srgbClr val="000000"/>
-                </a:solidFill>
-                <a:latin typeface="Courier"/>
-                <a:cs typeface="Courier"/>
-              </a:rPr>
-              <a:t>) {</a:t>
-            </a:r>
-          </a:p>
-          <a:p>
-            <a:pPr marL="1344613" lvl="2" indent="-323850">
-              <a:spcBef>
-                <a:spcPts val="800"/>
-              </a:spcBef>
-              <a:buClr>
-                <a:srgbClr val="000000"/>
-              </a:buClr>
-              <a:buSzPct val="100000"/>
-              <a:tabLst>
-                <a:tab pos="430213" algn="l"/>
-                <a:tab pos="1344613" algn="l"/>
-                <a:tab pos="2259013" algn="l"/>
-                <a:tab pos="3173413" algn="l"/>
-                <a:tab pos="4087813" algn="l"/>
-                <a:tab pos="5002213" algn="l"/>
-                <a:tab pos="5916613" algn="l"/>
-                <a:tab pos="6831013" algn="l"/>
-                <a:tab pos="7745413" algn="l"/>
-                <a:tab pos="8659813" algn="l"/>
-                <a:tab pos="9574213" algn="l"/>
-                <a:tab pos="10488613" algn="l"/>
-              </a:tabLst>
-            </a:pPr>
-            <a:r>
-              <a:rPr lang="en-GB" sz="2400" dirty="0" smtClean="0">
-                <a:solidFill>
-                  <a:srgbClr val="000000"/>
-                </a:solidFill>
-                <a:latin typeface="Courier"/>
-                <a:cs typeface="Courier"/>
-              </a:rPr>
-              <a:t>			do something</a:t>
-            </a:r>
-          </a:p>
-          <a:p>
-            <a:pPr marL="1344613" lvl="2" indent="-323850">
-              <a:spcBef>
-                <a:spcPts val="800"/>
-              </a:spcBef>
-              <a:buClr>
-                <a:srgbClr val="000000"/>
-              </a:buClr>
-              <a:buSzPct val="100000"/>
-              <a:tabLst>
-                <a:tab pos="430213" algn="l"/>
-                <a:tab pos="1344613" algn="l"/>
-                <a:tab pos="2259013" algn="l"/>
-                <a:tab pos="3173413" algn="l"/>
-                <a:tab pos="4087813" algn="l"/>
-                <a:tab pos="5002213" algn="l"/>
-                <a:tab pos="5916613" algn="l"/>
-                <a:tab pos="6831013" algn="l"/>
-                <a:tab pos="7745413" algn="l"/>
-                <a:tab pos="8659813" algn="l"/>
-                <a:tab pos="9574213" algn="l"/>
-                <a:tab pos="10488613" algn="l"/>
-              </a:tabLst>
-            </a:pPr>
-            <a:r>
-              <a:rPr lang="en-GB" sz="2400" dirty="0" smtClean="0">
-                <a:solidFill>
-                  <a:srgbClr val="000000"/>
-                </a:solidFill>
-                <a:latin typeface="Courier"/>
-                <a:cs typeface="Courier"/>
-              </a:rPr>
-              <a:t>			</a:t>
-            </a:r>
-            <a:r>
-              <a:rPr lang="en-GB" sz="2400" dirty="0" err="1" smtClean="0">
-                <a:solidFill>
-                  <a:srgbClr val="000000"/>
-                </a:solidFill>
-                <a:latin typeface="Courier"/>
-                <a:cs typeface="Courier"/>
-              </a:rPr>
-              <a:t>return(output</a:t>
-            </a:r>
-            <a:r>
-              <a:rPr lang="en-GB" sz="2400" dirty="0" smtClean="0">
-                <a:solidFill>
-                  <a:srgbClr val="000000"/>
-                </a:solidFill>
-                <a:latin typeface="Courier"/>
-                <a:cs typeface="Courier"/>
-              </a:rPr>
-              <a:t>)</a:t>
-            </a:r>
-          </a:p>
-          <a:p>
-            <a:pPr marL="1344613" lvl="2" indent="-323850">
-              <a:spcBef>
-                <a:spcPts val="800"/>
-              </a:spcBef>
-              <a:buClr>
-                <a:srgbClr val="000000"/>
-              </a:buClr>
-              <a:buSzPct val="100000"/>
-              <a:tabLst>
-                <a:tab pos="430213" algn="l"/>
-                <a:tab pos="1344613" algn="l"/>
-                <a:tab pos="2259013" algn="l"/>
-                <a:tab pos="3173413" algn="l"/>
-                <a:tab pos="4087813" algn="l"/>
-                <a:tab pos="5002213" algn="l"/>
-                <a:tab pos="5916613" algn="l"/>
-                <a:tab pos="6831013" algn="l"/>
-                <a:tab pos="7745413" algn="l"/>
-                <a:tab pos="8659813" algn="l"/>
-                <a:tab pos="9574213" algn="l"/>
-                <a:tab pos="10488613" algn="l"/>
-              </a:tabLst>
-            </a:pPr>
-            <a:r>
-              <a:rPr lang="en-GB" sz="2400" dirty="0" smtClean="0">
-                <a:solidFill>
-                  <a:srgbClr val="000000"/>
-                </a:solidFill>
-                <a:latin typeface="Courier"/>
-                <a:cs typeface="Courier"/>
-              </a:rPr>
-              <a:t>  }</a:t>
-            </a:r>
-          </a:p>
-          <a:p>
-            <a:pPr marL="1344613" lvl="2" indent="-323850">
-              <a:spcBef>
-                <a:spcPts val="800"/>
-              </a:spcBef>
-              <a:buClr>
-                <a:srgbClr val="000000"/>
-              </a:buClr>
-              <a:buSzPct val="100000"/>
-              <a:buFont typeface="Arial"/>
-              <a:buChar char="•"/>
-              <a:tabLst>
-                <a:tab pos="430213" algn="l"/>
-                <a:tab pos="1344613" algn="l"/>
-                <a:tab pos="2259013" algn="l"/>
-                <a:tab pos="3173413" algn="l"/>
-                <a:tab pos="4087813" algn="l"/>
-                <a:tab pos="5002213" algn="l"/>
-                <a:tab pos="5916613" algn="l"/>
-                <a:tab pos="6831013" algn="l"/>
-                <a:tab pos="7745413" algn="l"/>
-                <a:tab pos="8659813" algn="l"/>
-                <a:tab pos="9574213" algn="l"/>
-                <a:tab pos="10488613" algn="l"/>
-              </a:tabLst>
-            </a:pPr>
-            <a:r>
-              <a:rPr lang="en-GB" sz="2400" dirty="0" smtClean="0">
-                <a:solidFill>
-                  <a:srgbClr val="000000"/>
-                </a:solidFill>
-                <a:latin typeface="Times New Roman"/>
-                <a:cs typeface="Times New Roman"/>
-              </a:rPr>
-              <a:t>To use it: </a:t>
-            </a:r>
-            <a:r>
-              <a:rPr lang="en-GB" sz="2400" dirty="0" err="1" smtClean="0">
-                <a:solidFill>
-                  <a:srgbClr val="000000"/>
-                </a:solidFill>
-                <a:latin typeface="Courier"/>
-                <a:cs typeface="Courier"/>
-              </a:rPr>
-              <a:t>func.name(values</a:t>
-            </a:r>
-            <a:r>
-              <a:rPr lang="en-GB" sz="2400" dirty="0" smtClean="0">
-                <a:solidFill>
-                  <a:srgbClr val="000000"/>
-                </a:solidFill>
-                <a:latin typeface="Courier"/>
-                <a:cs typeface="Courier"/>
-              </a:rPr>
-              <a:t>)  </a:t>
-            </a:r>
-          </a:p>
-          <a:p>
-            <a:pPr marL="1344613" lvl="2" indent="-323850">
-              <a:spcBef>
-                <a:spcPts val="800"/>
-              </a:spcBef>
-              <a:buClr>
-                <a:srgbClr val="000000"/>
-              </a:buClr>
-              <a:buSzPct val="100000"/>
-              <a:buFont typeface="Arial"/>
-              <a:buChar char="•"/>
-              <a:tabLst>
-                <a:tab pos="430213" algn="l"/>
-                <a:tab pos="1344613" algn="l"/>
-                <a:tab pos="2259013" algn="l"/>
-                <a:tab pos="3173413" algn="l"/>
-                <a:tab pos="4087813" algn="l"/>
-                <a:tab pos="5002213" algn="l"/>
-                <a:tab pos="5916613" algn="l"/>
-                <a:tab pos="6831013" algn="l"/>
-                <a:tab pos="7745413" algn="l"/>
-                <a:tab pos="8659813" algn="l"/>
-                <a:tab pos="9574213" algn="l"/>
-                <a:tab pos="10488613" algn="l"/>
-              </a:tabLst>
-            </a:pPr>
-            <a:endParaRPr lang="en-GB" sz="2400" b="1" dirty="0" smtClean="0">
-              <a:solidFill>
-                <a:srgbClr val="000000"/>
-              </a:solidFill>
-              <a:latin typeface="Times New Roman" pitchFamily="18" charset="0"/>
+              <a:latin typeface="Courier"/>
+              <a:cs typeface="Courier"/>
             </a:endParaRPr>
           </a:p>
         </p:txBody>
@@ -6890,7 +8793,7 @@
               </a:tabLst>
             </a:pPr>
             <a:r>
-              <a:rPr lang="en-GB" sz="4000" dirty="0" smtClean="0">
+              <a:rPr lang="en-GB" sz="4000" dirty="0">
                 <a:solidFill>
                   <a:srgbClr val="000000"/>
                 </a:solidFill>
@@ -6898,12 +8801,6 @@
               </a:rPr>
               <a:t>More Handy       Commands:</a:t>
             </a:r>
-            <a:endParaRPr lang="en-GB" sz="4000" dirty="0">
-              <a:solidFill>
-                <a:srgbClr val="000000"/>
-              </a:solidFill>
-              <a:latin typeface="Times New Roman" pitchFamily="18" charset="0"/>
-            </a:endParaRPr>
           </a:p>
         </p:txBody>
       </p:sp>
@@ -6963,10 +8860,386 @@
           </a:ln>
         </p:spPr>
       </p:pic>
+      <p:sp>
+        <p:nvSpPr>
+          <p:cNvPr id="8" name="Rectangle 5"/>
+          <p:cNvSpPr>
+            <a:spLocks noChangeArrowheads="1"/>
+          </p:cNvSpPr>
+          <p:nvPr/>
+        </p:nvSpPr>
+        <p:spPr bwMode="auto">
+          <a:xfrm>
+            <a:off x="228600" y="3752099"/>
+            <a:ext cx="8686800" cy="2386234"/>
+          </a:xfrm>
+          <a:prstGeom prst="rect">
+            <a:avLst/>
+          </a:prstGeom>
+          <a:noFill/>
+          <a:ln w="9525">
+            <a:noFill/>
+            <a:round/>
+            <a:headEnd/>
+            <a:tailEnd/>
+          </a:ln>
+        </p:spPr>
+        <p:txBody>
+          <a:bodyPr lIns="0" tIns="0" rIns="0" bIns="0"/>
+          <a:lstStyle/>
+          <a:p>
+            <a:pPr marL="887413" lvl="1" indent="-323850">
+              <a:spcBef>
+                <a:spcPts val="800"/>
+              </a:spcBef>
+              <a:buClr>
+                <a:srgbClr val="000000"/>
+              </a:buClr>
+              <a:buSzPct val="100000"/>
+              <a:buFont typeface="Arial"/>
+              <a:buChar char="•"/>
+              <a:tabLst>
+                <a:tab pos="430213" algn="l"/>
+                <a:tab pos="1344613" algn="l"/>
+                <a:tab pos="2259013" algn="l"/>
+                <a:tab pos="3173413" algn="l"/>
+                <a:tab pos="4087813" algn="l"/>
+                <a:tab pos="5002213" algn="l"/>
+                <a:tab pos="5916613" algn="l"/>
+                <a:tab pos="6831013" algn="l"/>
+                <a:tab pos="7745413" algn="l"/>
+                <a:tab pos="8659813" algn="l"/>
+                <a:tab pos="9574213" algn="l"/>
+                <a:tab pos="10488613" algn="l"/>
+              </a:tabLst>
+            </a:pPr>
+            <a:r>
+              <a:rPr lang="en-GB" sz="2800" dirty="0">
+                <a:solidFill>
+                  <a:srgbClr val="000000"/>
+                </a:solidFill>
+                <a:latin typeface="Times New Roman" pitchFamily="18" charset="0"/>
+              </a:rPr>
+              <a:t>User defined functions syntax:</a:t>
+            </a:r>
+          </a:p>
+          <a:p>
+            <a:pPr marL="1344613" lvl="2" indent="-323850">
+              <a:spcBef>
+                <a:spcPts val="800"/>
+              </a:spcBef>
+              <a:buClr>
+                <a:srgbClr val="000000"/>
+              </a:buClr>
+              <a:buSzPct val="100000"/>
+              <a:buFont typeface="Arial"/>
+              <a:buChar char="•"/>
+              <a:tabLst>
+                <a:tab pos="430213" algn="l"/>
+                <a:tab pos="1344613" algn="l"/>
+                <a:tab pos="2259013" algn="l"/>
+                <a:tab pos="3173413" algn="l"/>
+                <a:tab pos="4087813" algn="l"/>
+                <a:tab pos="5002213" algn="l"/>
+                <a:tab pos="5916613" algn="l"/>
+                <a:tab pos="6831013" algn="l"/>
+                <a:tab pos="7745413" algn="l"/>
+                <a:tab pos="8659813" algn="l"/>
+                <a:tab pos="9574213" algn="l"/>
+                <a:tab pos="10488613" algn="l"/>
+              </a:tabLst>
+            </a:pPr>
+            <a:r>
+              <a:rPr lang="en-GB" sz="2400" b="1" dirty="0" err="1">
+                <a:solidFill>
+                  <a:srgbClr val="000000"/>
+                </a:solidFill>
+                <a:latin typeface="Courier"/>
+                <a:cs typeface="Courier"/>
+              </a:rPr>
+              <a:t>func.name</a:t>
+            </a:r>
+            <a:r>
+              <a:rPr lang="en-GB" sz="2400" b="1" dirty="0">
+                <a:solidFill>
+                  <a:srgbClr val="000000"/>
+                </a:solidFill>
+                <a:latin typeface="Courier"/>
+                <a:cs typeface="Courier"/>
+              </a:rPr>
+              <a:t> &lt;- </a:t>
+            </a:r>
+            <a:r>
+              <a:rPr lang="en-GB" sz="2400" b="1" dirty="0" err="1">
+                <a:solidFill>
+                  <a:srgbClr val="000000"/>
+                </a:solidFill>
+                <a:latin typeface="Courier"/>
+                <a:cs typeface="Courier"/>
+              </a:rPr>
+              <a:t>function(arguements</a:t>
+            </a:r>
+            <a:r>
+              <a:rPr lang="en-GB" sz="2400" b="1" dirty="0">
+                <a:solidFill>
+                  <a:srgbClr val="000000"/>
+                </a:solidFill>
+                <a:latin typeface="Courier"/>
+                <a:cs typeface="Courier"/>
+              </a:rPr>
+              <a:t>) {</a:t>
+            </a:r>
+          </a:p>
+          <a:p>
+            <a:pPr marL="1344613" lvl="2" indent="-323850">
+              <a:spcBef>
+                <a:spcPts val="800"/>
+              </a:spcBef>
+              <a:buClr>
+                <a:srgbClr val="000000"/>
+              </a:buClr>
+              <a:buSzPct val="100000"/>
+              <a:tabLst>
+                <a:tab pos="430213" algn="l"/>
+                <a:tab pos="1344613" algn="l"/>
+                <a:tab pos="2259013" algn="l"/>
+                <a:tab pos="3173413" algn="l"/>
+                <a:tab pos="4087813" algn="l"/>
+                <a:tab pos="5002213" algn="l"/>
+                <a:tab pos="5916613" algn="l"/>
+                <a:tab pos="6831013" algn="l"/>
+                <a:tab pos="7745413" algn="l"/>
+                <a:tab pos="8659813" algn="l"/>
+                <a:tab pos="9574213" algn="l"/>
+                <a:tab pos="10488613" algn="l"/>
+              </a:tabLst>
+            </a:pPr>
+            <a:r>
+              <a:rPr lang="en-GB" sz="2400" b="1" dirty="0">
+                <a:solidFill>
+                  <a:srgbClr val="000000"/>
+                </a:solidFill>
+                <a:latin typeface="Courier"/>
+                <a:cs typeface="Courier"/>
+              </a:rPr>
+              <a:t>			do something</a:t>
+            </a:r>
+          </a:p>
+          <a:p>
+            <a:pPr marL="1344613" lvl="2" indent="-323850">
+              <a:spcBef>
+                <a:spcPts val="800"/>
+              </a:spcBef>
+              <a:buClr>
+                <a:srgbClr val="000000"/>
+              </a:buClr>
+              <a:buSzPct val="100000"/>
+              <a:tabLst>
+                <a:tab pos="430213" algn="l"/>
+                <a:tab pos="1344613" algn="l"/>
+                <a:tab pos="2259013" algn="l"/>
+                <a:tab pos="3173413" algn="l"/>
+                <a:tab pos="4087813" algn="l"/>
+                <a:tab pos="5002213" algn="l"/>
+                <a:tab pos="5916613" algn="l"/>
+                <a:tab pos="6831013" algn="l"/>
+                <a:tab pos="7745413" algn="l"/>
+                <a:tab pos="8659813" algn="l"/>
+                <a:tab pos="9574213" algn="l"/>
+                <a:tab pos="10488613" algn="l"/>
+              </a:tabLst>
+            </a:pPr>
+            <a:r>
+              <a:rPr lang="en-GB" sz="2400" b="1" dirty="0">
+                <a:solidFill>
+                  <a:srgbClr val="000000"/>
+                </a:solidFill>
+                <a:latin typeface="Courier"/>
+                <a:cs typeface="Courier"/>
+              </a:rPr>
+              <a:t>			</a:t>
+            </a:r>
+            <a:r>
+              <a:rPr lang="en-GB" sz="2400" b="1" dirty="0" err="1">
+                <a:solidFill>
+                  <a:srgbClr val="000000"/>
+                </a:solidFill>
+                <a:latin typeface="Courier"/>
+                <a:cs typeface="Courier"/>
+              </a:rPr>
+              <a:t>return(output</a:t>
+            </a:r>
+            <a:r>
+              <a:rPr lang="en-GB" sz="2400" b="1" dirty="0">
+                <a:solidFill>
+                  <a:srgbClr val="000000"/>
+                </a:solidFill>
+                <a:latin typeface="Courier"/>
+                <a:cs typeface="Courier"/>
+              </a:rPr>
+              <a:t>)</a:t>
+            </a:r>
+          </a:p>
+          <a:p>
+            <a:pPr marL="1344613" lvl="2" indent="-323850">
+              <a:spcBef>
+                <a:spcPts val="800"/>
+              </a:spcBef>
+              <a:buClr>
+                <a:srgbClr val="000000"/>
+              </a:buClr>
+              <a:buSzPct val="100000"/>
+              <a:tabLst>
+                <a:tab pos="430213" algn="l"/>
+                <a:tab pos="1344613" algn="l"/>
+                <a:tab pos="2259013" algn="l"/>
+                <a:tab pos="3173413" algn="l"/>
+                <a:tab pos="4087813" algn="l"/>
+                <a:tab pos="5002213" algn="l"/>
+                <a:tab pos="5916613" algn="l"/>
+                <a:tab pos="6831013" algn="l"/>
+                <a:tab pos="7745413" algn="l"/>
+                <a:tab pos="8659813" algn="l"/>
+                <a:tab pos="9574213" algn="l"/>
+                <a:tab pos="10488613" algn="l"/>
+              </a:tabLst>
+            </a:pPr>
+            <a:r>
+              <a:rPr lang="en-GB" sz="2400" b="1" dirty="0">
+                <a:solidFill>
+                  <a:srgbClr val="000000"/>
+                </a:solidFill>
+                <a:latin typeface="Courier"/>
+                <a:cs typeface="Courier"/>
+              </a:rPr>
+              <a:t>  }</a:t>
+            </a:r>
+          </a:p>
+        </p:txBody>
+      </p:sp>
+      <p:sp>
+        <p:nvSpPr>
+          <p:cNvPr id="9" name="Rectangle 5"/>
+          <p:cNvSpPr>
+            <a:spLocks noChangeArrowheads="1"/>
+          </p:cNvSpPr>
+          <p:nvPr/>
+        </p:nvSpPr>
+        <p:spPr bwMode="auto">
+          <a:xfrm>
+            <a:off x="228600" y="6334411"/>
+            <a:ext cx="8686800" cy="523569"/>
+          </a:xfrm>
+          <a:prstGeom prst="rect">
+            <a:avLst/>
+          </a:prstGeom>
+          <a:noFill/>
+          <a:ln w="9525">
+            <a:noFill/>
+            <a:round/>
+            <a:headEnd/>
+            <a:tailEnd/>
+          </a:ln>
+        </p:spPr>
+        <p:txBody>
+          <a:bodyPr lIns="0" tIns="0" rIns="0" bIns="0"/>
+          <a:lstStyle/>
+          <a:p>
+            <a:pPr marL="1344613" lvl="2" indent="-323850">
+              <a:spcBef>
+                <a:spcPts val="800"/>
+              </a:spcBef>
+              <a:buClr>
+                <a:srgbClr val="000000"/>
+              </a:buClr>
+              <a:buSzPct val="100000"/>
+              <a:buFont typeface="Arial"/>
+              <a:buChar char="•"/>
+              <a:tabLst>
+                <a:tab pos="430213" algn="l"/>
+                <a:tab pos="1344613" algn="l"/>
+                <a:tab pos="2259013" algn="l"/>
+                <a:tab pos="3173413" algn="l"/>
+                <a:tab pos="4087813" algn="l"/>
+                <a:tab pos="5002213" algn="l"/>
+                <a:tab pos="5916613" algn="l"/>
+                <a:tab pos="6831013" algn="l"/>
+                <a:tab pos="7745413" algn="l"/>
+                <a:tab pos="8659813" algn="l"/>
+                <a:tab pos="9574213" algn="l"/>
+                <a:tab pos="10488613" algn="l"/>
+              </a:tabLst>
+            </a:pPr>
+            <a:r>
+              <a:rPr lang="en-GB" sz="2400" dirty="0">
+                <a:solidFill>
+                  <a:srgbClr val="000000"/>
+                </a:solidFill>
+                <a:latin typeface="Times New Roman"/>
+                <a:cs typeface="Times New Roman"/>
+              </a:rPr>
+              <a:t>To use it: </a:t>
+            </a:r>
+            <a:r>
+              <a:rPr lang="en-GB" sz="2400" b="1" dirty="0" err="1">
+                <a:solidFill>
+                  <a:srgbClr val="000000"/>
+                </a:solidFill>
+                <a:latin typeface="Courier"/>
+                <a:cs typeface="Courier"/>
+              </a:rPr>
+              <a:t>func.name</a:t>
+            </a:r>
+            <a:r>
+              <a:rPr lang="en-GB" sz="2400" b="1" dirty="0">
+                <a:solidFill>
+                  <a:srgbClr val="000000"/>
+                </a:solidFill>
+                <a:latin typeface="Courier"/>
+                <a:cs typeface="Courier"/>
+              </a:rPr>
+              <a:t>(values)  </a:t>
+            </a:r>
+          </a:p>
+          <a:p>
+            <a:pPr marL="1344613" lvl="2" indent="-323850">
+              <a:spcBef>
+                <a:spcPts val="800"/>
+              </a:spcBef>
+              <a:buClr>
+                <a:srgbClr val="000000"/>
+              </a:buClr>
+              <a:buSzPct val="100000"/>
+              <a:buFont typeface="Arial"/>
+              <a:buChar char="•"/>
+              <a:tabLst>
+                <a:tab pos="430213" algn="l"/>
+                <a:tab pos="1344613" algn="l"/>
+                <a:tab pos="2259013" algn="l"/>
+                <a:tab pos="3173413" algn="l"/>
+                <a:tab pos="4087813" algn="l"/>
+                <a:tab pos="5002213" algn="l"/>
+                <a:tab pos="5916613" algn="l"/>
+                <a:tab pos="6831013" algn="l"/>
+                <a:tab pos="7745413" algn="l"/>
+                <a:tab pos="8659813" algn="l"/>
+                <a:tab pos="9574213" algn="l"/>
+                <a:tab pos="10488613" algn="l"/>
+              </a:tabLst>
+            </a:pPr>
+            <a:endParaRPr lang="en-GB" sz="2400" b="1" dirty="0">
+              <a:solidFill>
+                <a:srgbClr val="000000"/>
+              </a:solidFill>
+              <a:latin typeface="Times New Roman" pitchFamily="18" charset="0"/>
+            </a:endParaRPr>
+          </a:p>
+        </p:txBody>
+      </p:sp>
     </p:spTree>
     <p:extLst>
       <p:ext uri="{BB962C8B-B14F-4D97-AF65-F5344CB8AC3E}">
-        <p14:creationId xmlns:p14="http://schemas.microsoft.com/office/powerpoint/2010/main" val="561720198"/>
+        <p14:creationId xmlns:p14="http://schemas.microsoft.com/office/powerpoint/2010/main" val="140624585"/>
       </p:ext>
     </p:extLst>
   </p:cSld>
@@ -6976,14 +9249,223 @@
   <p:timing>
     <p:tnLst>
       <p:par>
-        <p:cTn xmlns:p14="http://schemas.microsoft.com/office/powerpoint/2010/main" id="1" dur="indefinite" restart="never" nodeType="tmRoot"/>
+        <p:cTn id="1" dur="indefinite" restart="never" nodeType="tmRoot">
+          <p:childTnLst>
+            <p:seq concurrent="1" nextAc="seek">
+              <p:cTn id="2" dur="indefinite" nodeType="mainSeq">
+                <p:childTnLst>
+                  <p:par>
+                    <p:cTn id="3" fill="hold">
+                      <p:stCondLst>
+                        <p:cond delay="indefinite"/>
+                      </p:stCondLst>
+                      <p:childTnLst>
+                        <p:par>
+                          <p:cTn id="4" fill="hold">
+                            <p:stCondLst>
+                              <p:cond delay="0"/>
+                            </p:stCondLst>
+                            <p:childTnLst>
+                              <p:par>
+                                <p:cTn id="5" presetID="2" presetClass="entr" presetSubtype="4" fill="hold" grpId="0" nodeType="clickEffect">
+                                  <p:stCondLst>
+                                    <p:cond delay="0"/>
+                                  </p:stCondLst>
+                                  <p:childTnLst>
+                                    <p:set>
+                                      <p:cBhvr>
+                                        <p:cTn id="6" dur="1" fill="hold">
+                                          <p:stCondLst>
+                                            <p:cond delay="0"/>
+                                          </p:stCondLst>
+                                        </p:cTn>
+                                        <p:tgtEl>
+                                          <p:spTgt spid="8"/>
+                                        </p:tgtEl>
+                                        <p:attrNameLst>
+                                          <p:attrName>style.visibility</p:attrName>
+                                        </p:attrNameLst>
+                                      </p:cBhvr>
+                                      <p:to>
+                                        <p:strVal val="visible"/>
+                                      </p:to>
+                                    </p:set>
+                                    <p:anim calcmode="lin" valueType="num">
+                                      <p:cBhvr additive="base">
+                                        <p:cTn id="7" dur="500" fill="hold"/>
+                                        <p:tgtEl>
+                                          <p:spTgt spid="8"/>
+                                        </p:tgtEl>
+                                        <p:attrNameLst>
+                                          <p:attrName>ppt_x</p:attrName>
+                                        </p:attrNameLst>
+                                      </p:cBhvr>
+                                      <p:tavLst>
+                                        <p:tav tm="0">
+                                          <p:val>
+                                            <p:strVal val="#ppt_x"/>
+                                          </p:val>
+                                        </p:tav>
+                                        <p:tav tm="100000">
+                                          <p:val>
+                                            <p:strVal val="#ppt_x"/>
+                                          </p:val>
+                                        </p:tav>
+                                      </p:tavLst>
+                                    </p:anim>
+                                    <p:anim calcmode="lin" valueType="num">
+                                      <p:cBhvr additive="base">
+                                        <p:cTn id="8" dur="500" fill="hold"/>
+                                        <p:tgtEl>
+                                          <p:spTgt spid="8"/>
+                                        </p:tgtEl>
+                                        <p:attrNameLst>
+                                          <p:attrName>ppt_y</p:attrName>
+                                        </p:attrNameLst>
+                                      </p:cBhvr>
+                                      <p:tavLst>
+                                        <p:tav tm="0">
+                                          <p:val>
+                                            <p:strVal val="1+#ppt_h/2"/>
+                                          </p:val>
+                                        </p:tav>
+                                        <p:tav tm="100000">
+                                          <p:val>
+                                            <p:strVal val="#ppt_y"/>
+                                          </p:val>
+                                        </p:tav>
+                                      </p:tavLst>
+                                    </p:anim>
+                                  </p:childTnLst>
+                                </p:cTn>
+                              </p:par>
+                            </p:childTnLst>
+                          </p:cTn>
+                        </p:par>
+                      </p:childTnLst>
+                    </p:cTn>
+                  </p:par>
+                  <p:par>
+                    <p:cTn id="9" fill="hold">
+                      <p:stCondLst>
+                        <p:cond delay="indefinite"/>
+                      </p:stCondLst>
+                      <p:childTnLst>
+                        <p:par>
+                          <p:cTn id="10" fill="hold">
+                            <p:stCondLst>
+                              <p:cond delay="0"/>
+                            </p:stCondLst>
+                            <p:childTnLst>
+                              <p:par>
+                                <p:cTn id="11" presetID="2" presetClass="entr" presetSubtype="4" fill="hold" grpId="0" nodeType="clickEffect">
+                                  <p:stCondLst>
+                                    <p:cond delay="0"/>
+                                  </p:stCondLst>
+                                  <p:childTnLst>
+                                    <p:set>
+                                      <p:cBhvr>
+                                        <p:cTn id="12" dur="1" fill="hold">
+                                          <p:stCondLst>
+                                            <p:cond delay="0"/>
+                                          </p:stCondLst>
+                                        </p:cTn>
+                                        <p:tgtEl>
+                                          <p:spTgt spid="9"/>
+                                        </p:tgtEl>
+                                        <p:attrNameLst>
+                                          <p:attrName>style.visibility</p:attrName>
+                                        </p:attrNameLst>
+                                      </p:cBhvr>
+                                      <p:to>
+                                        <p:strVal val="visible"/>
+                                      </p:to>
+                                    </p:set>
+                                    <p:anim calcmode="lin" valueType="num">
+                                      <p:cBhvr additive="base">
+                                        <p:cTn id="13" dur="500" fill="hold"/>
+                                        <p:tgtEl>
+                                          <p:spTgt spid="9"/>
+                                        </p:tgtEl>
+                                        <p:attrNameLst>
+                                          <p:attrName>ppt_x</p:attrName>
+                                        </p:attrNameLst>
+                                      </p:cBhvr>
+                                      <p:tavLst>
+                                        <p:tav tm="0">
+                                          <p:val>
+                                            <p:strVal val="#ppt_x"/>
+                                          </p:val>
+                                        </p:tav>
+                                        <p:tav tm="100000">
+                                          <p:val>
+                                            <p:strVal val="#ppt_x"/>
+                                          </p:val>
+                                        </p:tav>
+                                      </p:tavLst>
+                                    </p:anim>
+                                    <p:anim calcmode="lin" valueType="num">
+                                      <p:cBhvr additive="base">
+                                        <p:cTn id="14" dur="500" fill="hold"/>
+                                        <p:tgtEl>
+                                          <p:spTgt spid="9"/>
+                                        </p:tgtEl>
+                                        <p:attrNameLst>
+                                          <p:attrName>ppt_y</p:attrName>
+                                        </p:attrNameLst>
+                                      </p:cBhvr>
+                                      <p:tavLst>
+                                        <p:tav tm="0">
+                                          <p:val>
+                                            <p:strVal val="1+#ppt_h/2"/>
+                                          </p:val>
+                                        </p:tav>
+                                        <p:tav tm="100000">
+                                          <p:val>
+                                            <p:strVal val="#ppt_y"/>
+                                          </p:val>
+                                        </p:tav>
+                                      </p:tavLst>
+                                    </p:anim>
+                                  </p:childTnLst>
+                                </p:cTn>
+                              </p:par>
+                            </p:childTnLst>
+                          </p:cTn>
+                        </p:par>
+                      </p:childTnLst>
+                    </p:cTn>
+                  </p:par>
+                </p:childTnLst>
+              </p:cTn>
+              <p:prevCondLst>
+                <p:cond evt="onPrev" delay="0">
+                  <p:tgtEl>
+                    <p:sldTgt/>
+                  </p:tgtEl>
+                </p:cond>
+              </p:prevCondLst>
+              <p:nextCondLst>
+                <p:cond evt="onNext" delay="0">
+                  <p:tgtEl>
+                    <p:sldTgt/>
+                  </p:tgtEl>
+                </p:cond>
+              </p:nextCondLst>
+            </p:seq>
+          </p:childTnLst>
+        </p:cTn>
       </p:par>
     </p:tnLst>
+    <p:bldLst>
+      <p:bldP spid="8" grpId="0"/>
+      <p:bldP spid="9" grpId="0"/>
+    </p:bldLst>
   </p:timing>
 </p:sld>
 </file>
 
-<file path=ppt/slides/slide14.xml><?xml version="1.0" encoding="utf-8"?>
+<file path=ppt/slides/slide17.xml><?xml version="1.0" encoding="utf-8"?>
 <p:sld xmlns:a="http://schemas.openxmlformats.org/drawingml/2006/main" xmlns:r="http://schemas.openxmlformats.org/officeDocument/2006/relationships" xmlns:p="http://schemas.openxmlformats.org/presentationml/2006/main">
   <p:cSld>
     <p:spTree>
@@ -7051,7 +9533,7 @@
               </a:tabLst>
             </a:pPr>
             <a:r>
-              <a:rPr lang="en-GB" sz="4000" dirty="0" smtClean="0">
+              <a:rPr lang="en-GB" sz="4000" dirty="0">
                 <a:solidFill>
                   <a:srgbClr val="000000"/>
                 </a:solidFill>
@@ -7059,12 +9541,6 @@
               </a:rPr>
               <a:t>More Handy R Commands:</a:t>
             </a:r>
-            <a:endParaRPr lang="en-GB" sz="4000" dirty="0">
-              <a:solidFill>
-                <a:srgbClr val="000000"/>
-              </a:solidFill>
-              <a:latin typeface="Times New Roman" pitchFamily="18" charset="0"/>
-            </a:endParaRPr>
           </a:p>
         </p:txBody>
       </p:sp>
@@ -7132,36 +9608,29 @@
                 <a:latin typeface="Courier"/>
                 <a:cs typeface="Courier"/>
               </a:rPr>
-              <a:t># </a:t>
-            </a:r>
-            <a:r>
-              <a:rPr lang="en-US" dirty="0" smtClean="0">
-                <a:solidFill>
-                  <a:srgbClr val="FFFF00"/>
+              <a:t># Enter some data in a Matrix:</a:t>
+            </a:r>
+          </a:p>
+          <a:p>
+            <a:r>
+              <a:rPr lang="en-US" dirty="0">
+                <a:solidFill>
+                  <a:schemeClr val="bg1"/>
                 </a:solidFill>
                 <a:latin typeface="Courier"/>
                 <a:cs typeface="Courier"/>
               </a:rPr>
-              <a:t>Enter some data in a Matrix:</a:t>
-            </a:r>
-            <a:endParaRPr lang="en-US" dirty="0">
-              <a:solidFill>
-                <a:srgbClr val="FFFF00"/>
-              </a:solidFill>
-              <a:latin typeface="Courier"/>
-              <a:cs typeface="Courier"/>
-            </a:endParaRPr>
-          </a:p>
-          <a:p>
-            <a:r>
-              <a:rPr lang="en-US" dirty="0" smtClean="0">
+              <a:t>X &lt;- </a:t>
+            </a:r>
+            <a:r>
+              <a:rPr lang="en-US" dirty="0" err="1">
                 <a:solidFill>
                   <a:schemeClr val="bg1"/>
                 </a:solidFill>
                 <a:latin typeface="Courier"/>
                 <a:cs typeface="Courier"/>
               </a:rPr>
-              <a:t>X </a:t>
+              <a:t>rbind</a:t>
             </a:r>
             <a:r>
               <a:rPr lang="en-US" dirty="0">
@@ -7171,18 +9640,22 @@
                 <a:latin typeface="Courier"/>
                 <a:cs typeface="Courier"/>
               </a:rPr>
-              <a:t>&lt;- </a:t>
-            </a:r>
-            <a:r>
-              <a:rPr lang="en-US" dirty="0" err="1">
+              <a:t>(</a:t>
+            </a:r>
+          </a:p>
+          <a:p>
+            <a:r>
+              <a:rPr lang="en-US" dirty="0">
                 <a:solidFill>
                   <a:schemeClr val="bg1"/>
                 </a:solidFill>
                 <a:latin typeface="Courier"/>
                 <a:cs typeface="Courier"/>
               </a:rPr>
-              <a:t>rbind</a:t>
-            </a:r>
+              <a:t>  c(0.99, 0.92, 0.84, 0.39, 0.36),</a:t>
+            </a:r>
+          </a:p>
+          <a:p>
             <a:r>
               <a:rPr lang="en-US" dirty="0">
                 <a:solidFill>
@@ -7191,7 +9664,7 @@
                 <a:latin typeface="Courier"/>
                 <a:cs typeface="Courier"/>
               </a:rPr>
-              <a:t>(</a:t>
+              <a:t>  c(0.87, 0.73, 0.80, 0.76, 0.87),</a:t>
             </a:r>
           </a:p>
           <a:p>
@@ -7203,7 +9676,7 @@
                 <a:latin typeface="Courier"/>
                 <a:cs typeface="Courier"/>
               </a:rPr>
-              <a:t>  c(0.99, 0.92, 0.84, 0.39, 0.36),</a:t>
+              <a:t>  c(0.50, 0.11, 0.14, 0.43, 0.62),</a:t>
             </a:r>
           </a:p>
           <a:p>
@@ -7215,7 +9688,7 @@
                 <a:latin typeface="Courier"/>
                 <a:cs typeface="Courier"/>
               </a:rPr>
-              <a:t>  c(0.87, 0.73, 0.80, 0.76, 0.87),</a:t>
+              <a:t>  c(0.08, 0.41, 0.68, 0.49, 0.02)</a:t>
             </a:r>
           </a:p>
           <a:p>
@@ -7227,35 +9700,11 @@
                 <a:latin typeface="Courier"/>
                 <a:cs typeface="Courier"/>
               </a:rPr>
-              <a:t>  c(0.50, 0.11, 0.14, 0.43, 0.62),</a:t>
-            </a:r>
-          </a:p>
-          <a:p>
-            <a:r>
-              <a:rPr lang="en-US" dirty="0">
-                <a:solidFill>
-                  <a:schemeClr val="bg1"/>
-                </a:solidFill>
-                <a:latin typeface="Courier"/>
-                <a:cs typeface="Courier"/>
-              </a:rPr>
-              <a:t>  c(0.08, 0.41, 0.68, 0.49, 0.02)</a:t>
-            </a:r>
-          </a:p>
-          <a:p>
-            <a:r>
-              <a:rPr lang="en-US" dirty="0">
-                <a:solidFill>
-                  <a:schemeClr val="bg1"/>
-                </a:solidFill>
-                <a:latin typeface="Courier"/>
-                <a:cs typeface="Courier"/>
-              </a:rPr>
               <a:t>)</a:t>
             </a:r>
           </a:p>
           <a:p>
-            <a:endParaRPr lang="en-US" dirty="0" smtClean="0">
+            <a:endParaRPr lang="en-US" dirty="0">
               <a:solidFill>
                 <a:schemeClr val="bg1"/>
               </a:solidFill>
@@ -7272,17 +9721,7 @@
                 <a:latin typeface="Courier"/>
                 <a:cs typeface="Courier"/>
               </a:rPr>
-              <a:t># </a:t>
-            </a:r>
-            <a:r>
-              <a:rPr lang="en-US" dirty="0" smtClean="0">
-                <a:solidFill>
-                  <a:srgbClr val="FFFF00"/>
-                </a:solidFill>
-                <a:latin typeface="Courier"/>
-                <a:cs typeface="Courier"/>
-              </a:rPr>
-              <a:t>What happens when we execute each of these line?:</a:t>
+              <a:t># What happens when we execute each of these line?:</a:t>
             </a:r>
             <a:endParaRPr lang="en-US" dirty="0">
               <a:solidFill>
@@ -7388,7 +9827,7 @@
 </p:sld>
 </file>
 
-<file path=ppt/slides/slide15.xml><?xml version="1.0" encoding="utf-8"?>
+<file path=ppt/slides/slide18.xml><?xml version="1.0" encoding="utf-8"?>
 <p:sld xmlns:a="http://schemas.openxmlformats.org/drawingml/2006/main" xmlns:r="http://schemas.openxmlformats.org/officeDocument/2006/relationships" xmlns:p="http://schemas.openxmlformats.org/presentationml/2006/main">
   <p:cSld>
     <p:spTree>
@@ -7456,7 +9895,7 @@
               </a:tabLst>
             </a:pPr>
             <a:r>
-              <a:rPr lang="en-GB" sz="4000" dirty="0" smtClean="0">
+              <a:rPr lang="en-GB" sz="4000" dirty="0">
                 <a:solidFill>
                   <a:srgbClr val="000000"/>
                 </a:solidFill>
@@ -7464,12 +9903,6 @@
               </a:rPr>
               <a:t>More Handy R Commands:</a:t>
             </a:r>
-            <a:endParaRPr lang="en-GB" sz="4000" dirty="0">
-              <a:solidFill>
-                <a:srgbClr val="000000"/>
-              </a:solidFill>
-              <a:latin typeface="Times New Roman" pitchFamily="18" charset="0"/>
-            </a:endParaRPr>
           </a:p>
         </p:txBody>
       </p:sp>
@@ -7681,49 +10114,13 @@
               </a:tabLst>
             </a:pPr>
             <a:r>
-              <a:rPr lang="en-GB" sz="3600" dirty="0" smtClean="0">
+              <a:rPr lang="en-GB" sz="3600" dirty="0">
                 <a:solidFill>
                   <a:srgbClr val="000000"/>
                 </a:solidFill>
                 <a:latin typeface="Times New Roman" charset="0"/>
               </a:rPr>
-              <a:t>R  : A powerful platform for </a:t>
-            </a:r>
-            <a:r>
-              <a:rPr lang="en-GB" sz="3600" dirty="0">
-                <a:solidFill>
-                  <a:srgbClr val="000000"/>
-                </a:solidFill>
-                <a:latin typeface="Times New Roman" charset="0"/>
-              </a:rPr>
-              <a:t>s</a:t>
-            </a:r>
-            <a:r>
-              <a:rPr lang="en-GB" sz="3600" dirty="0" smtClean="0">
-                <a:solidFill>
-                  <a:srgbClr val="000000"/>
-                </a:solidFill>
-                <a:latin typeface="Times New Roman" charset="0"/>
-              </a:rPr>
-              <a:t>cientific </a:t>
-            </a:r>
-            <a:r>
-              <a:rPr lang="en-GB" sz="3600" dirty="0">
-                <a:solidFill>
-                  <a:srgbClr val="000000"/>
-                </a:solidFill>
-                <a:latin typeface="Times New Roman" charset="0"/>
-              </a:rPr>
-              <a:t>c</a:t>
-            </a:r>
-            <a:r>
-              <a:rPr lang="en-GB" sz="3600" dirty="0" smtClean="0">
-                <a:solidFill>
-                  <a:srgbClr val="000000"/>
-                </a:solidFill>
-                <a:latin typeface="Times New Roman" charset="0"/>
-              </a:rPr>
-              <a:t>alculation and data analysis</a:t>
+              <a:t>R  : A powerful platform for scientific calculation and data analysis</a:t>
             </a:r>
           </a:p>
           <a:p>
@@ -7749,7 +10146,7 @@
               </a:tabLst>
             </a:pPr>
             <a:r>
-              <a:rPr lang="en-GB" sz="3200" dirty="0" smtClean="0">
+              <a:rPr lang="en-GB" sz="3200" dirty="0">
                 <a:solidFill>
                   <a:srgbClr val="000000"/>
                 </a:solidFill>
@@ -7781,20 +10178,20 @@
               </a:tabLst>
             </a:pPr>
             <a:r>
-              <a:rPr lang="en-US" sz="3200" dirty="0" smtClean="0">
+              <a:rPr lang="en-US" sz="3200" dirty="0">
                 <a:latin typeface="Times New Roman"/>
                 <a:cs typeface="Times New Roman"/>
               </a:rPr>
               <a:t>Data, data, data, I cannot make bricks without clay </a:t>
             </a:r>
             <a:r>
-              <a:rPr lang="en-US" sz="3200" baseline="30000" dirty="0" smtClean="0">
+              <a:rPr lang="en-US" sz="3200" baseline="30000" dirty="0">
                 <a:latin typeface="Times New Roman"/>
                 <a:cs typeface="Times New Roman"/>
               </a:rPr>
               <a:t>Copper Beeches</a:t>
             </a:r>
-            <a:endParaRPr lang="en-GB" sz="3200" baseline="30000" dirty="0" smtClean="0">
+            <a:endParaRPr lang="en-GB" sz="3200" baseline="30000" dirty="0">
               <a:solidFill>
                 <a:srgbClr val="000000"/>
               </a:solidFill>
@@ -7825,7 +10222,7 @@
               </a:tabLst>
             </a:pPr>
             <a:r>
-              <a:rPr lang="en-GB" sz="3200" dirty="0" smtClean="0">
+              <a:rPr lang="en-GB" sz="3200" dirty="0">
                 <a:solidFill>
                   <a:srgbClr val="000000"/>
                 </a:solidFill>
@@ -7835,7 +10232,7 @@
               <a:t>A tour of </a:t>
             </a:r>
             <a:r>
-              <a:rPr lang="en-GB" sz="3200" dirty="0" err="1" smtClean="0">
+              <a:rPr lang="en-GB" sz="3200" dirty="0" err="1">
                 <a:solidFill>
                   <a:srgbClr val="000000"/>
                 </a:solidFill>
@@ -7845,7 +10242,7 @@
               <a:t>RStudio</a:t>
             </a:r>
             <a:r>
-              <a:rPr lang="en-GB" sz="3200" dirty="0" smtClean="0">
+              <a:rPr lang="en-GB" sz="3200" dirty="0">
                 <a:solidFill>
                   <a:srgbClr val="000000"/>
                 </a:solidFill>
@@ -7878,7 +10275,7 @@
               </a:tabLst>
             </a:pPr>
             <a:r>
-              <a:rPr lang="en-GB" sz="3200" dirty="0" smtClean="0">
+              <a:rPr lang="en-GB" sz="3200" dirty="0">
                 <a:solidFill>
                   <a:srgbClr val="000000"/>
                 </a:solidFill>
@@ -7918,17 +10315,7 @@
                 <a:latin typeface="Times New Roman"/>
                 <a:cs typeface="Times New Roman"/>
               </a:rPr>
-              <a:t>Visualizing with </a:t>
-            </a:r>
-            <a:r>
-              <a:rPr lang="en-GB" sz="3200" dirty="0" smtClean="0">
-                <a:solidFill>
-                  <a:srgbClr val="000000"/>
-                </a:solidFill>
-                <a:latin typeface="Times New Roman"/>
-                <a:cs typeface="Times New Roman"/>
-              </a:rPr>
-              <a:t>Plots</a:t>
+              <a:t>Visualizing with Plots</a:t>
             </a:r>
           </a:p>
           <a:p>
@@ -7954,7 +10341,7 @@
               </a:tabLst>
             </a:pPr>
             <a:r>
-              <a:rPr lang="en-GB" sz="3200" dirty="0" smtClean="0">
+              <a:rPr lang="en-GB" sz="3200" dirty="0">
                 <a:solidFill>
                   <a:srgbClr val="000000"/>
                 </a:solidFill>
@@ -7964,7 +10351,7 @@
               <a:t>Loading your data from Excel </a:t>
             </a:r>
             <a:r>
-              <a:rPr lang="en-GB" sz="3200" dirty="0" err="1" smtClean="0">
+              <a:rPr lang="en-GB" sz="3200" dirty="0" err="1">
                 <a:solidFill>
                   <a:srgbClr val="000000"/>
                 </a:solidFill>
@@ -7973,7 +10360,7 @@
               </a:rPr>
               <a:t>spreadsheets</a:t>
             </a:r>
-            <a:endParaRPr lang="en-GB" sz="3200" dirty="0" smtClean="0">
+            <a:endParaRPr lang="en-GB" sz="3200" dirty="0">
               <a:solidFill>
                 <a:srgbClr val="000000"/>
               </a:solidFill>
@@ -8068,11 +10455,11 @@
   <p:clrMapOvr>
     <a:masterClrMapping/>
   </p:clrMapOvr>
-  <p:transition xmlns:p14="http://schemas.microsoft.com/office/powerpoint/2010/main" spd="med"/>
+  <p:transition spd="med"/>
   <p:timing>
     <p:tnLst>
       <p:par>
-        <p:cTn xmlns:p14="http://schemas.microsoft.com/office/powerpoint/2010/main" id="1" dur="indefinite" restart="never" nodeType="tmRoot">
+        <p:cTn id="1" dur="indefinite" restart="never" nodeType="tmRoot">
           <p:childTnLst>
             <p:seq concurrent="1" nextAc="seek">
               <p:cTn id="2" dur="0" nodeType="mainSeq"/>
@@ -8169,7 +10556,7 @@
                 <a:tab pos="10488613" algn="l"/>
               </a:tabLst>
             </a:pPr>
-            <a:endParaRPr lang="en-GB" sz="1200" dirty="0" smtClean="0">
+            <a:endParaRPr lang="en-GB" sz="1200" dirty="0">
               <a:solidFill>
                 <a:srgbClr val="000000"/>
               </a:solidFill>
@@ -8203,7 +10590,7 @@
               </a:tabLst>
             </a:pPr>
             <a:r>
-              <a:rPr lang="en-GB" sz="3200" b="1" dirty="0" smtClean="0">
+              <a:rPr lang="en-GB" sz="3200" b="1" dirty="0">
                 <a:solidFill>
                   <a:srgbClr val="000000"/>
                 </a:solidFill>
@@ -8212,7 +10599,7 @@
               <a:t>R</a:t>
             </a:r>
             <a:r>
-              <a:rPr lang="en-GB" sz="3200" dirty="0" smtClean="0">
+              <a:rPr lang="en-GB" sz="3200" dirty="0">
                 <a:solidFill>
                   <a:srgbClr val="000000"/>
                 </a:solidFill>
@@ -8248,7 +10635,7 @@
               </a:tabLst>
             </a:pPr>
             <a:r>
-              <a:rPr lang="en-GB" sz="2800" dirty="0" smtClean="0">
+              <a:rPr lang="en-GB" sz="2800" dirty="0">
                 <a:solidFill>
                   <a:srgbClr val="000000"/>
                 </a:solidFill>
@@ -8284,7 +10671,7 @@
               </a:tabLst>
             </a:pPr>
             <a:r>
-              <a:rPr lang="en-GB" sz="3200" b="1" dirty="0" smtClean="0">
+              <a:rPr lang="en-GB" sz="3200" b="1" dirty="0">
                 <a:solidFill>
                   <a:srgbClr val="000000"/>
                 </a:solidFill>
@@ -8293,7 +10680,7 @@
               <a:t>R</a:t>
             </a:r>
             <a:r>
-              <a:rPr lang="en-GB" sz="3200" dirty="0" smtClean="0">
+              <a:rPr lang="en-GB" sz="3200" dirty="0">
                 <a:solidFill>
                   <a:srgbClr val="000000"/>
                 </a:solidFill>
@@ -8301,7 +10688,7 @@
               </a:rPr>
               <a:t>  maintained by a professional group of statisticians, and computational scientists</a:t>
             </a:r>
-            <a:endParaRPr lang="en-GB" sz="2800" dirty="0" smtClean="0">
+            <a:endParaRPr lang="en-GB" sz="2800" dirty="0">
               <a:solidFill>
                 <a:srgbClr val="000000"/>
               </a:solidFill>
@@ -8335,7 +10722,7 @@
               </a:tabLst>
             </a:pPr>
             <a:r>
-              <a:rPr lang="en-GB" sz="2400" b="1" u="sng" dirty="0" smtClean="0">
+              <a:rPr lang="en-GB" sz="2400" b="1" u="sng" dirty="0">
                 <a:solidFill>
                   <a:srgbClr val="000000"/>
                 </a:solidFill>
@@ -8371,7 +10758,7 @@
               </a:tabLst>
             </a:pPr>
             <a:r>
-              <a:rPr lang="en-GB" sz="2400" dirty="0" smtClean="0">
+              <a:rPr lang="en-GB" sz="2400" dirty="0">
                 <a:solidFill>
                   <a:srgbClr val="000000"/>
                 </a:solidFill>
@@ -8407,7 +10794,7 @@
               </a:tabLst>
             </a:pPr>
             <a:r>
-              <a:rPr lang="en-GB" sz="3200" b="1" dirty="0" smtClean="0">
+              <a:rPr lang="en-GB" sz="3200" b="1" dirty="0">
                 <a:solidFill>
                   <a:srgbClr val="000000"/>
                 </a:solidFill>
@@ -8416,7 +10803,7 @@
               <a:t>R</a:t>
             </a:r>
             <a:r>
-              <a:rPr lang="en-GB" sz="3200" dirty="0" smtClean="0">
+              <a:rPr lang="en-GB" sz="3200" dirty="0">
                 <a:solidFill>
                   <a:srgbClr val="000000"/>
                 </a:solidFill>
@@ -8452,7 +10839,7 @@
               </a:tabLst>
             </a:pPr>
             <a:r>
-              <a:rPr lang="en-GB" sz="2400" dirty="0" smtClean="0">
+              <a:rPr lang="en-GB" sz="2400" dirty="0">
                 <a:solidFill>
                   <a:srgbClr val="000000"/>
                 </a:solidFill>
@@ -8488,7 +10875,7 @@
               </a:tabLst>
             </a:pPr>
             <a:r>
-              <a:rPr lang="en-GB" sz="2400" dirty="0" smtClean="0">
+              <a:rPr lang="en-GB" sz="2400" dirty="0">
                 <a:solidFill>
                   <a:srgbClr val="000000"/>
                 </a:solidFill>
@@ -8550,7 +10937,7 @@
               </a:tabLst>
             </a:pPr>
             <a:r>
-              <a:rPr lang="en-GB" sz="4000" dirty="0" smtClean="0">
+              <a:rPr lang="en-GB" sz="4000" dirty="0">
                 <a:solidFill>
                   <a:srgbClr val="000000"/>
                 </a:solidFill>
@@ -8558,12 +10945,6 @@
               </a:rPr>
               <a:t>Why       ?</a:t>
             </a:r>
-            <a:endParaRPr lang="en-GB" sz="4000" dirty="0">
-              <a:solidFill>
-                <a:srgbClr val="000000"/>
-              </a:solidFill>
-              <a:latin typeface="Times New Roman" pitchFamily="18" charset="0"/>
-            </a:endParaRPr>
           </a:p>
         </p:txBody>
       </p:sp>
@@ -8655,7 +11036,7 @@
         </p:blipFill>
         <p:spPr>
           <a:xfrm>
-            <a:off x="1017090" y="5016734"/>
+            <a:off x="1017090" y="4994156"/>
             <a:ext cx="391280" cy="297374"/>
           </a:xfrm>
           <a:prstGeom prst="rect">
@@ -8700,13 +11081,6 @@
   <p:clrMapOvr>
     <a:masterClrMapping/>
   </p:clrMapOvr>
-  <p:timing>
-    <p:tnLst>
-      <p:par>
-        <p:cTn xmlns:p14="http://schemas.microsoft.com/office/powerpoint/2010/main" id="1" dur="indefinite" restart="never" nodeType="tmRoot"/>
-      </p:par>
-    </p:tnLst>
-  </p:timing>
 </p:sld>
 </file>
 
@@ -8780,7 +11154,7 @@
                 <a:tab pos="10488613" algn="l"/>
               </a:tabLst>
             </a:pPr>
-            <a:endParaRPr lang="en-GB" sz="1200" dirty="0" smtClean="0">
+            <a:endParaRPr lang="en-GB" sz="1200" dirty="0">
               <a:solidFill>
                 <a:srgbClr val="000000"/>
               </a:solidFill>
@@ -8814,7 +11188,7 @@
               </a:tabLst>
             </a:pPr>
             <a:r>
-              <a:rPr lang="en-GB" sz="3200" dirty="0" smtClean="0">
+              <a:rPr lang="en-GB" sz="3200" dirty="0">
                 <a:solidFill>
                   <a:srgbClr val="000000"/>
                 </a:solidFill>
@@ -8823,7 +11197,7 @@
               <a:t>Where to get information on </a:t>
             </a:r>
             <a:r>
-              <a:rPr lang="en-GB" sz="3200" b="1" dirty="0" smtClean="0">
+              <a:rPr lang="en-GB" sz="3200" b="1" dirty="0">
                 <a:solidFill>
                   <a:srgbClr val="000000"/>
                 </a:solidFill>
@@ -8832,7 +11206,7 @@
               <a:t>R </a:t>
             </a:r>
             <a:r>
-              <a:rPr lang="en-GB" sz="3200" dirty="0" smtClean="0">
+              <a:rPr lang="en-GB" sz="3200" dirty="0">
                 <a:solidFill>
                   <a:srgbClr val="000000"/>
                 </a:solidFill>
@@ -8868,7 +11242,7 @@
               </a:tabLst>
             </a:pPr>
             <a:r>
-              <a:rPr lang="en-GB" sz="2400" dirty="0" smtClean="0">
+              <a:rPr lang="en-GB" sz="2400" dirty="0">
                 <a:solidFill>
                   <a:srgbClr val="000000"/>
                 </a:solidFill>
@@ -8877,7 +11251,7 @@
               <a:t>R: </a:t>
             </a:r>
             <a:r>
-              <a:rPr lang="en-US" sz="2400" dirty="0" smtClean="0">
+              <a:rPr lang="en-US" sz="2400" dirty="0">
                 <a:solidFill>
                   <a:srgbClr val="000000"/>
                 </a:solidFill>
@@ -8886,7 +11260,7 @@
               </a:rPr>
               <a:t>http://www.r-project.org/</a:t>
             </a:r>
-            <a:endParaRPr lang="en-US" sz="2400" dirty="0" smtClean="0">
+            <a:endParaRPr lang="en-US" sz="2400" dirty="0">
               <a:solidFill>
                 <a:srgbClr val="000000"/>
               </a:solidFill>
@@ -8920,7 +11294,7 @@
               </a:tabLst>
             </a:pPr>
             <a:r>
-              <a:rPr lang="en-US" sz="2400" dirty="0" smtClean="0">
+              <a:rPr lang="en-US" sz="2400" dirty="0">
                 <a:solidFill>
                   <a:srgbClr val="000000"/>
                 </a:solidFill>
@@ -8929,7 +11303,7 @@
               <a:t>Just need the </a:t>
             </a:r>
             <a:r>
-              <a:rPr lang="en-US" sz="2400" b="1" dirty="0" smtClean="0">
+              <a:rPr lang="en-US" sz="2400" b="1" dirty="0">
                 <a:solidFill>
                   <a:srgbClr val="000000"/>
                 </a:solidFill>
@@ -8937,7 +11311,7 @@
               </a:rPr>
               <a:t>base</a:t>
             </a:r>
-            <a:endParaRPr lang="en-GB" sz="2400" b="1" dirty="0" smtClean="0">
+            <a:endParaRPr lang="en-GB" sz="2400" b="1" dirty="0">
               <a:solidFill>
                 <a:srgbClr val="000000"/>
               </a:solidFill>
@@ -8971,7 +11345,7 @@
               </a:tabLst>
             </a:pPr>
             <a:r>
-              <a:rPr lang="en-GB" sz="2400" dirty="0" err="1" smtClean="0">
+              <a:rPr lang="en-GB" sz="2400" dirty="0" err="1">
                 <a:solidFill>
                   <a:srgbClr val="000000"/>
                 </a:solidFill>
@@ -8980,7 +11354,7 @@
               <a:t>RStudio</a:t>
             </a:r>
             <a:r>
-              <a:rPr lang="en-GB" sz="2400" dirty="0" smtClean="0">
+              <a:rPr lang="en-GB" sz="2400" dirty="0">
                 <a:solidFill>
                   <a:srgbClr val="000000"/>
                 </a:solidFill>
@@ -8989,7 +11363,7 @@
               <a:t>: </a:t>
             </a:r>
             <a:r>
-              <a:rPr lang="en-US" sz="2400" dirty="0" smtClean="0">
+              <a:rPr lang="en-US" sz="2400" dirty="0">
                 <a:solidFill>
                   <a:srgbClr val="000000"/>
                 </a:solidFill>
@@ -8998,7 +11372,7 @@
               </a:rPr>
               <a:t>http://rstudio.org/</a:t>
             </a:r>
-            <a:endParaRPr lang="en-GB" sz="2400" dirty="0" smtClean="0">
+            <a:endParaRPr lang="en-GB" sz="2400" dirty="0">
               <a:solidFill>
                 <a:srgbClr val="000000"/>
               </a:solidFill>
@@ -9032,7 +11406,7 @@
               </a:tabLst>
             </a:pPr>
             <a:r>
-              <a:rPr lang="en-GB" sz="2400" dirty="0" smtClean="0">
+              <a:rPr lang="en-GB" sz="2400" dirty="0">
                 <a:solidFill>
                   <a:srgbClr val="000000"/>
                 </a:solidFill>
@@ -9068,7 +11442,7 @@
               </a:tabLst>
             </a:pPr>
             <a:r>
-              <a:rPr lang="en-GB" sz="2400" dirty="0" smtClean="0">
+              <a:rPr lang="en-GB" sz="2400" dirty="0">
                 <a:solidFill>
                   <a:srgbClr val="000000"/>
                 </a:solidFill>
@@ -9104,7 +11478,7 @@
               </a:tabLst>
             </a:pPr>
             <a:r>
-              <a:rPr lang="en-GB" sz="2400" dirty="0" smtClean="0">
+              <a:rPr lang="en-GB" sz="2400" dirty="0">
                 <a:solidFill>
                   <a:srgbClr val="000000"/>
                 </a:solidFill>
@@ -9140,7 +11514,7 @@
               </a:tabLst>
             </a:pPr>
             <a:r>
-              <a:rPr lang="en-GB" sz="2400" dirty="0" smtClean="0">
+              <a:rPr lang="en-GB" sz="2400" dirty="0">
                 <a:solidFill>
                   <a:srgbClr val="000000"/>
                 </a:solidFill>
@@ -9149,7 +11523,7 @@
               <a:t>CRAN: </a:t>
             </a:r>
             <a:r>
-              <a:rPr lang="en-US" sz="2400" dirty="0" smtClean="0">
+              <a:rPr lang="en-US" sz="2400" dirty="0">
                 <a:solidFill>
                   <a:srgbClr val="000000"/>
                 </a:solidFill>
@@ -9158,7 +11532,7 @@
               </a:rPr>
               <a:t>http://cran.r-project.org/</a:t>
             </a:r>
-            <a:endParaRPr lang="en-GB" sz="2400" dirty="0" smtClean="0">
+            <a:endParaRPr lang="en-GB" sz="2400" dirty="0">
               <a:solidFill>
                 <a:srgbClr val="000000"/>
               </a:solidFill>
@@ -9192,7 +11566,7 @@
               </a:tabLst>
             </a:pPr>
             <a:r>
-              <a:rPr lang="en-GB" sz="2400" dirty="0" smtClean="0">
+              <a:rPr lang="en-GB" sz="2400" dirty="0">
                 <a:solidFill>
                   <a:srgbClr val="000000"/>
                 </a:solidFill>
@@ -9228,7 +11602,7 @@
               </a:tabLst>
             </a:pPr>
             <a:r>
-              <a:rPr lang="en-GB" sz="2400" dirty="0" smtClean="0">
+              <a:rPr lang="en-GB" sz="2400" dirty="0">
                 <a:solidFill>
                   <a:srgbClr val="000000"/>
                 </a:solidFill>
@@ -9290,7 +11664,7 @@
               </a:tabLst>
             </a:pPr>
             <a:r>
-              <a:rPr lang="en-GB" sz="4000" dirty="0" smtClean="0">
+              <a:rPr lang="en-GB" sz="4000" dirty="0">
                 <a:solidFill>
                   <a:srgbClr val="000000"/>
                 </a:solidFill>
@@ -9298,12 +11672,6 @@
               </a:rPr>
               <a:t>Why       ?</a:t>
             </a:r>
-            <a:endParaRPr lang="en-GB" sz="4000" dirty="0">
-              <a:solidFill>
-                <a:srgbClr val="000000"/>
-              </a:solidFill>
-              <a:latin typeface="Times New Roman" pitchFamily="18" charset="0"/>
-            </a:endParaRPr>
           </a:p>
         </p:txBody>
       </p:sp>
@@ -9371,7 +11739,7 @@
         </p:blipFill>
         <p:spPr>
           <a:xfrm>
-            <a:off x="1374324" y="2043063"/>
+            <a:off x="1385613" y="2043063"/>
             <a:ext cx="391280" cy="297374"/>
           </a:xfrm>
           <a:prstGeom prst="rect">
@@ -9464,13 +11832,6 @@
   <p:clrMapOvr>
     <a:masterClrMapping/>
   </p:clrMapOvr>
-  <p:timing>
-    <p:tnLst>
-      <p:par>
-        <p:cTn xmlns:p14="http://schemas.microsoft.com/office/powerpoint/2010/main" id="1" dur="indefinite" restart="never" nodeType="tmRoot"/>
-      </p:par>
-    </p:tnLst>
-  </p:timing>
 </p:sld>
 </file>
 
@@ -9542,7 +11903,7 @@
               </a:tabLst>
             </a:pPr>
             <a:r>
-              <a:rPr lang="en-GB" sz="4000" dirty="0" smtClean="0">
+              <a:rPr lang="en-GB" sz="4000" dirty="0">
                 <a:solidFill>
                   <a:srgbClr val="000000"/>
                 </a:solidFill>
@@ -9551,7 +11912,7 @@
               <a:t>Finding our way around R/</a:t>
             </a:r>
             <a:r>
-              <a:rPr lang="en-GB" sz="4000" dirty="0" err="1" smtClean="0">
+              <a:rPr lang="en-GB" sz="4000" dirty="0" err="1">
                 <a:solidFill>
                   <a:srgbClr val="000000"/>
                 </a:solidFill>
@@ -9560,7 +11921,7 @@
               <a:t>RStudio</a:t>
             </a:r>
             <a:r>
-              <a:rPr lang="en-GB" sz="4000" dirty="0" smtClean="0">
+              <a:rPr lang="en-GB" sz="4000" dirty="0">
                 <a:solidFill>
                   <a:srgbClr val="000000"/>
                 </a:solidFill>
@@ -9568,12 +11929,6 @@
               </a:rPr>
               <a:t> </a:t>
             </a:r>
-            <a:endParaRPr lang="en-GB" sz="4000" dirty="0">
-              <a:solidFill>
-                <a:srgbClr val="000000"/>
-              </a:solidFill>
-              <a:latin typeface="Times New Roman" pitchFamily="18" charset="0"/>
-            </a:endParaRPr>
           </a:p>
         </p:txBody>
       </p:sp>
@@ -9626,18 +11981,13 @@
           <a:lstStyle/>
           <a:p>
             <a:r>
-              <a:rPr lang="en-US" sz="5400" dirty="0" smtClean="0">
+              <a:rPr lang="en-US" sz="5400" dirty="0">
                 <a:solidFill>
                   <a:srgbClr val="FF0000"/>
                 </a:solidFill>
               </a:rPr>
               <a:t>Script Window</a:t>
             </a:r>
-            <a:endParaRPr lang="en-US" sz="5400" dirty="0">
-              <a:solidFill>
-                <a:srgbClr val="FF0000"/>
-              </a:solidFill>
-            </a:endParaRPr>
           </a:p>
         </p:txBody>
       </p:sp>
@@ -9666,18 +12016,13 @@
           <a:lstStyle/>
           <a:p>
             <a:r>
-              <a:rPr lang="en-US" sz="3600" dirty="0" smtClean="0">
+              <a:rPr lang="en-US" sz="3600" dirty="0">
                 <a:solidFill>
                   <a:srgbClr val="FF0000"/>
                 </a:solidFill>
               </a:rPr>
               <a:t>Command Line</a:t>
             </a:r>
-            <a:endParaRPr lang="en-US" sz="3600" dirty="0">
-              <a:solidFill>
-                <a:srgbClr val="FF0000"/>
-              </a:solidFill>
-            </a:endParaRPr>
           </a:p>
         </p:txBody>
       </p:sp>
@@ -9757,7 +12102,7 @@
   <p:timing>
     <p:tnLst>
       <p:par>
-        <p:cTn xmlns:p14="http://schemas.microsoft.com/office/powerpoint/2010/main" id="1" dur="indefinite" restart="never" nodeType="tmRoot">
+        <p:cTn id="1" dur="indefinite" restart="never" nodeType="tmRoot">
           <p:childTnLst>
             <p:seq concurrent="1" nextAc="seek">
               <p:cTn id="2" dur="indefinite" nodeType="mainSeq">
@@ -10116,7 +12461,7 @@
                 <a:tab pos="10488613" algn="l"/>
               </a:tabLst>
             </a:pPr>
-            <a:endParaRPr lang="en-GB" sz="1200" dirty="0" smtClean="0">
+            <a:endParaRPr lang="en-GB" sz="1200" dirty="0">
               <a:solidFill>
                 <a:srgbClr val="000000"/>
               </a:solidFill>
@@ -10150,7 +12495,7 @@
               </a:tabLst>
             </a:pPr>
             <a:r>
-              <a:rPr lang="en-GB" sz="2800" dirty="0" smtClean="0">
+              <a:rPr lang="en-GB" sz="2800" dirty="0">
                 <a:solidFill>
                   <a:srgbClr val="000000"/>
                 </a:solidFill>
@@ -10212,7 +12557,7 @@
               </a:tabLst>
             </a:pPr>
             <a:r>
-              <a:rPr lang="en-GB" sz="4000" dirty="0" smtClean="0">
+              <a:rPr lang="en-GB" sz="4000" dirty="0">
                 <a:solidFill>
                   <a:srgbClr val="000000"/>
                 </a:solidFill>
@@ -10220,12 +12565,6 @@
               </a:rPr>
               <a:t>Handy       Commands:</a:t>
             </a:r>
-            <a:endParaRPr lang="en-GB" sz="4000" dirty="0">
-              <a:solidFill>
-                <a:srgbClr val="000000"/>
-              </a:solidFill>
-              <a:latin typeface="Times New Roman" pitchFamily="18" charset="0"/>
-            </a:endParaRPr>
           </a:p>
         </p:txBody>
       </p:sp>
@@ -10308,7 +12647,7 @@
               <a:t>x</a:t>
             </a:r>
             <a:r>
-              <a:rPr lang="en-US" sz="3200" dirty="0" smtClean="0">
+              <a:rPr lang="en-US" sz="3200" dirty="0">
                 <a:solidFill>
                   <a:srgbClr val="000000"/>
                 </a:solidFill>
@@ -10375,7 +12714,7 @@
               <a:t>x</a:t>
             </a:r>
             <a:r>
-              <a:rPr lang="en-US" sz="3200" dirty="0" smtClean="0">
+              <a:rPr lang="en-US" sz="3200" dirty="0">
                 <a:solidFill>
                   <a:srgbClr val="000000"/>
                 </a:solidFill>
@@ -10410,14 +12749,14 @@
           <a:lstStyle/>
           <a:p>
             <a:r>
-              <a:rPr lang="en-US" sz="2800" b="1" dirty="0" smtClean="0">
+              <a:rPr lang="en-US" sz="2800" b="1" dirty="0">
                 <a:latin typeface="Times New Roman"/>
                 <a:cs typeface="Times New Roman"/>
               </a:rPr>
               <a:t>variables</a:t>
             </a:r>
             <a:r>
-              <a:rPr lang="en-US" sz="2800" dirty="0" smtClean="0">
+              <a:rPr lang="en-US" sz="2800" dirty="0">
                 <a:latin typeface="Times New Roman"/>
                 <a:cs typeface="Times New Roman"/>
               </a:rPr>
@@ -10427,7 +12766,7 @@
           <a:p>
             <a:pPr algn="ctr"/>
             <a:r>
-              <a:rPr lang="en-US" sz="2800" dirty="0" smtClean="0">
+              <a:rPr lang="en-US" sz="2800" dirty="0">
                 <a:latin typeface="Times New Roman"/>
                 <a:cs typeface="Times New Roman"/>
               </a:rPr>
@@ -10437,16 +12776,12 @@
           <a:p>
             <a:pPr algn="ctr"/>
             <a:r>
-              <a:rPr lang="en-US" sz="2800" dirty="0" smtClean="0">
+              <a:rPr lang="en-US" sz="2800" dirty="0">
                 <a:latin typeface="Times New Roman"/>
                 <a:cs typeface="Times New Roman"/>
               </a:rPr>
               <a:t>information</a:t>
             </a:r>
-            <a:endParaRPr lang="en-US" sz="2800" dirty="0">
-              <a:latin typeface="Times New Roman"/>
-              <a:cs typeface="Times New Roman"/>
-            </a:endParaRPr>
           </a:p>
         </p:txBody>
       </p:sp>
@@ -10605,14 +12940,14 @@
           <a:lstStyle/>
           <a:p>
             <a:r>
-              <a:rPr lang="en-US" sz="2800" b="1" dirty="0" smtClean="0">
+              <a:rPr lang="en-US" sz="2800" b="1" dirty="0">
                 <a:latin typeface="Times New Roman"/>
                 <a:cs typeface="Times New Roman"/>
               </a:rPr>
               <a:t>Numeric input</a:t>
             </a:r>
             <a:r>
-              <a:rPr lang="en-US" sz="2800" dirty="0" smtClean="0">
+              <a:rPr lang="en-US" sz="2800" dirty="0">
                 <a:latin typeface="Times New Roman"/>
                 <a:cs typeface="Times New Roman"/>
               </a:rPr>
@@ -10644,13 +12979,13 @@
           <a:lstStyle/>
           <a:p>
             <a:r>
-              <a:rPr lang="en-US" sz="2800" b="1" dirty="0" smtClean="0">
+              <a:rPr lang="en-US" sz="2800" b="1" dirty="0">
                 <a:latin typeface="Times New Roman"/>
                 <a:cs typeface="Times New Roman"/>
               </a:rPr>
               <a:t>Text (character) input</a:t>
             </a:r>
-            <a:endParaRPr lang="en-US" sz="2800" dirty="0" smtClean="0">
+            <a:endParaRPr lang="en-US" sz="2800" dirty="0">
               <a:latin typeface="Times New Roman"/>
               <a:cs typeface="Times New Roman"/>
             </a:endParaRPr>
@@ -10680,23 +13015,19 @@
           <a:lstStyle/>
           <a:p>
             <a:r>
-              <a:rPr lang="en-US" sz="2800" dirty="0" smtClean="0">
+              <a:rPr lang="en-US" sz="2800" dirty="0">
                 <a:latin typeface="Times New Roman"/>
                 <a:cs typeface="Times New Roman"/>
               </a:rPr>
               <a:t>:</a:t>
             </a:r>
             <a:r>
-              <a:rPr lang="en-US" sz="2800" b="1" dirty="0" smtClean="0">
+              <a:rPr lang="en-US" sz="2800" b="1" dirty="0">
                 <a:latin typeface="Times New Roman"/>
                 <a:cs typeface="Times New Roman"/>
               </a:rPr>
               <a:t>Assignment operator</a:t>
             </a:r>
-            <a:endParaRPr lang="en-US" sz="2800" b="1" dirty="0">
-              <a:latin typeface="Times New Roman"/>
-              <a:cs typeface="Times New Roman"/>
-            </a:endParaRPr>
           </a:p>
         </p:txBody>
       </p:sp>
@@ -10740,7 +13071,7 @@
   <p:timing>
     <p:tnLst>
       <p:par>
-        <p:cTn xmlns:p14="http://schemas.microsoft.com/office/powerpoint/2010/main" id="1" dur="indefinite" restart="never" nodeType="tmRoot">
+        <p:cTn id="1" dur="indefinite" restart="never" nodeType="tmRoot">
           <p:childTnLst>
             <p:seq concurrent="1" nextAc="seek">
               <p:cTn id="2" dur="indefinite" nodeType="mainSeq">
@@ -11318,7 +13649,7 @@
                 <a:tab pos="10488613" algn="l"/>
               </a:tabLst>
             </a:pPr>
-            <a:endParaRPr lang="en-GB" sz="1200" dirty="0" smtClean="0">
+            <a:endParaRPr lang="en-GB" sz="1200" dirty="0">
               <a:solidFill>
                 <a:srgbClr val="000000"/>
               </a:solidFill>
@@ -11352,7 +13683,7 @@
               </a:tabLst>
             </a:pPr>
             <a:r>
-              <a:rPr lang="en-GB" sz="4000" dirty="0" smtClean="0">
+              <a:rPr lang="en-GB" sz="4000" dirty="0">
                 <a:solidFill>
                   <a:srgbClr val="000000"/>
                 </a:solidFill>
@@ -11388,7 +13719,7 @@
               </a:tabLst>
             </a:pPr>
             <a:r>
-              <a:rPr lang="en-GB" sz="3600" i="1" u="sng" dirty="0" smtClean="0">
+              <a:rPr lang="en-GB" sz="3600" i="1" u="sng" dirty="0">
                 <a:solidFill>
                   <a:srgbClr val="000000"/>
                 </a:solidFill>
@@ -11397,7 +13728,7 @@
               <a:t>If you know the name</a:t>
             </a:r>
             <a:r>
-              <a:rPr lang="en-GB" sz="3600" dirty="0" smtClean="0">
+              <a:rPr lang="en-GB" sz="3600" dirty="0">
                 <a:solidFill>
                   <a:srgbClr val="000000"/>
                 </a:solidFill>
@@ -11406,7 +13737,7 @@
               <a:t>: </a:t>
             </a:r>
             <a:r>
-              <a:rPr lang="en-GB" sz="3600" b="1" dirty="0" smtClean="0">
+              <a:rPr lang="en-GB" sz="3600" b="1" dirty="0">
                 <a:solidFill>
                   <a:srgbClr val="000000"/>
                 </a:solidFill>
@@ -11442,7 +13773,7 @@
               </a:tabLst>
             </a:pPr>
             <a:r>
-              <a:rPr lang="en-GB" sz="3200" dirty="0" smtClean="0">
+              <a:rPr lang="en-GB" sz="3200" dirty="0">
                 <a:solidFill>
                   <a:srgbClr val="000000"/>
                 </a:solidFill>
@@ -11450,7 +13781,7 @@
               </a:rPr>
               <a:t>?plot brings up html on plot command</a:t>
             </a:r>
-            <a:endParaRPr lang="en-GB" sz="4000" dirty="0" smtClean="0">
+            <a:endParaRPr lang="en-GB" sz="4000" dirty="0">
               <a:solidFill>
                 <a:srgbClr val="000000"/>
               </a:solidFill>
@@ -11483,7 +13814,7 @@
                 <a:tab pos="10488613" algn="l"/>
               </a:tabLst>
             </a:pPr>
-            <a:endParaRPr lang="en-GB" sz="3600" dirty="0" smtClean="0">
+            <a:endParaRPr lang="en-GB" sz="3600" dirty="0">
               <a:solidFill>
                 <a:srgbClr val="000000"/>
               </a:solidFill>
@@ -11517,7 +13848,7 @@
               </a:tabLst>
             </a:pPr>
             <a:r>
-              <a:rPr lang="en-GB" sz="3600" i="1" u="sng" dirty="0" smtClean="0">
+              <a:rPr lang="en-GB" sz="3600" i="1" u="sng" dirty="0">
                 <a:solidFill>
                   <a:srgbClr val="000000"/>
                 </a:solidFill>
@@ -11526,7 +13857,7 @@
               <a:t>If you don’t know the name</a:t>
             </a:r>
             <a:r>
-              <a:rPr lang="en-GB" sz="3600" dirty="0" smtClean="0">
+              <a:rPr lang="en-GB" sz="3600" dirty="0">
                 <a:solidFill>
                   <a:srgbClr val="000000"/>
                 </a:solidFill>
@@ -11562,7 +13893,7 @@
               </a:tabLst>
             </a:pPr>
             <a:r>
-              <a:rPr lang="en-GB" sz="3200" dirty="0" smtClean="0">
+              <a:rPr lang="en-GB" sz="3200" dirty="0">
                 <a:solidFill>
                   <a:srgbClr val="000000"/>
                 </a:solidFill>
@@ -11571,7 +13902,7 @@
               <a:t>Use Google (my </a:t>
             </a:r>
             <a:r>
-              <a:rPr lang="en-GB" sz="3200" dirty="0" err="1" smtClean="0">
+              <a:rPr lang="en-GB" sz="3200" dirty="0" err="1">
                 <a:solidFill>
                   <a:srgbClr val="000000"/>
                 </a:solidFill>
@@ -11580,7 +13911,7 @@
               <a:t>favorite</a:t>
             </a:r>
             <a:r>
-              <a:rPr lang="en-GB" sz="3200" dirty="0" smtClean="0">
+              <a:rPr lang="en-GB" sz="3200" dirty="0">
                 <a:solidFill>
                   <a:srgbClr val="000000"/>
                 </a:solidFill>
@@ -11588,7 +13919,7 @@
               </a:rPr>
               <a:t>)</a:t>
             </a:r>
-            <a:endParaRPr lang="en-GB" sz="2800" dirty="0" smtClean="0">
+            <a:endParaRPr lang="en-GB" sz="2800" dirty="0">
               <a:solidFill>
                 <a:srgbClr val="000000"/>
               </a:solidFill>
@@ -11622,7 +13953,7 @@
               </a:tabLst>
             </a:pPr>
             <a:r>
-              <a:rPr lang="en-GB" sz="2800" b="1" dirty="0" smtClean="0">
+              <a:rPr lang="en-GB" sz="2800" b="1" dirty="0">
                 <a:solidFill>
                   <a:srgbClr val="000000"/>
                 </a:solidFill>
@@ -11684,7 +14015,7 @@
               </a:tabLst>
             </a:pPr>
             <a:r>
-              <a:rPr lang="en-GB" sz="4000" dirty="0" smtClean="0">
+              <a:rPr lang="en-GB" sz="4000" dirty="0">
                 <a:solidFill>
                   <a:srgbClr val="000000"/>
                 </a:solidFill>
@@ -11692,12 +14023,6 @@
               </a:rPr>
               <a:t>Handy       Commands:</a:t>
             </a:r>
-            <a:endParaRPr lang="en-GB" sz="4000" dirty="0">
-              <a:solidFill>
-                <a:srgbClr val="000000"/>
-              </a:solidFill>
-              <a:latin typeface="Times New Roman" pitchFamily="18" charset="0"/>
-            </a:endParaRPr>
           </a:p>
         </p:txBody>
       </p:sp>
@@ -11762,13 +14087,6 @@
   <p:clrMapOvr>
     <a:masterClrMapping/>
   </p:clrMapOvr>
-  <p:timing>
-    <p:tnLst>
-      <p:par>
-        <p:cTn xmlns:p14="http://schemas.microsoft.com/office/powerpoint/2010/main" id="1" dur="indefinite" restart="never" nodeType="tmRoot"/>
-      </p:par>
-    </p:tnLst>
-  </p:timing>
 </p:sld>
 </file>
 
@@ -11842,7 +14160,7 @@
                 <a:tab pos="10488613" algn="l"/>
               </a:tabLst>
             </a:pPr>
-            <a:endParaRPr lang="en-GB" sz="1200" dirty="0" smtClean="0">
+            <a:endParaRPr lang="en-GB" sz="1200" dirty="0">
               <a:solidFill>
                 <a:srgbClr val="000000"/>
               </a:solidFill>
@@ -11876,7 +14194,7 @@
               </a:tabLst>
             </a:pPr>
             <a:r>
-              <a:rPr lang="en-GB" sz="4000" dirty="0" smtClean="0">
+              <a:rPr lang="en-GB" sz="4000" dirty="0">
                 <a:solidFill>
                   <a:srgbClr val="000000"/>
                 </a:solidFill>
@@ -11885,7 +14203,7 @@
               <a:t>R is driven by </a:t>
             </a:r>
             <a:r>
-              <a:rPr lang="en-GB" sz="4000" b="1" dirty="0" smtClean="0">
+              <a:rPr lang="en-GB" sz="4000" b="1" dirty="0">
                 <a:solidFill>
                   <a:srgbClr val="000000"/>
                 </a:solidFill>
@@ -11894,7 +14212,7 @@
               <a:t>functions</a:t>
             </a:r>
             <a:r>
-              <a:rPr lang="en-GB" sz="4000" dirty="0" smtClean="0">
+              <a:rPr lang="en-GB" sz="4000" dirty="0">
                 <a:solidFill>
                   <a:srgbClr val="000000"/>
                 </a:solidFill>
@@ -11956,7 +14274,7 @@
               </a:tabLst>
             </a:pPr>
             <a:r>
-              <a:rPr lang="en-GB" sz="4000" dirty="0" smtClean="0">
+              <a:rPr lang="en-GB" sz="4000" dirty="0">
                 <a:solidFill>
                   <a:srgbClr val="000000"/>
                 </a:solidFill>
@@ -11964,12 +14282,6 @@
               </a:rPr>
               <a:t>Handy       Commands:</a:t>
             </a:r>
-            <a:endParaRPr lang="en-GB" sz="4000" dirty="0">
-              <a:solidFill>
-                <a:srgbClr val="000000"/>
-              </a:solidFill>
-              <a:latin typeface="Times New Roman" pitchFamily="18" charset="0"/>
-            </a:endParaRPr>
           </a:p>
         </p:txBody>
       </p:sp>
@@ -12020,16 +14332,12 @@
           <a:lstStyle/>
           <a:p>
             <a:r>
-              <a:rPr lang="en-US" sz="4000" dirty="0" smtClean="0">
+              <a:rPr lang="en-US" sz="4000" dirty="0">
                 <a:latin typeface="Courier"/>
                 <a:cs typeface="Courier"/>
               </a:rPr>
               <a:t>func(arguement1, argument2)</a:t>
             </a:r>
-            <a:endParaRPr lang="en-US" sz="4000" dirty="0">
-              <a:latin typeface="Courier"/>
-              <a:cs typeface="Courier"/>
-            </a:endParaRPr>
           </a:p>
         </p:txBody>
       </p:sp>
@@ -12063,16 +14371,12 @@
               <a:t>x</a:t>
             </a:r>
             <a:r>
-              <a:rPr lang="en-US" sz="4000" dirty="0" smtClean="0">
+              <a:rPr lang="en-US" sz="4000" dirty="0">
                 <a:latin typeface="Courier"/>
                 <a:cs typeface="Courier"/>
               </a:rPr>
               <a:t> &lt;- func(arg1, arg2)</a:t>
             </a:r>
-            <a:endParaRPr lang="en-US" sz="4000" dirty="0">
-              <a:latin typeface="Courier"/>
-              <a:cs typeface="Courier"/>
-            </a:endParaRPr>
           </a:p>
         </p:txBody>
       </p:sp>
@@ -12151,16 +14455,7 @@
                   </a:solidFill>
                   <a:latin typeface="Times New Roman" pitchFamily="18" charset="0"/>
                 </a:rPr>
-                <a:t>f</a:t>
-              </a:r>
-              <a:r>
-                <a:rPr lang="en-GB" sz="2800" dirty="0" smtClean="0">
-                  <a:solidFill>
-                    <a:srgbClr val="000000"/>
-                  </a:solidFill>
-                  <a:latin typeface="Times New Roman" pitchFamily="18" charset="0"/>
-                </a:rPr>
-                <a:t>unction name</a:t>
+                <a:t>function name</a:t>
               </a:r>
               <a:endParaRPr lang="en-US" sz="2800" dirty="0"/>
             </a:p>
@@ -12242,19 +14537,10 @@
                   </a:solidFill>
                   <a:latin typeface="Times New Roman" pitchFamily="18" charset="0"/>
                 </a:rPr>
-                <a:t>i</a:t>
+                <a:t>input to function goes in </a:t>
               </a:r>
               <a:r>
-                <a:rPr lang="en-GB" sz="2800" dirty="0" smtClean="0">
-                  <a:solidFill>
-                    <a:srgbClr val="000000"/>
-                  </a:solidFill>
-                  <a:latin typeface="Times New Roman" pitchFamily="18" charset="0"/>
-                </a:rPr>
-                <a:t>nput to function goes in </a:t>
-              </a:r>
-              <a:r>
-                <a:rPr lang="en-GB" sz="2800" i="1" u="sng" dirty="0" smtClean="0">
+                <a:rPr lang="en-GB" sz="2800" i="1" u="sng" dirty="0">
                   <a:solidFill>
                     <a:srgbClr val="000000"/>
                   </a:solidFill>
@@ -12375,19 +14661,10 @@
                   </a:solidFill>
                   <a:latin typeface="Times New Roman" pitchFamily="18" charset="0"/>
                 </a:rPr>
-                <a:t>f</a:t>
+                <a:t>function returns something; gets dumped into </a:t>
               </a:r>
               <a:r>
-                <a:rPr lang="en-GB" sz="2800" dirty="0" smtClean="0">
-                  <a:solidFill>
-                    <a:srgbClr val="000000"/>
-                  </a:solidFill>
-                  <a:latin typeface="Times New Roman" pitchFamily="18" charset="0"/>
-                </a:rPr>
-                <a:t>unction returns something; gets dumped into </a:t>
-              </a:r>
-              <a:r>
-                <a:rPr lang="en-GB" sz="2800" dirty="0" err="1" smtClean="0">
+                <a:rPr lang="en-GB" sz="2800" dirty="0" err="1">
                   <a:solidFill>
                     <a:srgbClr val="000000"/>
                   </a:solidFill>
@@ -12444,7 +14721,7 @@
   <p:timing>
     <p:tnLst>
       <p:par>
-        <p:cTn xmlns:p14="http://schemas.microsoft.com/office/powerpoint/2010/main" id="1" dur="indefinite" restart="never" nodeType="tmRoot">
+        <p:cTn id="1" dur="indefinite" restart="never" nodeType="tmRoot">
           <p:childTnLst>
             <p:seq concurrent="1" nextAc="seek">
               <p:cTn id="2" dur="indefinite" nodeType="mainSeq">
@@ -12799,7 +15076,7 @@
                 <a:tab pos="10488613" algn="l"/>
               </a:tabLst>
             </a:pPr>
-            <a:endParaRPr lang="en-GB" sz="1200" dirty="0" smtClean="0">
+            <a:endParaRPr lang="en-GB" sz="1200" dirty="0">
               <a:solidFill>
                 <a:srgbClr val="000000"/>
               </a:solidFill>
@@ -12833,7 +15110,7 @@
               </a:tabLst>
             </a:pPr>
             <a:r>
-              <a:rPr lang="en-GB" sz="2800" dirty="0" smtClean="0">
+              <a:rPr lang="en-GB" sz="2800" dirty="0">
                 <a:solidFill>
                   <a:srgbClr val="000000"/>
                 </a:solidFill>
@@ -12842,7 +15119,7 @@
               <a:t>Say we have a </a:t>
             </a:r>
             <a:r>
-              <a:rPr lang="en-GB" sz="2800" b="1" dirty="0" smtClean="0">
+              <a:rPr lang="en-GB" sz="2800" b="1" dirty="0">
                 <a:solidFill>
                   <a:srgbClr val="000000"/>
                 </a:solidFill>
@@ -12851,7 +15128,7 @@
               <a:t>vector</a:t>
             </a:r>
             <a:r>
-              <a:rPr lang="en-GB" sz="2800" dirty="0" smtClean="0">
+              <a:rPr lang="en-GB" sz="2800" dirty="0">
                 <a:solidFill>
                   <a:srgbClr val="000000"/>
                 </a:solidFill>
@@ -12913,7 +15190,7 @@
               </a:tabLst>
             </a:pPr>
             <a:r>
-              <a:rPr lang="en-GB" sz="4000" dirty="0" smtClean="0">
+              <a:rPr lang="en-GB" sz="4000" dirty="0">
                 <a:solidFill>
                   <a:srgbClr val="000000"/>
                 </a:solidFill>
@@ -12921,12 +15198,6 @@
               </a:rPr>
               <a:t>Using R functions: Example</a:t>
             </a:r>
-            <a:endParaRPr lang="en-GB" sz="4000" dirty="0">
-              <a:solidFill>
-                <a:srgbClr val="000000"/>
-              </a:solidFill>
-              <a:latin typeface="Times New Roman" pitchFamily="18" charset="0"/>
-            </a:endParaRPr>
           </a:p>
         </p:txBody>
       </p:sp>
@@ -12994,86 +15265,42 @@
                 <a:latin typeface="Courier"/>
                 <a:cs typeface="Courier"/>
               </a:rPr>
-              <a:t># </a:t>
-            </a:r>
-            <a:r>
-              <a:rPr lang="en-US" dirty="0" smtClean="0">
-                <a:solidFill>
-                  <a:srgbClr val="FFFF00"/>
+              <a:t># Enter in the vector of data:</a:t>
+            </a:r>
+          </a:p>
+          <a:p>
+            <a:r>
+              <a:rPr lang="en-US" dirty="0" err="1">
+                <a:solidFill>
+                  <a:schemeClr val="bg1"/>
                 </a:solidFill>
                 <a:latin typeface="Courier"/>
                 <a:cs typeface="Courier"/>
               </a:rPr>
-              <a:t>Enter in the vector of data:</a:t>
-            </a:r>
-            <a:endParaRPr lang="en-US" dirty="0">
-              <a:solidFill>
-                <a:srgbClr val="FFFF00"/>
-              </a:solidFill>
-              <a:latin typeface="Courier"/>
-              <a:cs typeface="Courier"/>
-            </a:endParaRPr>
-          </a:p>
-          <a:p>
-            <a:r>
-              <a:rPr lang="en-US" dirty="0" err="1" smtClean="0">
+              <a:t>dat</a:t>
+            </a:r>
+            <a:r>
+              <a:rPr lang="en-US" dirty="0">
                 <a:solidFill>
                   <a:schemeClr val="bg1"/>
                 </a:solidFill>
                 <a:latin typeface="Courier"/>
                 <a:cs typeface="Courier"/>
               </a:rPr>
-              <a:t>dat</a:t>
-            </a:r>
-            <a:r>
-              <a:rPr lang="en-US" dirty="0" smtClean="0">
+              <a:t> &lt;- c(-2*pi, -1.5*pi, -1*pi, -0.5*pi, 0, 0.5*pi, 1*pi,</a:t>
+            </a:r>
+          </a:p>
+          <a:p>
+            <a:r>
+              <a:rPr lang="en-US" dirty="0">
                 <a:solidFill>
                   <a:schemeClr val="bg1"/>
                 </a:solidFill>
                 <a:latin typeface="Courier"/>
                 <a:cs typeface="Courier"/>
               </a:rPr>
-              <a:t> </a:t>
-            </a:r>
-            <a:r>
-              <a:rPr lang="en-US" dirty="0">
-                <a:solidFill>
-                  <a:schemeClr val="bg1"/>
-                </a:solidFill>
-                <a:latin typeface="Courier"/>
-                <a:cs typeface="Courier"/>
-              </a:rPr>
-              <a:t>&lt;- </a:t>
-            </a:r>
-            <a:r>
-              <a:rPr lang="en-US" dirty="0" smtClean="0">
-                <a:solidFill>
-                  <a:schemeClr val="bg1"/>
-                </a:solidFill>
-                <a:latin typeface="Courier"/>
-                <a:cs typeface="Courier"/>
-              </a:rPr>
-              <a:t>c(-2*pi, -1.5*pi, -1*pi, -0.5*pi, 0, 0.5*pi, 1*pi,</a:t>
-            </a:r>
-          </a:p>
-          <a:p>
-            <a:r>
-              <a:rPr lang="en-US" dirty="0" smtClean="0">
-                <a:solidFill>
-                  <a:schemeClr val="bg1"/>
-                </a:solidFill>
-                <a:latin typeface="Courier"/>
-                <a:cs typeface="Courier"/>
-              </a:rPr>
               <a:t>1.5*pi, 2*pi)</a:t>
             </a:r>
-            <a:endParaRPr lang="en-US" dirty="0">
-              <a:solidFill>
-                <a:schemeClr val="bg1"/>
-              </a:solidFill>
-              <a:latin typeface="Courier"/>
-              <a:cs typeface="Courier"/>
-            </a:endParaRPr>
           </a:p>
         </p:txBody>
       </p:sp>
@@ -13130,7 +15357,7 @@
                 <a:tab pos="10488613" algn="l"/>
               </a:tabLst>
             </a:pPr>
-            <a:endParaRPr lang="en-GB" sz="1200" dirty="0" smtClean="0">
+            <a:endParaRPr lang="en-GB" sz="1200" dirty="0">
               <a:solidFill>
                 <a:srgbClr val="000000"/>
               </a:solidFill>
@@ -13164,7 +15391,7 @@
               </a:tabLst>
             </a:pPr>
             <a:r>
-              <a:rPr lang="en-GB" sz="2400" dirty="0" smtClean="0">
+              <a:rPr lang="en-GB" sz="2400" dirty="0">
                 <a:solidFill>
                   <a:srgbClr val="000000"/>
                 </a:solidFill>
@@ -13173,7 +15400,7 @@
               <a:t>-2</a:t>
             </a:r>
             <a:r>
-              <a:rPr lang="en-GB" sz="2400" dirty="0" smtClean="0">
+              <a:rPr lang="en-GB" sz="2400" dirty="0">
                 <a:solidFill>
                   <a:srgbClr val="000000"/>
                 </a:solidFill>
@@ -13183,7 +15410,7 @@
               <a:t>p</a:t>
             </a:r>
             <a:r>
-              <a:rPr lang="en-GB" sz="2400" dirty="0" smtClean="0">
+              <a:rPr lang="en-GB" sz="2400" dirty="0">
                 <a:solidFill>
                   <a:srgbClr val="000000"/>
                 </a:solidFill>
@@ -13202,7 +15429,7 @@
               <a:t>p</a:t>
             </a:r>
             <a:r>
-              <a:rPr lang="en-GB" sz="2400" dirty="0" smtClean="0">
+              <a:rPr lang="en-GB" sz="2400" dirty="0">
                 <a:solidFill>
                   <a:srgbClr val="000000"/>
                 </a:solidFill>
@@ -13220,7 +15447,7 @@
               </a:rPr>
               <a:t>p</a:t>
             </a:r>
-            <a:endParaRPr lang="en-GB" sz="2400" dirty="0" smtClean="0">
+            <a:endParaRPr lang="en-GB" sz="2400" dirty="0">
               <a:solidFill>
                 <a:srgbClr val="000000"/>
               </a:solidFill>
@@ -13282,7 +15509,7 @@
                 <a:tab pos="10488613" algn="l"/>
               </a:tabLst>
             </a:pPr>
-            <a:endParaRPr lang="en-GB" sz="1200" dirty="0" smtClean="0">
+            <a:endParaRPr lang="en-GB" sz="1200" dirty="0">
               <a:solidFill>
                 <a:srgbClr val="000000"/>
               </a:solidFill>
@@ -13316,7 +15543,7 @@
               </a:tabLst>
             </a:pPr>
             <a:r>
-              <a:rPr lang="en-GB" sz="2800" dirty="0" smtClean="0">
+              <a:rPr lang="en-GB" sz="2800" dirty="0">
                 <a:solidFill>
                   <a:srgbClr val="000000"/>
                 </a:solidFill>
@@ -13325,7 +15552,7 @@
               <a:t>Compute the </a:t>
             </a:r>
             <a:r>
-              <a:rPr lang="en-GB" sz="2800" b="1" dirty="0" smtClean="0">
+              <a:rPr lang="en-GB" sz="2800" b="1" dirty="0">
                 <a:solidFill>
                   <a:srgbClr val="000000"/>
                 </a:solidFill>
@@ -13334,7 +15561,7 @@
               <a:t>sin()</a:t>
             </a:r>
             <a:r>
-              <a:rPr lang="en-GB" sz="2800" dirty="0" smtClean="0">
+              <a:rPr lang="en-GB" sz="2800" dirty="0">
                 <a:solidFill>
                   <a:srgbClr val="000000"/>
                 </a:solidFill>
@@ -13377,47 +15604,42 @@
                 <a:latin typeface="Courier"/>
                 <a:cs typeface="Courier"/>
               </a:rPr>
-              <a:t># </a:t>
-            </a:r>
-            <a:r>
-              <a:rPr lang="en-US" dirty="0" smtClean="0">
-                <a:solidFill>
-                  <a:srgbClr val="FFFF00"/>
+              <a:t># Example of USING a function:</a:t>
+            </a:r>
+          </a:p>
+          <a:p>
+            <a:r>
+              <a:rPr lang="en-US" dirty="0">
+                <a:solidFill>
+                  <a:schemeClr val="bg1"/>
                 </a:solidFill>
                 <a:latin typeface="Courier"/>
                 <a:cs typeface="Courier"/>
               </a:rPr>
-              <a:t>Example of USING </a:t>
-            </a:r>
-            <a:r>
-              <a:rPr lang="en-US" dirty="0" smtClean="0">
-                <a:solidFill>
-                  <a:srgbClr val="FFFF00"/>
+              <a:t>out &lt;- sin(</a:t>
+            </a:r>
+            <a:r>
+              <a:rPr lang="en-US" dirty="0" err="1">
+                <a:solidFill>
+                  <a:schemeClr val="bg1"/>
                 </a:solidFill>
                 <a:latin typeface="Courier"/>
                 <a:cs typeface="Courier"/>
               </a:rPr>
-              <a:t>a function:</a:t>
-            </a:r>
-            <a:endParaRPr lang="en-US" dirty="0">
-              <a:solidFill>
-                <a:srgbClr val="FFFF00"/>
-              </a:solidFill>
-              <a:latin typeface="Courier"/>
-              <a:cs typeface="Courier"/>
-            </a:endParaRPr>
-          </a:p>
-          <a:p>
-            <a:r>
-              <a:rPr lang="en-US" dirty="0" smtClean="0">
+              <a:t>dat</a:t>
+            </a:r>
+            <a:r>
+              <a:rPr lang="en-US" dirty="0">
                 <a:solidFill>
                   <a:schemeClr val="bg1"/>
                 </a:solidFill>
                 <a:latin typeface="Courier"/>
                 <a:cs typeface="Courier"/>
               </a:rPr>
-              <a:t>out </a:t>
-            </a:r>
+              <a:t>)</a:t>
+            </a:r>
+          </a:p>
+          <a:p>
             <a:r>
               <a:rPr lang="en-US" dirty="0">
                 <a:solidFill>
@@ -13426,57 +15648,8 @@
                 <a:latin typeface="Courier"/>
                 <a:cs typeface="Courier"/>
               </a:rPr>
-              <a:t>&lt;- </a:t>
-            </a:r>
-            <a:r>
-              <a:rPr lang="en-US" dirty="0" smtClean="0">
-                <a:solidFill>
-                  <a:schemeClr val="bg1"/>
-                </a:solidFill>
-                <a:latin typeface="Courier"/>
-                <a:cs typeface="Courier"/>
-              </a:rPr>
-              <a:t>sin(</a:t>
-            </a:r>
-            <a:r>
-              <a:rPr lang="en-US" dirty="0" err="1" smtClean="0">
-                <a:solidFill>
-                  <a:schemeClr val="bg1"/>
-                </a:solidFill>
-                <a:latin typeface="Courier"/>
-                <a:cs typeface="Courier"/>
-              </a:rPr>
-              <a:t>dat</a:t>
-            </a:r>
-            <a:r>
-              <a:rPr lang="en-US" dirty="0" smtClean="0">
-                <a:solidFill>
-                  <a:schemeClr val="bg1"/>
-                </a:solidFill>
-                <a:latin typeface="Courier"/>
-                <a:cs typeface="Courier"/>
-              </a:rPr>
-              <a:t>)</a:t>
-            </a:r>
-          </a:p>
-          <a:p>
-            <a:r>
-              <a:rPr lang="en-US" dirty="0" smtClean="0">
-                <a:solidFill>
-                  <a:schemeClr val="bg1"/>
-                </a:solidFill>
-                <a:latin typeface="Courier"/>
-                <a:cs typeface="Courier"/>
-              </a:rPr>
               <a:t>out</a:t>
             </a:r>
-            <a:endParaRPr lang="en-US" dirty="0">
-              <a:solidFill>
-                <a:schemeClr val="bg1"/>
-              </a:solidFill>
-              <a:latin typeface="Courier"/>
-              <a:cs typeface="Courier"/>
-            </a:endParaRPr>
           </a:p>
         </p:txBody>
       </p:sp>
@@ -13560,10 +15733,9 @@
           <a:lstStyle/>
           <a:p>
             <a:r>
-              <a:rPr lang="en-US" dirty="0" smtClean="0"/>
+              <a:rPr lang="en-US" dirty="0"/>
               <a:t>c() is the “collect” function</a:t>
             </a:r>
-            <a:endParaRPr lang="en-US" dirty="0"/>
           </a:p>
         </p:txBody>
       </p:sp>

--- a/Laboratories/Lab0/Intro_To_R.pptx
+++ b/Laboratories/Lab0/Intro_To_R.pptx
@@ -226,7 +226,7 @@
             <a:fld id="{E5C71FD9-B322-2549-9400-AF0C57474107}" type="datetimeFigureOut">
               <a:rPr lang="en-US" smtClean="0"/>
               <a:pPr/>
-              <a:t>8/31/20</a:t>
+              <a:t>1/30/24</a:t>
             </a:fld>
             <a:endParaRPr lang="en-US"/>
           </a:p>
@@ -933,7 +933,7 @@
             <a:fld id="{A3417F39-3343-D34D-887C-91D887A1DE4F}" type="datetimeFigureOut">
               <a:rPr lang="en-US" smtClean="0"/>
               <a:pPr/>
-              <a:t>8/31/20</a:t>
+              <a:t>1/30/24</a:t>
             </a:fld>
             <a:endParaRPr lang="en-US"/>
           </a:p>
@@ -1098,7 +1098,7 @@
             <a:fld id="{A3417F39-3343-D34D-887C-91D887A1DE4F}" type="datetimeFigureOut">
               <a:rPr lang="en-US" smtClean="0"/>
               <a:pPr/>
-              <a:t>8/31/20</a:t>
+              <a:t>1/30/24</a:t>
             </a:fld>
             <a:endParaRPr lang="en-US"/>
           </a:p>
@@ -1273,7 +1273,7 @@
             <a:fld id="{A3417F39-3343-D34D-887C-91D887A1DE4F}" type="datetimeFigureOut">
               <a:rPr lang="en-US" smtClean="0"/>
               <a:pPr/>
-              <a:t>8/31/20</a:t>
+              <a:t>1/30/24</a:t>
             </a:fld>
             <a:endParaRPr lang="en-US"/>
           </a:p>
@@ -1438,7 +1438,7 @@
             <a:fld id="{A3417F39-3343-D34D-887C-91D887A1DE4F}" type="datetimeFigureOut">
               <a:rPr lang="en-US" smtClean="0"/>
               <a:pPr/>
-              <a:t>8/31/20</a:t>
+              <a:t>1/30/24</a:t>
             </a:fld>
             <a:endParaRPr lang="en-US"/>
           </a:p>
@@ -1680,7 +1680,7 @@
             <a:fld id="{A3417F39-3343-D34D-887C-91D887A1DE4F}" type="datetimeFigureOut">
               <a:rPr lang="en-US" smtClean="0"/>
               <a:pPr/>
-              <a:t>8/31/20</a:t>
+              <a:t>1/30/24</a:t>
             </a:fld>
             <a:endParaRPr lang="en-US"/>
           </a:p>
@@ -1962,7 +1962,7 @@
             <a:fld id="{A3417F39-3343-D34D-887C-91D887A1DE4F}" type="datetimeFigureOut">
               <a:rPr lang="en-US" smtClean="0"/>
               <a:pPr/>
-              <a:t>8/31/20</a:t>
+              <a:t>1/30/24</a:t>
             </a:fld>
             <a:endParaRPr lang="en-US"/>
           </a:p>
@@ -2378,7 +2378,7 @@
             <a:fld id="{A3417F39-3343-D34D-887C-91D887A1DE4F}" type="datetimeFigureOut">
               <a:rPr lang="en-US" smtClean="0"/>
               <a:pPr/>
-              <a:t>8/31/20</a:t>
+              <a:t>1/30/24</a:t>
             </a:fld>
             <a:endParaRPr lang="en-US"/>
           </a:p>
@@ -2492,7 +2492,7 @@
             <a:fld id="{A3417F39-3343-D34D-887C-91D887A1DE4F}" type="datetimeFigureOut">
               <a:rPr lang="en-US" smtClean="0"/>
               <a:pPr/>
-              <a:t>8/31/20</a:t>
+              <a:t>1/30/24</a:t>
             </a:fld>
             <a:endParaRPr lang="en-US"/>
           </a:p>
@@ -2584,7 +2584,7 @@
             <a:fld id="{A3417F39-3343-D34D-887C-91D887A1DE4F}" type="datetimeFigureOut">
               <a:rPr lang="en-US" smtClean="0"/>
               <a:pPr/>
-              <a:t>8/31/20</a:t>
+              <a:t>1/30/24</a:t>
             </a:fld>
             <a:endParaRPr lang="en-US"/>
           </a:p>
@@ -2856,7 +2856,7 @@
             <a:fld id="{A3417F39-3343-D34D-887C-91D887A1DE4F}" type="datetimeFigureOut">
               <a:rPr lang="en-US" smtClean="0"/>
               <a:pPr/>
-              <a:t>8/31/20</a:t>
+              <a:t>1/30/24</a:t>
             </a:fld>
             <a:endParaRPr lang="en-US"/>
           </a:p>
@@ -3105,7 +3105,7 @@
             <a:fld id="{A3417F39-3343-D34D-887C-91D887A1DE4F}" type="datetimeFigureOut">
               <a:rPr lang="en-US" smtClean="0"/>
               <a:pPr/>
-              <a:t>8/31/20</a:t>
+              <a:t>1/30/24</a:t>
             </a:fld>
             <a:endParaRPr lang="en-US"/>
           </a:p>
@@ -3313,7 +3313,7 @@
             <a:fld id="{A3417F39-3343-D34D-887C-91D887A1DE4F}" type="datetimeFigureOut">
               <a:rPr lang="en-US" smtClean="0"/>
               <a:pPr/>
-              <a:t>8/31/20</a:t>
+              <a:t>1/30/24</a:t>
             </a:fld>
             <a:endParaRPr lang="en-US"/>
           </a:p>
@@ -4599,7 +4599,27 @@
                 <a:latin typeface="Courier"/>
                 <a:cs typeface="Courier"/>
               </a:rPr>
-              <a:t>plot(x, y, type=“l”)</a:t>
+              <a:t>plot(x, y, type=</a:t>
+            </a:r>
+            <a:r>
+              <a:rPr lang="en-US" dirty="0">
+                <a:solidFill>
+                  <a:srgbClr val="00B050"/>
+                </a:solidFill>
+                <a:latin typeface="Courier"/>
+                <a:cs typeface="Courier"/>
+              </a:rPr>
+              <a:t>"l"</a:t>
+            </a:r>
+            <a:r>
+              <a:rPr lang="en-US" dirty="0">
+                <a:solidFill>
+                  <a:schemeClr val="bg1"/>
+                </a:solidFill>
+                <a:latin typeface="Courier"/>
+                <a:cs typeface="Courier"/>
+              </a:rPr>
+              <a:t>)</a:t>
             </a:r>
           </a:p>
         </p:txBody>
@@ -12668,7 +12688,7 @@
         <p:spPr>
           <a:xfrm>
             <a:off x="2336789" y="4760925"/>
-            <a:ext cx="6750380" cy="584776"/>
+            <a:ext cx="6750380" cy="584775"/>
           </a:xfrm>
           <a:prstGeom prst="rect">
             <a:avLst/>
@@ -12704,25 +12724,19 @@
               </a:tabLst>
             </a:pPr>
             <a:r>
-              <a:rPr lang="en-US" sz="3200" dirty="0" err="1">
+              <a:rPr lang="en-US" sz="3200" dirty="0">
                 <a:solidFill>
                   <a:srgbClr val="000000"/>
                 </a:solidFill>
                 <a:latin typeface="Courier"/>
                 <a:cs typeface="Courier"/>
               </a:rPr>
-              <a:t>x</a:t>
-            </a:r>
-            <a:r>
-              <a:rPr lang="en-US" sz="3200" dirty="0">
-                <a:solidFill>
-                  <a:srgbClr val="000000"/>
-                </a:solidFill>
-                <a:latin typeface="Courier"/>
-                <a:cs typeface="Courier"/>
-              </a:rPr>
-              <a:t> &lt;- “text goes in quotes”</a:t>
-            </a:r>
+              <a:t>x &lt;- "text goes in quotes"</a:t>
+            </a:r>
+            <a:endParaRPr lang="en-US" sz="3200" dirty="0">
+              <a:latin typeface="Courier"/>
+              <a:cs typeface="Courier"/>
+            </a:endParaRPr>
           </a:p>
         </p:txBody>
       </p:sp>
